--- a/Slides/Unlocking_the_Secrets_of_Matter.pptx
+++ b/Slides/Unlocking_the_Secrets_of_Matter.pptx
@@ -13,8 +13,6 @@
     <p:sldId id="261" r:id="rId12"/>
     <p:sldId id="262" r:id="rId13"/>
     <p:sldId id="263" r:id="rId14"/>
-    <p:sldId id="264" r:id="rId15"/>
-    <p:sldId id="265" r:id="rId16"/>
   </p:sldIdLst>
   <p:sldSz cx="16256000" cy="9144000" type="screen4x3"/>
   <p:notesSz cx="6858000" cy="9144000"/>
@@ -3113,7 +3111,7 @@
         </p:nvSpPr>
         <p:spPr>
           <a:xfrm>
-            <a:off x="1016000" y="3035300"/>
+            <a:off x="1016000" y="2857500"/>
             <a:ext cx="6731000" cy="1219200"/>
           </a:xfrm>
           <a:prstGeom prst="rect">
@@ -3142,7 +3140,7 @@
                 </a:solidFill>
                 <a:latin typeface="inter"/>
               </a:rPr>
-              <a:t>Everything is Made of Particles</a:t>
+              <a:t>Unlocking the Secrets of Matter</a:t>
             </a:r>
           </a:p>
         </p:txBody>
@@ -3155,8 +3153,8 @@
         </p:nvSpPr>
         <p:spPr>
           <a:xfrm>
-            <a:off x="1016000" y="4559300"/>
-            <a:ext cx="6731000" cy="1549400"/>
+            <a:off x="1016000" y="4381500"/>
+            <a:ext cx="6731000" cy="1905000"/>
           </a:xfrm>
           <a:prstGeom prst="rect">
             <a:avLst/>
@@ -3184,14 +3182,14 @@
                 </a:solidFill>
                 <a:latin typeface="inter"/>
               </a:rPr>
-              <a:t>Everything around us consists of tiny, constantly moving particles. In solids, they're close and vibrate; in liquids/gases, they move more freely, causing `diffusion`. This motion defines matter's properties.</a:t>
+              <a:t>Explore the fundamental building blocks of our universe. From the smallest particles to the largest structures, discover the secrets that govern matter's behavior and transformations. Understand the essence of everything around us.</a:t>
             </a:r>
           </a:p>
         </p:txBody>
       </p:sp>
       <p:pic>
         <p:nvPicPr>
-          <p:cNvPr id="4" name="Picture 3" descr="a20e1ed2-632c-4752-88dd-724b57e67582.png"/>
+          <p:cNvPr id="4" name="Picture 3" descr="0a1bf311-68e9-4a2c-938b-27437b85b8c2.png"/>
           <p:cNvPicPr>
             <a:picLocks noChangeAspect="1"/>
           </p:cNvPicPr>
@@ -3213,536 +3211,6 @@
           </a:prstGeom>
         </p:spPr>
       </p:pic>
-    </p:spTree>
-  </p:cSld>
-  <p:clrMapOvr>
-    <a:masterClrMapping/>
-  </p:clrMapOvr>
-</p:sld>
-</file>
-
-<file path=ppt/slides/slide10.xml><?xml version="1.0" encoding="utf-8"?>
-<p:sld xmlns:a="http://schemas.openxmlformats.org/drawingml/2006/main" xmlns:p="http://schemas.openxmlformats.org/presentationml/2006/main" xmlns:r="http://schemas.openxmlformats.org/officeDocument/2006/relationships">
-  <p:cSld>
-    <p:bg>
-      <p:bgPr>
-        <a:solidFill>
-          <a:srgbClr val="F2F2F2"/>
-        </a:solidFill>
-        <a:effectLst/>
-      </p:bgPr>
-    </p:bg>
-    <p:spTree>
-      <p:nvGrpSpPr>
-        <p:cNvPr id="1" name=""/>
-        <p:cNvGrpSpPr/>
-        <p:nvPr/>
-      </p:nvGrpSpPr>
-      <p:grpSpPr/>
-      <p:sp>
-        <p:nvSpPr>
-          <p:cNvPr id="2" name="TextBox 1"/>
-          <p:cNvSpPr txBox="1"/>
-          <p:nvPr/>
-        </p:nvSpPr>
-        <p:spPr>
-          <a:xfrm>
-            <a:off x="1016000" y="3352800"/>
-            <a:ext cx="6731000" cy="609600"/>
-          </a:xfrm>
-          <a:prstGeom prst="rect">
-            <a:avLst/>
-          </a:prstGeom>
-          <a:noFill/>
-        </p:spPr>
-        <p:txBody>
-          <a:bodyPr wrap="square" lIns="0" rIns="0" tIns="0" bIns="0">
-            <a:spAutoFit/>
-          </a:bodyPr>
-          <a:lstStyle/>
-          <a:p>
-            <a:pPr algn="l">
-              <a:defRPr b="1" i="0" sz="4000">
-                <a:solidFill>
-                  <a:srgbClr val="000000"/>
-                </a:solidFill>
-                <a:latin typeface="inter"/>
-              </a:defRPr>
-            </a:pPr>
-            <a:r>
-              <a:rPr b="1" i="0" sz="4000">
-                <a:solidFill>
-                  <a:srgbClr val="000000"/>
-                </a:solidFill>
-                <a:latin typeface="inter"/>
-              </a:rPr>
-              <a:t>A Closer Look at Gases</a:t>
-            </a:r>
-          </a:p>
-        </p:txBody>
-      </p:sp>
-      <p:sp>
-        <p:nvSpPr>
-          <p:cNvPr id="3" name="TextBox 2"/>
-          <p:cNvSpPr txBox="1"/>
-          <p:nvPr/>
-        </p:nvSpPr>
-        <p:spPr>
-          <a:xfrm>
-            <a:off x="1016000" y="4267200"/>
-            <a:ext cx="6731000" cy="1524000"/>
-          </a:xfrm>
-          <a:prstGeom prst="rect">
-            <a:avLst/>
-          </a:prstGeom>
-          <a:noFill/>
-        </p:spPr>
-        <p:txBody>
-          <a:bodyPr wrap="square" lIns="0" rIns="0" tIns="0" bIns="0">
-            <a:spAutoFit/>
-          </a:bodyPr>
-          <a:lstStyle/>
-          <a:p>
-            <a:pPr algn="l">
-              <a:defRPr b="0" i="0" sz="2000">
-                <a:solidFill>
-                  <a:srgbClr val="333333"/>
-                </a:solidFill>
-                <a:latin typeface="inter"/>
-              </a:defRPr>
-            </a:pPr>
-            <a:r>
-              <a:rPr b="0" i="0" sz="2000">
-                <a:solidFill>
-                  <a:srgbClr val="333333"/>
-                </a:solidFill>
-                <a:latin typeface="inter"/>
-              </a:rPr>
-              <a:t>Gas pressure arises from particle collisions with container walls. More collisions raise pressure, increased by temperature or decreased volume, measured in Pascals or atmospheres.</a:t>
-            </a:r>
-          </a:p>
-        </p:txBody>
-      </p:sp>
-      <p:sp>
-        <p:nvSpPr>
-          <p:cNvPr id="4" name="Rounded Rectangle 3"/>
-          <p:cNvSpPr/>
-          <p:nvPr/>
-        </p:nvSpPr>
-        <p:spPr>
-          <a:xfrm>
-            <a:off x="8534400" y="1092200"/>
-            <a:ext cx="6705600" cy="3276600"/>
-          </a:xfrm>
-          <a:prstGeom prst="roundRect">
-            <a:avLst>
-              <a:gd name="adj" fmla="val 3100"/>
-            </a:avLst>
-          </a:prstGeom>
-          <a:solidFill>
-            <a:srgbClr val="FFFFFF"/>
-          </a:solidFill>
-          <a:ln>
-            <a:noFill/>
-          </a:ln>
-          <a:effectLst>
-            <a:outerShdw blurRad="127000" dir="90000" dist="25400" rotWithShape="0">
-              <a:srgbClr val="2b2b2b">
-                <a:alpha val="20000"/>
-              </a:srgbClr>
-            </a:outerShdw>
-          </a:effectLst>
-        </p:spPr>
-        <p:style>
-          <a:lnRef idx="1">
-            <a:schemeClr val="accent1"/>
-          </a:lnRef>
-          <a:fillRef idx="3">
-            <a:schemeClr val="accent1"/>
-          </a:fillRef>
-          <a:effectRef idx="2">
-            <a:schemeClr val="accent1"/>
-          </a:effectRef>
-          <a:fontRef idx="minor">
-            <a:schemeClr val="lt1"/>
-          </a:fontRef>
-        </p:style>
-        <p:txBody>
-          <a:bodyPr rtlCol="0" anchor="ctr" wrap="square" lIns="0" rIns="0" tIns="0" bIns="0"/>
-          <a:lstStyle/>
-          <a:p>
-            <a:pPr algn="ctr"/>
-          </a:p>
-        </p:txBody>
-      </p:sp>
-      <p:sp>
-        <p:nvSpPr>
-          <p:cNvPr id="5" name="Oval 4"/>
-          <p:cNvSpPr/>
-          <p:nvPr/>
-        </p:nvSpPr>
-        <p:spPr>
-          <a:xfrm>
-            <a:off x="8839200" y="1397000"/>
-            <a:ext cx="812800" cy="812800"/>
-          </a:xfrm>
-          <a:prstGeom prst="ellipse">
-            <a:avLst/>
-          </a:prstGeom>
-          <a:solidFill>
-            <a:srgbClr val="1F1F2D"/>
-          </a:solidFill>
-          <a:ln>
-            <a:noFill/>
-          </a:ln>
-          <a:effectLst>
-            <a:outerShdw blurRad="0" dir="0" dist="0" rotWithShape="0">
-              <a:srgbClr val="000000">
-                <a:alpha val="0"/>
-              </a:srgbClr>
-            </a:outerShdw>
-          </a:effectLst>
-        </p:spPr>
-        <p:style>
-          <a:lnRef idx="1">
-            <a:schemeClr val="accent1"/>
-          </a:lnRef>
-          <a:fillRef idx="3">
-            <a:schemeClr val="accent1"/>
-          </a:fillRef>
-          <a:effectRef idx="2">
-            <a:schemeClr val="accent1"/>
-          </a:effectRef>
-          <a:fontRef idx="minor">
-            <a:schemeClr val="lt1"/>
-          </a:fontRef>
-        </p:style>
-        <p:txBody>
-          <a:bodyPr rtlCol="0" anchor="ctr" wrap="square" lIns="0" rIns="0" tIns="0" bIns="0"/>
-          <a:lstStyle/>
-          <a:p>
-            <a:pPr algn="ctr"/>
-          </a:p>
-        </p:txBody>
-      </p:sp>
-      <p:pic>
-        <p:nvPicPr>
-          <p:cNvPr id="6" name="Picture 5" descr="a22d59e4-e7b2-4885-b4a4-76b12c0604ab.png"/>
-          <p:cNvPicPr>
-            <a:picLocks noChangeAspect="1"/>
-          </p:cNvPicPr>
-          <p:nvPr/>
-        </p:nvPicPr>
-        <p:blipFill>
-          <a:blip r:embed="rId2"/>
-          <a:stretch>
-            <a:fillRect/>
-          </a:stretch>
-        </p:blipFill>
-        <p:spPr>
-          <a:xfrm>
-            <a:off x="9042400" y="1600200"/>
-            <a:ext cx="406400" cy="406400"/>
-          </a:xfrm>
-          <a:prstGeom prst="rect">
-            <a:avLst/>
-          </a:prstGeom>
-        </p:spPr>
-      </p:pic>
-      <p:sp>
-        <p:nvSpPr>
-          <p:cNvPr id="7" name="TextBox 6"/>
-          <p:cNvSpPr txBox="1"/>
-          <p:nvPr/>
-        </p:nvSpPr>
-        <p:spPr>
-          <a:xfrm>
-            <a:off x="8839200" y="2362200"/>
-            <a:ext cx="6121400" cy="406400"/>
-          </a:xfrm>
-          <a:prstGeom prst="rect">
-            <a:avLst/>
-          </a:prstGeom>
-          <a:noFill/>
-        </p:spPr>
-        <p:txBody>
-          <a:bodyPr wrap="square" lIns="0" rIns="0" tIns="0" bIns="0">
-            <a:spAutoFit/>
-          </a:bodyPr>
-          <a:lstStyle/>
-          <a:p>
-            <a:pPr algn="l">
-              <a:defRPr b="1" i="0" sz="2400">
-                <a:solidFill>
-                  <a:srgbClr val="1A1A1A"/>
-                </a:solidFill>
-                <a:latin typeface="inter"/>
-              </a:defRPr>
-            </a:pPr>
-            <a:r>
-              <a:rPr b="1" i="0" sz="2400">
-                <a:solidFill>
-                  <a:srgbClr val="1A1A1A"/>
-                </a:solidFill>
-                <a:latin typeface="inter"/>
-              </a:rPr>
-              <a:t>Gas Pressure</a:t>
-            </a:r>
-          </a:p>
-        </p:txBody>
-      </p:sp>
-      <p:sp>
-        <p:nvSpPr>
-          <p:cNvPr id="8" name="TextBox 7"/>
-          <p:cNvSpPr txBox="1"/>
-          <p:nvPr/>
-        </p:nvSpPr>
-        <p:spPr>
-          <a:xfrm>
-            <a:off x="8839200" y="2921000"/>
-            <a:ext cx="6121400" cy="1143000"/>
-          </a:xfrm>
-          <a:prstGeom prst="rect">
-            <a:avLst/>
-          </a:prstGeom>
-          <a:noFill/>
-        </p:spPr>
-        <p:txBody>
-          <a:bodyPr wrap="square" lIns="0" rIns="0" tIns="0" bIns="0">
-            <a:spAutoFit/>
-          </a:bodyPr>
-          <a:lstStyle/>
-          <a:p>
-            <a:pPr algn="l">
-              <a:defRPr b="0" i="0" sz="2000">
-                <a:solidFill>
-                  <a:srgbClr val="333333"/>
-                </a:solidFill>
-                <a:latin typeface="inter"/>
-              </a:defRPr>
-            </a:pPr>
-            <a:r>
-              <a:rPr b="0" i="0" sz="2000">
-                <a:solidFill>
-                  <a:srgbClr val="333333"/>
-                </a:solidFill>
-                <a:latin typeface="inter"/>
-              </a:rPr>
-              <a:t>Caused by gas particles colliding with the walls of their container. More collisions result in higher pressure within the container.</a:t>
-            </a:r>
-          </a:p>
-        </p:txBody>
-      </p:sp>
-      <p:sp>
-        <p:nvSpPr>
-          <p:cNvPr id="9" name="Rounded Rectangle 8"/>
-          <p:cNvSpPr/>
-          <p:nvPr/>
-        </p:nvSpPr>
-        <p:spPr>
-          <a:xfrm>
-            <a:off x="8534400" y="4775200"/>
-            <a:ext cx="6705600" cy="3276600"/>
-          </a:xfrm>
-          <a:prstGeom prst="roundRect">
-            <a:avLst>
-              <a:gd name="adj" fmla="val 3100"/>
-            </a:avLst>
-          </a:prstGeom>
-          <a:solidFill>
-            <a:srgbClr val="FFFFFF"/>
-          </a:solidFill>
-          <a:ln>
-            <a:noFill/>
-          </a:ln>
-          <a:effectLst>
-            <a:outerShdw blurRad="127000" dir="90000" dist="25400" rotWithShape="0">
-              <a:srgbClr val="2b2b2b">
-                <a:alpha val="20000"/>
-              </a:srgbClr>
-            </a:outerShdw>
-          </a:effectLst>
-        </p:spPr>
-        <p:style>
-          <a:lnRef idx="1">
-            <a:schemeClr val="accent1"/>
-          </a:lnRef>
-          <a:fillRef idx="3">
-            <a:schemeClr val="accent1"/>
-          </a:fillRef>
-          <a:effectRef idx="2">
-            <a:schemeClr val="accent1"/>
-          </a:effectRef>
-          <a:fontRef idx="minor">
-            <a:schemeClr val="lt1"/>
-          </a:fontRef>
-        </p:style>
-        <p:txBody>
-          <a:bodyPr rtlCol="0" anchor="ctr" wrap="square" lIns="0" rIns="0" tIns="0" bIns="0"/>
-          <a:lstStyle/>
-          <a:p>
-            <a:pPr algn="ctr"/>
-          </a:p>
-        </p:txBody>
-      </p:sp>
-      <p:sp>
-        <p:nvSpPr>
-          <p:cNvPr id="10" name="Oval 9"/>
-          <p:cNvSpPr/>
-          <p:nvPr/>
-        </p:nvSpPr>
-        <p:spPr>
-          <a:xfrm>
-            <a:off x="8839200" y="5080000"/>
-            <a:ext cx="812800" cy="812800"/>
-          </a:xfrm>
-          <a:prstGeom prst="ellipse">
-            <a:avLst/>
-          </a:prstGeom>
-          <a:solidFill>
-            <a:srgbClr val="1F1F2D"/>
-          </a:solidFill>
-          <a:ln>
-            <a:noFill/>
-          </a:ln>
-          <a:effectLst>
-            <a:outerShdw blurRad="0" dir="0" dist="0" rotWithShape="0">
-              <a:srgbClr val="000000">
-                <a:alpha val="0"/>
-              </a:srgbClr>
-            </a:outerShdw>
-          </a:effectLst>
-        </p:spPr>
-        <p:style>
-          <a:lnRef idx="1">
-            <a:schemeClr val="accent1"/>
-          </a:lnRef>
-          <a:fillRef idx="3">
-            <a:schemeClr val="accent1"/>
-          </a:fillRef>
-          <a:effectRef idx="2">
-            <a:schemeClr val="accent1"/>
-          </a:effectRef>
-          <a:fontRef idx="minor">
-            <a:schemeClr val="lt1"/>
-          </a:fontRef>
-        </p:style>
-        <p:txBody>
-          <a:bodyPr rtlCol="0" anchor="ctr" wrap="square" lIns="0" rIns="0" tIns="0" bIns="0"/>
-          <a:lstStyle/>
-          <a:p>
-            <a:pPr algn="ctr"/>
-          </a:p>
-        </p:txBody>
-      </p:sp>
-      <p:pic>
-        <p:nvPicPr>
-          <p:cNvPr id="11" name="Picture 10" descr="a6df8259-1a1e-4eae-a4ed-873af48ae6c5.png"/>
-          <p:cNvPicPr>
-            <a:picLocks noChangeAspect="1"/>
-          </p:cNvPicPr>
-          <p:nvPr/>
-        </p:nvPicPr>
-        <p:blipFill>
-          <a:blip r:embed="rId3"/>
-          <a:stretch>
-            <a:fillRect/>
-          </a:stretch>
-        </p:blipFill>
-        <p:spPr>
-          <a:xfrm>
-            <a:off x="9042400" y="5283200"/>
-            <a:ext cx="406400" cy="406400"/>
-          </a:xfrm>
-          <a:prstGeom prst="rect">
-            <a:avLst/>
-          </a:prstGeom>
-        </p:spPr>
-      </p:pic>
-      <p:sp>
-        <p:nvSpPr>
-          <p:cNvPr id="12" name="TextBox 11"/>
-          <p:cNvSpPr txBox="1"/>
-          <p:nvPr/>
-        </p:nvSpPr>
-        <p:spPr>
-          <a:xfrm>
-            <a:off x="8839200" y="6045200"/>
-            <a:ext cx="6121400" cy="406400"/>
-          </a:xfrm>
-          <a:prstGeom prst="rect">
-            <a:avLst/>
-          </a:prstGeom>
-          <a:noFill/>
-        </p:spPr>
-        <p:txBody>
-          <a:bodyPr wrap="square" lIns="0" rIns="0" tIns="0" bIns="0">
-            <a:spAutoFit/>
-          </a:bodyPr>
-          <a:lstStyle/>
-          <a:p>
-            <a:pPr algn="l">
-              <a:defRPr b="1" i="0" sz="2400">
-                <a:solidFill>
-                  <a:srgbClr val="1A1A1A"/>
-                </a:solidFill>
-                <a:latin typeface="inter"/>
-              </a:defRPr>
-            </a:pPr>
-            <a:r>
-              <a:rPr b="1" i="0" sz="2400">
-                <a:solidFill>
-                  <a:srgbClr val="1A1A1A"/>
-                </a:solidFill>
-                <a:latin typeface="inter"/>
-              </a:rPr>
-              <a:t>Pressure Measurement</a:t>
-            </a:r>
-          </a:p>
-        </p:txBody>
-      </p:sp>
-      <p:sp>
-        <p:nvSpPr>
-          <p:cNvPr id="13" name="TextBox 12"/>
-          <p:cNvSpPr txBox="1"/>
-          <p:nvPr/>
-        </p:nvSpPr>
-        <p:spPr>
-          <a:xfrm>
-            <a:off x="8839200" y="6604000"/>
-            <a:ext cx="6121400" cy="1143000"/>
-          </a:xfrm>
-          <a:prstGeom prst="rect">
-            <a:avLst/>
-          </a:prstGeom>
-          <a:noFill/>
-        </p:spPr>
-        <p:txBody>
-          <a:bodyPr wrap="square" lIns="0" rIns="0" tIns="0" bIns="0">
-            <a:spAutoFit/>
-          </a:bodyPr>
-          <a:lstStyle/>
-          <a:p>
-            <a:pPr algn="l">
-              <a:defRPr b="0" i="0" sz="2000">
-                <a:solidFill>
-                  <a:srgbClr val="333333"/>
-                </a:solidFill>
-                <a:latin typeface="inter"/>
-              </a:defRPr>
-            </a:pPr>
-            <a:r>
-              <a:rPr b="0" i="0" sz="2000">
-                <a:solidFill>
-                  <a:srgbClr val="333333"/>
-                </a:solidFill>
-                <a:latin typeface="inter"/>
-              </a:rPr>
-              <a:t>Pressure is measured in Pascals (Pa) or atmospheres (atm). These units quantify the force exerted by gas particles per unit area.</a:t>
-            </a:r>
-          </a:p>
-        </p:txBody>
-      </p:sp>
     </p:spTree>
   </p:cSld>
   <p:clrMapOvr>
@@ -3777,8 +3245,8 @@
         </p:nvSpPr>
         <p:spPr>
           <a:xfrm>
-            <a:off x="1016000" y="3479800"/>
-            <a:ext cx="7035800" cy="609600"/>
+            <a:off x="1016000" y="3543300"/>
+            <a:ext cx="6731000" cy="609600"/>
           </a:xfrm>
           <a:prstGeom prst="rect">
             <a:avLst/>
@@ -3819,8 +3287,8 @@
         </p:nvSpPr>
         <p:spPr>
           <a:xfrm>
-            <a:off x="1016000" y="4495800"/>
-            <a:ext cx="7035800" cy="1168400"/>
+            <a:off x="1016000" y="4457700"/>
+            <a:ext cx="6731000" cy="1143000"/>
           </a:xfrm>
           <a:prstGeom prst="rect">
             <a:avLst/>
@@ -3848,7 +3316,7 @@
                 </a:solidFill>
                 <a:latin typeface="inter"/>
               </a:rPr>
-              <a:t>`Diffusion` mixes particles via random movement from high to low concentration until evenly spread. It's faster in gases due to quicker particle movement.</a:t>
+              <a:t>Diffusion is crucial for various natural processes. It's the net movement of anything from a region of higher concentration to a region of lower concentration.</a:t>
             </a:r>
           </a:p>
         </p:txBody>
@@ -3861,12 +3329,12 @@
         </p:nvSpPr>
         <p:spPr>
           <a:xfrm>
-            <a:off x="8229600" y="2019300"/>
-            <a:ext cx="7010400" cy="2209800"/>
+            <a:off x="8534400" y="1092200"/>
+            <a:ext cx="6705600" cy="3276600"/>
           </a:xfrm>
           <a:prstGeom prst="roundRect">
             <a:avLst>
-              <a:gd name="adj" fmla="val 4597"/>
+              <a:gd name="adj" fmla="val 3100"/>
             </a:avLst>
           </a:prstGeom>
           <a:solidFill>
@@ -3907,156 +3375,28 @@
       </p:sp>
       <p:sp>
         <p:nvSpPr>
-          <p:cNvPr id="5" name="TextBox 4"/>
-          <p:cNvSpPr txBox="1"/>
-          <p:nvPr/>
-        </p:nvSpPr>
-        <p:spPr>
-          <a:xfrm>
-            <a:off x="8534400" y="2324100"/>
-            <a:ext cx="533400" cy="1397000"/>
-          </a:xfrm>
-          <a:prstGeom prst="rect">
-            <a:avLst/>
-          </a:prstGeom>
-          <a:noFill/>
-        </p:spPr>
-        <p:txBody>
-          <a:bodyPr wrap="square" lIns="0" rIns="0" tIns="0" bIns="0">
-            <a:spAutoFit/>
-          </a:bodyPr>
-          <a:lstStyle/>
-          <a:p>
-            <a:pPr algn="l">
-              <a:defRPr b="1" i="0" sz="3200">
-                <a:solidFill>
-                  <a:srgbClr val="1F1F2D"/>
-                </a:solidFill>
-                <a:latin typeface="inter"/>
-              </a:defRPr>
-            </a:pPr>
-            <a:r>
-              <a:rPr b="1" i="0" sz="3200">
-                <a:solidFill>
-                  <a:srgbClr val="1F1F2D"/>
-                </a:solidFill>
-                <a:latin typeface="inter"/>
-              </a:rPr>
-              <a:t>01</a:t>
-            </a:r>
-          </a:p>
-        </p:txBody>
-      </p:sp>
-      <p:sp>
-        <p:nvSpPr>
-          <p:cNvPr id="6" name="TextBox 5"/>
-          <p:cNvSpPr txBox="1"/>
-          <p:nvPr/>
-        </p:nvSpPr>
-        <p:spPr>
-          <a:xfrm>
-            <a:off x="9347200" y="2324100"/>
-            <a:ext cx="5613400" cy="406400"/>
-          </a:xfrm>
-          <a:prstGeom prst="rect">
-            <a:avLst/>
-          </a:prstGeom>
-          <a:noFill/>
-        </p:spPr>
-        <p:txBody>
-          <a:bodyPr wrap="square" lIns="0" rIns="0" tIns="0" bIns="0">
-            <a:spAutoFit/>
-          </a:bodyPr>
-          <a:lstStyle/>
-          <a:p>
-            <a:pPr algn="l">
-              <a:defRPr b="1" i="0" sz="2400">
-                <a:solidFill>
-                  <a:srgbClr val="1A1A1A"/>
-                </a:solidFill>
-                <a:latin typeface="inter"/>
-              </a:defRPr>
-            </a:pPr>
-            <a:r>
-              <a:rPr b="1" i="0" sz="2400">
-                <a:solidFill>
-                  <a:srgbClr val="1A1A1A"/>
-                </a:solidFill>
-                <a:latin typeface="inter"/>
-              </a:rPr>
-              <a:t>Concentration Gradient</a:t>
-            </a:r>
-          </a:p>
-        </p:txBody>
-      </p:sp>
-      <p:sp>
-        <p:nvSpPr>
-          <p:cNvPr id="7" name="TextBox 6"/>
-          <p:cNvSpPr txBox="1"/>
-          <p:nvPr/>
-        </p:nvSpPr>
-        <p:spPr>
-          <a:xfrm>
-            <a:off x="9347200" y="2781300"/>
-            <a:ext cx="5613400" cy="1143000"/>
-          </a:xfrm>
-          <a:prstGeom prst="rect">
-            <a:avLst/>
-          </a:prstGeom>
-          <a:noFill/>
-        </p:spPr>
-        <p:txBody>
-          <a:bodyPr wrap="square" lIns="0" rIns="0" tIns="0" bIns="0">
-            <a:spAutoFit/>
-          </a:bodyPr>
-          <a:lstStyle/>
-          <a:p>
-            <a:pPr algn="l">
-              <a:defRPr b="0" i="0" sz="2000">
-                <a:solidFill>
-                  <a:srgbClr val="333333"/>
-                </a:solidFill>
-                <a:latin typeface="inter"/>
-              </a:defRPr>
-            </a:pPr>
-            <a:r>
-              <a:rPr b="0" i="0" sz="2000">
-                <a:solidFill>
-                  <a:srgbClr val="333333"/>
-                </a:solidFill>
-                <a:latin typeface="inter"/>
-              </a:rPr>
-              <a:t>Particles move from areas of high concentration to areas of low concentration. This process continues until particles are evenly distributed.</a:t>
-            </a:r>
-          </a:p>
-        </p:txBody>
-      </p:sp>
-      <p:sp>
-        <p:nvSpPr>
-          <p:cNvPr id="8" name="Rounded Rectangle 7"/>
+          <p:cNvPr id="5" name="Oval 4"/>
           <p:cNvSpPr/>
           <p:nvPr/>
         </p:nvSpPr>
         <p:spPr>
           <a:xfrm>
-            <a:off x="8229600" y="4533900"/>
-            <a:ext cx="7010400" cy="2590800"/>
-          </a:xfrm>
-          <a:prstGeom prst="roundRect">
-            <a:avLst>
-              <a:gd name="adj" fmla="val 3921"/>
-            </a:avLst>
+            <a:off x="8839200" y="1397000"/>
+            <a:ext cx="812800" cy="812800"/>
+          </a:xfrm>
+          <a:prstGeom prst="ellipse">
+            <a:avLst/>
           </a:prstGeom>
           <a:solidFill>
-            <a:srgbClr val="FFFFFF"/>
+            <a:srgbClr val="1F1F2D"/>
           </a:solidFill>
           <a:ln>
             <a:noFill/>
           </a:ln>
           <a:effectLst>
-            <a:outerShdw blurRad="127000" dir="90000" dist="25400" rotWithShape="0">
-              <a:srgbClr val="2b2b2b">
-                <a:alpha val="20000"/>
+            <a:outerShdw blurRad="0" dir="0" dist="0" rotWithShape="0">
+              <a:srgbClr val="000000">
+                <a:alpha val="0"/>
               </a:srgbClr>
             </a:outerShdw>
           </a:effectLst>
@@ -4083,16 +3423,40 @@
           </a:p>
         </p:txBody>
       </p:sp>
-      <p:sp>
-        <p:nvSpPr>
-          <p:cNvPr id="9" name="TextBox 8"/>
+      <p:pic>
+        <p:nvPicPr>
+          <p:cNvPr id="6" name="Picture 5" descr="78683d97-a344-4401-a957-5cc723f5e22a.png"/>
+          <p:cNvPicPr>
+            <a:picLocks noChangeAspect="1"/>
+          </p:cNvPicPr>
+          <p:nvPr/>
+        </p:nvPicPr>
+        <p:blipFill>
+          <a:blip r:embed="rId2"/>
+          <a:stretch>
+            <a:fillRect/>
+          </a:stretch>
+        </p:blipFill>
+        <p:spPr>
+          <a:xfrm>
+            <a:off x="9042400" y="1600200"/>
+            <a:ext cx="406400" cy="406400"/>
+          </a:xfrm>
+          <a:prstGeom prst="rect">
+            <a:avLst/>
+          </a:prstGeom>
+        </p:spPr>
+      </p:pic>
+      <p:sp>
+        <p:nvSpPr>
+          <p:cNvPr id="7" name="TextBox 6"/>
           <p:cNvSpPr txBox="1"/>
           <p:nvPr/>
         </p:nvSpPr>
         <p:spPr>
           <a:xfrm>
-            <a:off x="8534400" y="4838700"/>
-            <a:ext cx="622300" cy="1778000"/>
+            <a:off x="8839200" y="2362200"/>
+            <a:ext cx="6121400" cy="406400"/>
           </a:xfrm>
           <a:prstGeom prst="rect">
             <a:avLst/>
@@ -4106,35 +3470,35 @@
           <a:lstStyle/>
           <a:p>
             <a:pPr algn="l">
-              <a:defRPr b="1" i="0" sz="3200">
-                <a:solidFill>
-                  <a:srgbClr val="1F1F2D"/>
+              <a:defRPr b="1" i="0" sz="2400">
+                <a:solidFill>
+                  <a:srgbClr val="1A1A1A"/>
                 </a:solidFill>
                 <a:latin typeface="inter"/>
               </a:defRPr>
             </a:pPr>
             <a:r>
-              <a:rPr b="1" i="0" sz="3200">
-                <a:solidFill>
-                  <a:srgbClr val="1F1F2D"/>
+              <a:rPr b="1" i="0" sz="2400">
+                <a:solidFill>
+                  <a:srgbClr val="1A1A1A"/>
                 </a:solidFill>
                 <a:latin typeface="inter"/>
               </a:rPr>
-              <a:t>02</a:t>
-            </a:r>
-          </a:p>
-        </p:txBody>
-      </p:sp>
-      <p:sp>
-        <p:nvSpPr>
-          <p:cNvPr id="10" name="TextBox 9"/>
+              <a:t>Concentration Gradient</a:t>
+            </a:r>
+          </a:p>
+        </p:txBody>
+      </p:sp>
+      <p:sp>
+        <p:nvSpPr>
+          <p:cNvPr id="8" name="TextBox 7"/>
           <p:cNvSpPr txBox="1"/>
           <p:nvPr/>
         </p:nvSpPr>
         <p:spPr>
           <a:xfrm>
-            <a:off x="9436100" y="4838700"/>
-            <a:ext cx="5524500" cy="406400"/>
+            <a:off x="8839200" y="2921000"/>
+            <a:ext cx="6121400" cy="1143000"/>
           </a:xfrm>
           <a:prstGeom prst="rect">
             <a:avLst/>
@@ -4148,35 +3512,161 @@
           <a:lstStyle/>
           <a:p>
             <a:pPr algn="l">
-              <a:defRPr b="1" i="0" sz="2400">
-                <a:solidFill>
-                  <a:srgbClr val="1A1A1A"/>
+              <a:defRPr b="0" i="0" sz="2000">
+                <a:solidFill>
+                  <a:srgbClr val="333333"/>
                 </a:solidFill>
                 <a:latin typeface="inter"/>
               </a:defRPr>
             </a:pPr>
             <a:r>
-              <a:rPr b="1" i="0" sz="2400">
-                <a:solidFill>
-                  <a:srgbClr val="1A1A1A"/>
+              <a:rPr b="0" i="0" sz="2000">
+                <a:solidFill>
+                  <a:srgbClr val="333333"/>
                 </a:solidFill>
                 <a:latin typeface="inter"/>
               </a:rPr>
-              <a:t>Gas vs Liquid</a:t>
-            </a:r>
-          </a:p>
-        </p:txBody>
-      </p:sp>
-      <p:sp>
-        <p:nvSpPr>
-          <p:cNvPr id="11" name="TextBox 10"/>
+              <a:t>Particles move from areas of high concentration to areas of low concentration until evenly spread, driven by the concentration gradient.</a:t>
+            </a:r>
+          </a:p>
+        </p:txBody>
+      </p:sp>
+      <p:sp>
+        <p:nvSpPr>
+          <p:cNvPr id="9" name="Rounded Rectangle 8"/>
+          <p:cNvSpPr/>
+          <p:nvPr/>
+        </p:nvSpPr>
+        <p:spPr>
+          <a:xfrm>
+            <a:off x="8534400" y="4775200"/>
+            <a:ext cx="6705600" cy="3276600"/>
+          </a:xfrm>
+          <a:prstGeom prst="roundRect">
+            <a:avLst>
+              <a:gd name="adj" fmla="val 3100"/>
+            </a:avLst>
+          </a:prstGeom>
+          <a:solidFill>
+            <a:srgbClr val="FFFFFF"/>
+          </a:solidFill>
+          <a:ln>
+            <a:noFill/>
+          </a:ln>
+          <a:effectLst>
+            <a:outerShdw blurRad="127000" dir="90000" dist="25400" rotWithShape="0">
+              <a:srgbClr val="2b2b2b">
+                <a:alpha val="20000"/>
+              </a:srgbClr>
+            </a:outerShdw>
+          </a:effectLst>
+        </p:spPr>
+        <p:style>
+          <a:lnRef idx="1">
+            <a:schemeClr val="accent1"/>
+          </a:lnRef>
+          <a:fillRef idx="3">
+            <a:schemeClr val="accent1"/>
+          </a:fillRef>
+          <a:effectRef idx="2">
+            <a:schemeClr val="accent1"/>
+          </a:effectRef>
+          <a:fontRef idx="minor">
+            <a:schemeClr val="lt1"/>
+          </a:fontRef>
+        </p:style>
+        <p:txBody>
+          <a:bodyPr rtlCol="0" anchor="ctr" wrap="square" lIns="0" rIns="0" tIns="0" bIns="0"/>
+          <a:lstStyle/>
+          <a:p>
+            <a:pPr algn="ctr"/>
+          </a:p>
+        </p:txBody>
+      </p:sp>
+      <p:sp>
+        <p:nvSpPr>
+          <p:cNvPr id="10" name="Oval 9"/>
+          <p:cNvSpPr/>
+          <p:nvPr/>
+        </p:nvSpPr>
+        <p:spPr>
+          <a:xfrm>
+            <a:off x="8839200" y="5080000"/>
+            <a:ext cx="812800" cy="812800"/>
+          </a:xfrm>
+          <a:prstGeom prst="ellipse">
+            <a:avLst/>
+          </a:prstGeom>
+          <a:solidFill>
+            <a:srgbClr val="1F1F2D"/>
+          </a:solidFill>
+          <a:ln>
+            <a:noFill/>
+          </a:ln>
+          <a:effectLst>
+            <a:outerShdw blurRad="0" dir="0" dist="0" rotWithShape="0">
+              <a:srgbClr val="000000">
+                <a:alpha val="0"/>
+              </a:srgbClr>
+            </a:outerShdw>
+          </a:effectLst>
+        </p:spPr>
+        <p:style>
+          <a:lnRef idx="1">
+            <a:schemeClr val="accent1"/>
+          </a:lnRef>
+          <a:fillRef idx="3">
+            <a:schemeClr val="accent1"/>
+          </a:fillRef>
+          <a:effectRef idx="2">
+            <a:schemeClr val="accent1"/>
+          </a:effectRef>
+          <a:fontRef idx="minor">
+            <a:schemeClr val="lt1"/>
+          </a:fontRef>
+        </p:style>
+        <p:txBody>
+          <a:bodyPr rtlCol="0" anchor="ctr" wrap="square" lIns="0" rIns="0" tIns="0" bIns="0"/>
+          <a:lstStyle/>
+          <a:p>
+            <a:pPr algn="ctr"/>
+          </a:p>
+        </p:txBody>
+      </p:sp>
+      <p:pic>
+        <p:nvPicPr>
+          <p:cNvPr id="11" name="Picture 10" descr="11798c0b-9082-48df-8136-579eace5b520.png"/>
+          <p:cNvPicPr>
+            <a:picLocks noChangeAspect="1"/>
+          </p:cNvPicPr>
+          <p:nvPr/>
+        </p:nvPicPr>
+        <p:blipFill>
+          <a:blip r:embed="rId3"/>
+          <a:stretch>
+            <a:fillRect/>
+          </a:stretch>
+        </p:blipFill>
+        <p:spPr>
+          <a:xfrm>
+            <a:off x="9042400" y="5283200"/>
+            <a:ext cx="406400" cy="406400"/>
+          </a:xfrm>
+          <a:prstGeom prst="rect">
+            <a:avLst/>
+          </a:prstGeom>
+        </p:spPr>
+      </p:pic>
+      <p:sp>
+        <p:nvSpPr>
+          <p:cNvPr id="12" name="TextBox 11"/>
           <p:cNvSpPr txBox="1"/>
           <p:nvPr/>
         </p:nvSpPr>
         <p:spPr>
           <a:xfrm>
-            <a:off x="9436100" y="5295900"/>
-            <a:ext cx="5524500" cy="1524000"/>
+            <a:off x="8839200" y="6045200"/>
+            <a:ext cx="6121400" cy="406400"/>
           </a:xfrm>
           <a:prstGeom prst="rect">
             <a:avLst/>
@@ -4190,6 +3680,48 @@
           <a:lstStyle/>
           <a:p>
             <a:pPr algn="l">
+              <a:defRPr b="1" i="0" sz="2400">
+                <a:solidFill>
+                  <a:srgbClr val="1A1A1A"/>
+                </a:solidFill>
+                <a:latin typeface="inter"/>
+              </a:defRPr>
+            </a:pPr>
+            <a:r>
+              <a:rPr b="1" i="0" sz="2400">
+                <a:solidFill>
+                  <a:srgbClr val="1A1A1A"/>
+                </a:solidFill>
+                <a:latin typeface="inter"/>
+              </a:rPr>
+              <a:t>Faster in Gases</a:t>
+            </a:r>
+          </a:p>
+        </p:txBody>
+      </p:sp>
+      <p:sp>
+        <p:nvSpPr>
+          <p:cNvPr id="13" name="TextBox 12"/>
+          <p:cNvSpPr txBox="1"/>
+          <p:nvPr/>
+        </p:nvSpPr>
+        <p:spPr>
+          <a:xfrm>
+            <a:off x="8839200" y="6604000"/>
+            <a:ext cx="6121400" cy="1143000"/>
+          </a:xfrm>
+          <a:prstGeom prst="rect">
+            <a:avLst/>
+          </a:prstGeom>
+          <a:noFill/>
+        </p:spPr>
+        <p:txBody>
+          <a:bodyPr wrap="square" lIns="0" rIns="0" tIns="0" bIns="0">
+            <a:spAutoFit/>
+          </a:bodyPr>
+          <a:lstStyle/>
+          <a:p>
+            <a:pPr algn="l">
               <a:defRPr b="0" i="0" sz="2000">
                 <a:solidFill>
                   <a:srgbClr val="333333"/>
@@ -4204,7 +3736,7 @@
                 </a:solidFill>
                 <a:latin typeface="inter"/>
               </a:rPr>
-              <a:t>Diffusion occurs more rapidly in gases compared to liquids due to the higher kinetic energy and greater freedom of movement of gas particles.</a:t>
+              <a:t>Diffusion happens faster in gases than in liquids because gas particles move more rapidly due to higher kinetic energy.</a:t>
             </a:r>
           </a:p>
         </p:txBody>
@@ -4243,8 +3775,8 @@
         </p:nvSpPr>
         <p:spPr>
           <a:xfrm>
-            <a:off x="1016000" y="3543300"/>
-            <a:ext cx="6731000" cy="609600"/>
+            <a:off x="1016000" y="3492500"/>
+            <a:ext cx="7035800" cy="609600"/>
           </a:xfrm>
           <a:prstGeom prst="rect">
             <a:avLst/>
@@ -4285,8 +3817,8 @@
         </p:nvSpPr>
         <p:spPr>
           <a:xfrm>
-            <a:off x="1016000" y="4457700"/>
-            <a:ext cx="6731000" cy="1143000"/>
+            <a:off x="1016000" y="4508500"/>
+            <a:ext cx="7035800" cy="1143000"/>
           </a:xfrm>
           <a:prstGeom prst="rect">
             <a:avLst/>
@@ -4314,7 +3846,7 @@
                 </a:solidFill>
                 <a:latin typeface="inter"/>
               </a:rPr>
-              <a:t>Matter comprises atoms, molecules, and ions. Atoms are the smallest units; molecules are atom combinations; ions are charged atoms or atom groups.</a:t>
+              <a:t>Matter is composed of various types of particles, each with unique characteristics. Understanding these differences is fundamental to chemistry.</a:t>
             </a:r>
           </a:p>
         </p:txBody>
@@ -4327,12 +3859,12 @@
         </p:nvSpPr>
         <p:spPr>
           <a:xfrm>
-            <a:off x="8534400" y="711200"/>
-            <a:ext cx="6705600" cy="3657600"/>
+            <a:off x="8229600" y="952500"/>
+            <a:ext cx="7010400" cy="2209800"/>
           </a:xfrm>
           <a:prstGeom prst="roundRect">
             <a:avLst>
-              <a:gd name="adj" fmla="val 2777"/>
+              <a:gd name="adj" fmla="val 4597"/>
             </a:avLst>
           </a:prstGeom>
           <a:solidFill>
@@ -4373,28 +3905,156 @@
       </p:sp>
       <p:sp>
         <p:nvSpPr>
-          <p:cNvPr id="5" name="Oval 4"/>
+          <p:cNvPr id="5" name="TextBox 4"/>
+          <p:cNvSpPr txBox="1"/>
+          <p:nvPr/>
+        </p:nvSpPr>
+        <p:spPr>
+          <a:xfrm>
+            <a:off x="8534400" y="1257300"/>
+            <a:ext cx="533400" cy="1397000"/>
+          </a:xfrm>
+          <a:prstGeom prst="rect">
+            <a:avLst/>
+          </a:prstGeom>
+          <a:noFill/>
+        </p:spPr>
+        <p:txBody>
+          <a:bodyPr wrap="square" lIns="0" rIns="0" tIns="0" bIns="0">
+            <a:spAutoFit/>
+          </a:bodyPr>
+          <a:lstStyle/>
+          <a:p>
+            <a:pPr algn="l">
+              <a:defRPr b="1" i="0" sz="3200">
+                <a:solidFill>
+                  <a:srgbClr val="1F1F2D"/>
+                </a:solidFill>
+                <a:latin typeface="inter"/>
+              </a:defRPr>
+            </a:pPr>
+            <a:r>
+              <a:rPr b="1" i="0" sz="3200">
+                <a:solidFill>
+                  <a:srgbClr val="1F1F2D"/>
+                </a:solidFill>
+                <a:latin typeface="inter"/>
+              </a:rPr>
+              <a:t>01</a:t>
+            </a:r>
+          </a:p>
+        </p:txBody>
+      </p:sp>
+      <p:sp>
+        <p:nvSpPr>
+          <p:cNvPr id="6" name="TextBox 5"/>
+          <p:cNvSpPr txBox="1"/>
+          <p:nvPr/>
+        </p:nvSpPr>
+        <p:spPr>
+          <a:xfrm>
+            <a:off x="9347200" y="1257300"/>
+            <a:ext cx="5613400" cy="406400"/>
+          </a:xfrm>
+          <a:prstGeom prst="rect">
+            <a:avLst/>
+          </a:prstGeom>
+          <a:noFill/>
+        </p:spPr>
+        <p:txBody>
+          <a:bodyPr wrap="square" lIns="0" rIns="0" tIns="0" bIns="0">
+            <a:spAutoFit/>
+          </a:bodyPr>
+          <a:lstStyle/>
+          <a:p>
+            <a:pPr algn="l">
+              <a:defRPr b="1" i="0" sz="2400">
+                <a:solidFill>
+                  <a:srgbClr val="1A1A1A"/>
+                </a:solidFill>
+                <a:latin typeface="inter"/>
+              </a:defRPr>
+            </a:pPr>
+            <a:r>
+              <a:rPr b="1" i="0" sz="2400">
+                <a:solidFill>
+                  <a:srgbClr val="1A1A1A"/>
+                </a:solidFill>
+                <a:latin typeface="inter"/>
+              </a:rPr>
+              <a:t>Atoms</a:t>
+            </a:r>
+          </a:p>
+        </p:txBody>
+      </p:sp>
+      <p:sp>
+        <p:nvSpPr>
+          <p:cNvPr id="7" name="TextBox 6"/>
+          <p:cNvSpPr txBox="1"/>
+          <p:nvPr/>
+        </p:nvSpPr>
+        <p:spPr>
+          <a:xfrm>
+            <a:off x="9347200" y="1714500"/>
+            <a:ext cx="5613400" cy="1143000"/>
+          </a:xfrm>
+          <a:prstGeom prst="rect">
+            <a:avLst/>
+          </a:prstGeom>
+          <a:noFill/>
+        </p:spPr>
+        <p:txBody>
+          <a:bodyPr wrap="square" lIns="0" rIns="0" tIns="0" bIns="0">
+            <a:spAutoFit/>
+          </a:bodyPr>
+          <a:lstStyle/>
+          <a:p>
+            <a:pPr algn="l">
+              <a:defRPr b="0" i="0" sz="2000">
+                <a:solidFill>
+                  <a:srgbClr val="333333"/>
+                </a:solidFill>
+                <a:latin typeface="inter"/>
+              </a:defRPr>
+            </a:pPr>
+            <a:r>
+              <a:rPr b="0" i="0" sz="2000">
+                <a:solidFill>
+                  <a:srgbClr val="333333"/>
+                </a:solidFill>
+                <a:latin typeface="inter"/>
+              </a:rPr>
+              <a:t>Atoms are the smallest particles of an element that retain its chemical properties and cannot be broken down chemically by ordinary means.</a:t>
+            </a:r>
+          </a:p>
+        </p:txBody>
+      </p:sp>
+      <p:sp>
+        <p:nvSpPr>
+          <p:cNvPr id="8" name="Rounded Rectangle 7"/>
           <p:cNvSpPr/>
           <p:nvPr/>
         </p:nvSpPr>
         <p:spPr>
           <a:xfrm>
-            <a:off x="8839200" y="1016000"/>
-            <a:ext cx="812800" cy="812800"/>
-          </a:xfrm>
-          <a:prstGeom prst="ellipse">
-            <a:avLst/>
+            <a:off x="8229600" y="3467100"/>
+            <a:ext cx="7010400" cy="2209800"/>
+          </a:xfrm>
+          <a:prstGeom prst="roundRect">
+            <a:avLst>
+              <a:gd name="adj" fmla="val 4597"/>
+            </a:avLst>
           </a:prstGeom>
           <a:solidFill>
-            <a:srgbClr val="1F1F2D"/>
+            <a:srgbClr val="FFFFFF"/>
           </a:solidFill>
           <a:ln>
             <a:noFill/>
           </a:ln>
           <a:effectLst>
-            <a:outerShdw blurRad="0" dir="0" dist="0" rotWithShape="0">
-              <a:srgbClr val="000000">
-                <a:alpha val="0"/>
+            <a:outerShdw blurRad="127000" dir="90000" dist="25400" rotWithShape="0">
+              <a:srgbClr val="2b2b2b">
+                <a:alpha val="20000"/>
               </a:srgbClr>
             </a:outerShdw>
           </a:effectLst>
@@ -4421,40 +4081,16 @@
           </a:p>
         </p:txBody>
       </p:sp>
-      <p:pic>
-        <p:nvPicPr>
-          <p:cNvPr id="6" name="Picture 5" descr="af259ad4-1ebd-4e03-9b7b-f80725c48035.png"/>
-          <p:cNvPicPr>
-            <a:picLocks noChangeAspect="1"/>
-          </p:cNvPicPr>
-          <p:nvPr/>
-        </p:nvPicPr>
-        <p:blipFill>
-          <a:blip r:embed="rId2"/>
-          <a:stretch>
-            <a:fillRect/>
-          </a:stretch>
-        </p:blipFill>
-        <p:spPr>
-          <a:xfrm>
-            <a:off x="9042400" y="1219200"/>
-            <a:ext cx="406400" cy="406400"/>
-          </a:xfrm>
-          <a:prstGeom prst="rect">
-            <a:avLst/>
-          </a:prstGeom>
-        </p:spPr>
-      </p:pic>
-      <p:sp>
-        <p:nvSpPr>
-          <p:cNvPr id="7" name="TextBox 6"/>
+      <p:sp>
+        <p:nvSpPr>
+          <p:cNvPr id="9" name="TextBox 8"/>
           <p:cNvSpPr txBox="1"/>
           <p:nvPr/>
         </p:nvSpPr>
         <p:spPr>
           <a:xfrm>
-            <a:off x="8839200" y="1981200"/>
-            <a:ext cx="6121400" cy="406400"/>
+            <a:off x="8534400" y="3771900"/>
+            <a:ext cx="622300" cy="1397000"/>
           </a:xfrm>
           <a:prstGeom prst="rect">
             <a:avLst/>
@@ -4468,35 +4104,35 @@
           <a:lstStyle/>
           <a:p>
             <a:pPr algn="l">
-              <a:defRPr b="1" i="0" sz="2400">
-                <a:solidFill>
-                  <a:srgbClr val="1A1A1A"/>
+              <a:defRPr b="1" i="0" sz="3200">
+                <a:solidFill>
+                  <a:srgbClr val="1F1F2D"/>
                 </a:solidFill>
                 <a:latin typeface="inter"/>
               </a:defRPr>
             </a:pPr>
             <a:r>
-              <a:rPr b="1" i="0" sz="2400">
-                <a:solidFill>
-                  <a:srgbClr val="1A1A1A"/>
+              <a:rPr b="1" i="0" sz="3200">
+                <a:solidFill>
+                  <a:srgbClr val="1F1F2D"/>
                 </a:solidFill>
                 <a:latin typeface="inter"/>
               </a:rPr>
-              <a:t>Atoms</a:t>
-            </a:r>
-          </a:p>
-        </p:txBody>
-      </p:sp>
-      <p:sp>
-        <p:nvSpPr>
-          <p:cNvPr id="8" name="TextBox 7"/>
+              <a:t>02</a:t>
+            </a:r>
+          </a:p>
+        </p:txBody>
+      </p:sp>
+      <p:sp>
+        <p:nvSpPr>
+          <p:cNvPr id="10" name="TextBox 9"/>
           <p:cNvSpPr txBox="1"/>
           <p:nvPr/>
         </p:nvSpPr>
         <p:spPr>
           <a:xfrm>
-            <a:off x="8839200" y="2540000"/>
-            <a:ext cx="6121400" cy="1524000"/>
+            <a:off x="9436100" y="3771900"/>
+            <a:ext cx="5524500" cy="406400"/>
           </a:xfrm>
           <a:prstGeom prst="rect">
             <a:avLst/>
@@ -4510,6 +4146,48 @@
           <a:lstStyle/>
           <a:p>
             <a:pPr algn="l">
+              <a:defRPr b="1" i="0" sz="2400">
+                <a:solidFill>
+                  <a:srgbClr val="1A1A1A"/>
+                </a:solidFill>
+                <a:latin typeface="inter"/>
+              </a:defRPr>
+            </a:pPr>
+            <a:r>
+              <a:rPr b="1" i="0" sz="2400">
+                <a:solidFill>
+                  <a:srgbClr val="1A1A1A"/>
+                </a:solidFill>
+                <a:latin typeface="inter"/>
+              </a:rPr>
+              <a:t>Molecules</a:t>
+            </a:r>
+          </a:p>
+        </p:txBody>
+      </p:sp>
+      <p:sp>
+        <p:nvSpPr>
+          <p:cNvPr id="11" name="TextBox 10"/>
+          <p:cNvSpPr txBox="1"/>
+          <p:nvPr/>
+        </p:nvSpPr>
+        <p:spPr>
+          <a:xfrm>
+            <a:off x="9436100" y="4229100"/>
+            <a:ext cx="5524500" cy="1143000"/>
+          </a:xfrm>
+          <a:prstGeom prst="rect">
+            <a:avLst/>
+          </a:prstGeom>
+          <a:noFill/>
+        </p:spPr>
+        <p:txBody>
+          <a:bodyPr wrap="square" lIns="0" rIns="0" tIns="0" bIns="0">
+            <a:spAutoFit/>
+          </a:bodyPr>
+          <a:lstStyle/>
+          <a:p>
+            <a:pPr algn="l">
               <a:defRPr b="0" i="0" sz="2000">
                 <a:solidFill>
                   <a:srgbClr val="333333"/>
@@ -4524,25 +4202,25 @@
                 </a:solidFill>
                 <a:latin typeface="inter"/>
               </a:rPr>
-              <a:t>The smallest particles that cannot be chemically broken down, like argon. They are the fundamental building blocks of matter, retaining the element's properties.</a:t>
-            </a:r>
-          </a:p>
-        </p:txBody>
-      </p:sp>
-      <p:sp>
-        <p:nvSpPr>
-          <p:cNvPr id="9" name="Rounded Rectangle 8"/>
+              <a:t>Molecules are formed when two or more atoms are chemically bonded together, representing the smallest unit of a compound.</a:t>
+            </a:r>
+          </a:p>
+        </p:txBody>
+      </p:sp>
+      <p:sp>
+        <p:nvSpPr>
+          <p:cNvPr id="12" name="Rounded Rectangle 11"/>
           <p:cNvSpPr/>
           <p:nvPr/>
         </p:nvSpPr>
         <p:spPr>
           <a:xfrm>
-            <a:off x="8534400" y="4775200"/>
-            <a:ext cx="6705600" cy="3657600"/>
+            <a:off x="8229600" y="5981700"/>
+            <a:ext cx="7010400" cy="2209800"/>
           </a:xfrm>
           <a:prstGeom prst="roundRect">
             <a:avLst>
-              <a:gd name="adj" fmla="val 2777"/>
+              <a:gd name="adj" fmla="val 4597"/>
             </a:avLst>
           </a:prstGeom>
           <a:solidFill>
@@ -4583,88 +4261,14 @@
       </p:sp>
       <p:sp>
         <p:nvSpPr>
-          <p:cNvPr id="10" name="Oval 9"/>
-          <p:cNvSpPr/>
-          <p:nvPr/>
-        </p:nvSpPr>
-        <p:spPr>
-          <a:xfrm>
-            <a:off x="8839200" y="5080000"/>
-            <a:ext cx="812800" cy="812800"/>
-          </a:xfrm>
-          <a:prstGeom prst="ellipse">
-            <a:avLst/>
-          </a:prstGeom>
-          <a:solidFill>
-            <a:srgbClr val="1F1F2D"/>
-          </a:solidFill>
-          <a:ln>
-            <a:noFill/>
-          </a:ln>
-          <a:effectLst>
-            <a:outerShdw blurRad="0" dir="0" dist="0" rotWithShape="0">
-              <a:srgbClr val="000000">
-                <a:alpha val="0"/>
-              </a:srgbClr>
-            </a:outerShdw>
-          </a:effectLst>
-        </p:spPr>
-        <p:style>
-          <a:lnRef idx="1">
-            <a:schemeClr val="accent1"/>
-          </a:lnRef>
-          <a:fillRef idx="3">
-            <a:schemeClr val="accent1"/>
-          </a:fillRef>
-          <a:effectRef idx="2">
-            <a:schemeClr val="accent1"/>
-          </a:effectRef>
-          <a:fontRef idx="minor">
-            <a:schemeClr val="lt1"/>
-          </a:fontRef>
-        </p:style>
-        <p:txBody>
-          <a:bodyPr rtlCol="0" anchor="ctr" wrap="square" lIns="0" rIns="0" tIns="0" bIns="0"/>
-          <a:lstStyle/>
-          <a:p>
-            <a:pPr algn="ctr"/>
-          </a:p>
-        </p:txBody>
-      </p:sp>
-      <p:pic>
-        <p:nvPicPr>
-          <p:cNvPr id="11" name="Picture 10" descr="30003d7d-0274-4e72-9b8a-181f15b1ef89.png"/>
-          <p:cNvPicPr>
-            <a:picLocks noChangeAspect="1"/>
-          </p:cNvPicPr>
-          <p:nvPr/>
-        </p:nvPicPr>
-        <p:blipFill>
-          <a:blip r:embed="rId3"/>
-          <a:stretch>
-            <a:fillRect/>
-          </a:stretch>
-        </p:blipFill>
-        <p:spPr>
-          <a:xfrm>
-            <a:off x="9042400" y="5283200"/>
-            <a:ext cx="406400" cy="406400"/>
-          </a:xfrm>
-          <a:prstGeom prst="rect">
-            <a:avLst/>
-          </a:prstGeom>
-        </p:spPr>
-      </p:pic>
-      <p:sp>
-        <p:nvSpPr>
-          <p:cNvPr id="12" name="TextBox 11"/>
+          <p:cNvPr id="13" name="TextBox 12"/>
           <p:cNvSpPr txBox="1"/>
           <p:nvPr/>
         </p:nvSpPr>
         <p:spPr>
           <a:xfrm>
-            <a:off x="8839200" y="6045200"/>
-            <a:ext cx="6121400" cy="406400"/>
+            <a:off x="8534400" y="6286500"/>
+            <a:ext cx="622300" cy="1397000"/>
           </a:xfrm>
           <a:prstGeom prst="rect">
             <a:avLst/>
@@ -4678,35 +4282,35 @@
           <a:lstStyle/>
           <a:p>
             <a:pPr algn="l">
-              <a:defRPr b="1" i="0" sz="2400">
-                <a:solidFill>
-                  <a:srgbClr val="1A1A1A"/>
+              <a:defRPr b="1" i="0" sz="3200">
+                <a:solidFill>
+                  <a:srgbClr val="1F1F2D"/>
                 </a:solidFill>
                 <a:latin typeface="inter"/>
               </a:defRPr>
             </a:pPr>
             <a:r>
-              <a:rPr b="1" i="0" sz="2400">
-                <a:solidFill>
-                  <a:srgbClr val="1A1A1A"/>
+              <a:rPr b="1" i="0" sz="3200">
+                <a:solidFill>
+                  <a:srgbClr val="1F1F2D"/>
                 </a:solidFill>
                 <a:latin typeface="inter"/>
               </a:rPr>
-              <a:t>Molecules</a:t>
-            </a:r>
-          </a:p>
-        </p:txBody>
-      </p:sp>
-      <p:sp>
-        <p:nvSpPr>
-          <p:cNvPr id="13" name="TextBox 12"/>
+              <a:t>03</a:t>
+            </a:r>
+          </a:p>
+        </p:txBody>
+      </p:sp>
+      <p:sp>
+        <p:nvSpPr>
+          <p:cNvPr id="14" name="TextBox 13"/>
           <p:cNvSpPr txBox="1"/>
           <p:nvPr/>
         </p:nvSpPr>
         <p:spPr>
           <a:xfrm>
-            <a:off x="8839200" y="6604000"/>
-            <a:ext cx="6121400" cy="1524000"/>
+            <a:off x="9436100" y="6286500"/>
+            <a:ext cx="5524500" cy="406400"/>
           </a:xfrm>
           <a:prstGeom prst="rect">
             <a:avLst/>
@@ -4720,6 +4324,48 @@
           <a:lstStyle/>
           <a:p>
             <a:pPr algn="l">
+              <a:defRPr b="1" i="0" sz="2400">
+                <a:solidFill>
+                  <a:srgbClr val="1A1A1A"/>
+                </a:solidFill>
+                <a:latin typeface="inter"/>
+              </a:defRPr>
+            </a:pPr>
+            <a:r>
+              <a:rPr b="1" i="0" sz="2400">
+                <a:solidFill>
+                  <a:srgbClr val="1A1A1A"/>
+                </a:solidFill>
+                <a:latin typeface="inter"/>
+              </a:rPr>
+              <a:t>Ions</a:t>
+            </a:r>
+          </a:p>
+        </p:txBody>
+      </p:sp>
+      <p:sp>
+        <p:nvSpPr>
+          <p:cNvPr id="15" name="TextBox 14"/>
+          <p:cNvSpPr txBox="1"/>
+          <p:nvPr/>
+        </p:nvSpPr>
+        <p:spPr>
+          <a:xfrm>
+            <a:off x="9436100" y="6743700"/>
+            <a:ext cx="5524500" cy="1143000"/>
+          </a:xfrm>
+          <a:prstGeom prst="rect">
+            <a:avLst/>
+          </a:prstGeom>
+          <a:noFill/>
+        </p:spPr>
+        <p:txBody>
+          <a:bodyPr wrap="square" lIns="0" rIns="0" tIns="0" bIns="0">
+            <a:spAutoFit/>
+          </a:bodyPr>
+          <a:lstStyle/>
+          <a:p>
+            <a:pPr algn="l">
               <a:defRPr b="0" i="0" sz="2000">
                 <a:solidFill>
                   <a:srgbClr val="333333"/>
@@ -4734,7 +4380,7 @@
                 </a:solidFill>
                 <a:latin typeface="inter"/>
               </a:rPr>
-              <a:t>Two or more atoms joined together, such as water or oxygen. They form through chemical bonds and exhibit distinct properties based on their composition.</a:t>
+              <a:t>Ions are atoms or molecules that have gained or lost electrons, resulting in a net electrical charge, either positive or negative.</a:t>
             </a:r>
           </a:p>
         </p:txBody>
@@ -4773,7 +4419,7 @@
         </p:nvSpPr>
         <p:spPr>
           <a:xfrm>
-            <a:off x="1016000" y="2070100"/>
+            <a:off x="1016000" y="1689100"/>
             <a:ext cx="14249400" cy="609600"/>
           </a:xfrm>
           <a:prstGeom prst="rect">
@@ -4815,12 +4461,12 @@
         </p:nvSpPr>
         <p:spPr>
           <a:xfrm>
-            <a:off x="1016000" y="3695700"/>
-            <a:ext cx="6908800" cy="3378200"/>
+            <a:off x="1016000" y="3314700"/>
+            <a:ext cx="4470400" cy="4140200"/>
           </a:xfrm>
           <a:prstGeom prst="roundRect">
             <a:avLst>
-              <a:gd name="adj" fmla="val 3007"/>
+              <a:gd name="adj" fmla="val 2453"/>
             </a:avLst>
           </a:prstGeom>
           <a:solidFill>
@@ -4867,7 +4513,7 @@
         </p:nvSpPr>
         <p:spPr>
           <a:xfrm>
-            <a:off x="1320800" y="4000500"/>
+            <a:off x="1320800" y="3619500"/>
             <a:ext cx="812800" cy="812800"/>
           </a:xfrm>
           <a:prstGeom prst="ellipse">
@@ -4911,7 +4557,7 @@
       </p:sp>
       <p:pic>
         <p:nvPicPr>
-          <p:cNvPr id="5" name="Picture 4" descr="986f49ac-3849-4c09-a5fa-f300c633f69c.png"/>
+          <p:cNvPr id="5" name="Picture 4" descr="fdbb1335-651b-49f6-844f-7ebb1ba99620.png"/>
           <p:cNvPicPr>
             <a:picLocks noChangeAspect="1"/>
           </p:cNvPicPr>
@@ -4925,7 +4571,7 @@
         </p:blipFill>
         <p:spPr>
           <a:xfrm>
-            <a:off x="1524000" y="4203700"/>
+            <a:off x="1524000" y="3822700"/>
             <a:ext cx="406400" cy="406400"/>
           </a:xfrm>
           <a:prstGeom prst="rect">
@@ -4941,8 +4587,8 @@
         </p:nvSpPr>
         <p:spPr>
           <a:xfrm>
-            <a:off x="1320800" y="5016500"/>
-            <a:ext cx="6324600" cy="406400"/>
+            <a:off x="1320800" y="4635500"/>
+            <a:ext cx="3886200" cy="406400"/>
           </a:xfrm>
           <a:prstGeom prst="rect">
             <a:avLst/>
@@ -4983,8 +4629,8 @@
         </p:nvSpPr>
         <p:spPr>
           <a:xfrm>
-            <a:off x="1320800" y="5626100"/>
-            <a:ext cx="6324600" cy="1143000"/>
+            <a:off x="1320800" y="5245100"/>
+            <a:ext cx="3886200" cy="1524000"/>
           </a:xfrm>
           <a:prstGeom prst="rect">
             <a:avLst/>
@@ -5012,7 +4658,7 @@
                 </a:solidFill>
                 <a:latin typeface="inter"/>
               </a:rPr>
-              <a:t>Solids maintain a fixed shape and volume. Their strong inter-particle forces restrict movement, allowing only vibration in fixed positions.</a:t>
+              <a:t>Solids maintain a definite shape and volume because their particles are tightly packed and strongly bound in fixed positions.</a:t>
             </a:r>
           </a:p>
         </p:txBody>
@@ -5025,12 +4671,12 @@
         </p:nvSpPr>
         <p:spPr>
           <a:xfrm>
-            <a:off x="8331200" y="3695700"/>
-            <a:ext cx="6908800" cy="3378200"/>
+            <a:off x="5892800" y="3314700"/>
+            <a:ext cx="4470400" cy="4140200"/>
           </a:xfrm>
           <a:prstGeom prst="roundRect">
             <a:avLst>
-              <a:gd name="adj" fmla="val 3007"/>
+              <a:gd name="adj" fmla="val 2453"/>
             </a:avLst>
           </a:prstGeom>
           <a:solidFill>
@@ -5077,7 +4723,7 @@
         </p:nvSpPr>
         <p:spPr>
           <a:xfrm>
-            <a:off x="8636000" y="4000500"/>
+            <a:off x="6197600" y="3619500"/>
             <a:ext cx="812800" cy="812800"/>
           </a:xfrm>
           <a:prstGeom prst="ellipse">
@@ -5121,7 +4767,7 @@
       </p:sp>
       <p:pic>
         <p:nvPicPr>
-          <p:cNvPr id="10" name="Picture 9" descr="f95bfc84-85d1-476d-9efd-cf3c80ca15d8.png"/>
+          <p:cNvPr id="10" name="Picture 9" descr="96b322d5-cdee-48c4-bd75-0a877d6049ed.png"/>
           <p:cNvPicPr>
             <a:picLocks noChangeAspect="1"/>
           </p:cNvPicPr>
@@ -5135,7 +4781,7 @@
         </p:blipFill>
         <p:spPr>
           <a:xfrm>
-            <a:off x="8839200" y="4203700"/>
+            <a:off x="6400800" y="3822700"/>
             <a:ext cx="406400" cy="406400"/>
           </a:xfrm>
           <a:prstGeom prst="rect">
@@ -5151,8 +4797,8 @@
         </p:nvSpPr>
         <p:spPr>
           <a:xfrm>
-            <a:off x="8636000" y="5016500"/>
-            <a:ext cx="6324600" cy="406400"/>
+            <a:off x="6197600" y="4635500"/>
+            <a:ext cx="3886200" cy="406400"/>
           </a:xfrm>
           <a:prstGeom prst="rect">
             <a:avLst/>
@@ -5180,7 +4826,7 @@
                 </a:solidFill>
                 <a:latin typeface="inter"/>
               </a:rPr>
-              <a:t>Incompressible</a:t>
+              <a:t>Fixed Positions</a:t>
             </a:r>
           </a:p>
         </p:txBody>
@@ -5193,8 +4839,8 @@
         </p:nvSpPr>
         <p:spPr>
           <a:xfrm>
-            <a:off x="8636000" y="5626100"/>
-            <a:ext cx="6324600" cy="1143000"/>
+            <a:off x="6197600" y="5245100"/>
+            <a:ext cx="3886200" cy="1905000"/>
           </a:xfrm>
           <a:prstGeom prst="rect">
             <a:avLst/>
@@ -5222,7 +4868,217 @@
                 </a:solidFill>
                 <a:latin typeface="inter"/>
               </a:rPr>
-              <a:t>Solids resist compression due to the close proximity of their particles. Applying pressure has minimal effect on their volume.</a:t>
+              <a:t>Particles in solids vibrate in fixed positions and cannot move freely, contributing to their rigidity and resistance to deformation.</a:t>
+            </a:r>
+          </a:p>
+        </p:txBody>
+      </p:sp>
+      <p:sp>
+        <p:nvSpPr>
+          <p:cNvPr id="13" name="Rounded Rectangle 12"/>
+          <p:cNvSpPr/>
+          <p:nvPr/>
+        </p:nvSpPr>
+        <p:spPr>
+          <a:xfrm>
+            <a:off x="10769600" y="3314700"/>
+            <a:ext cx="4470400" cy="4140200"/>
+          </a:xfrm>
+          <a:prstGeom prst="roundRect">
+            <a:avLst>
+              <a:gd name="adj" fmla="val 2453"/>
+            </a:avLst>
+          </a:prstGeom>
+          <a:solidFill>
+            <a:srgbClr val="FFFFFF"/>
+          </a:solidFill>
+          <a:ln>
+            <a:noFill/>
+          </a:ln>
+          <a:effectLst>
+            <a:outerShdw blurRad="127000" dir="90000" dist="25400" rotWithShape="0">
+              <a:srgbClr val="2b2b2b">
+                <a:alpha val="20000"/>
+              </a:srgbClr>
+            </a:outerShdw>
+          </a:effectLst>
+        </p:spPr>
+        <p:style>
+          <a:lnRef idx="1">
+            <a:schemeClr val="accent1"/>
+          </a:lnRef>
+          <a:fillRef idx="3">
+            <a:schemeClr val="accent1"/>
+          </a:fillRef>
+          <a:effectRef idx="2">
+            <a:schemeClr val="accent1"/>
+          </a:effectRef>
+          <a:fontRef idx="minor">
+            <a:schemeClr val="lt1"/>
+          </a:fontRef>
+        </p:style>
+        <p:txBody>
+          <a:bodyPr rtlCol="0" anchor="ctr" wrap="square" lIns="0" rIns="0" tIns="0" bIns="0"/>
+          <a:lstStyle/>
+          <a:p>
+            <a:pPr algn="ctr"/>
+          </a:p>
+        </p:txBody>
+      </p:sp>
+      <p:sp>
+        <p:nvSpPr>
+          <p:cNvPr id="14" name="Oval 13"/>
+          <p:cNvSpPr/>
+          <p:nvPr/>
+        </p:nvSpPr>
+        <p:spPr>
+          <a:xfrm>
+            <a:off x="11074400" y="3619500"/>
+            <a:ext cx="812800" cy="812800"/>
+          </a:xfrm>
+          <a:prstGeom prst="ellipse">
+            <a:avLst/>
+          </a:prstGeom>
+          <a:solidFill>
+            <a:srgbClr val="1F1F2D"/>
+          </a:solidFill>
+          <a:ln>
+            <a:noFill/>
+          </a:ln>
+          <a:effectLst>
+            <a:outerShdw blurRad="0" dir="0" dist="0" rotWithShape="0">
+              <a:srgbClr val="000000">
+                <a:alpha val="0"/>
+              </a:srgbClr>
+            </a:outerShdw>
+          </a:effectLst>
+        </p:spPr>
+        <p:style>
+          <a:lnRef idx="1">
+            <a:schemeClr val="accent1"/>
+          </a:lnRef>
+          <a:fillRef idx="3">
+            <a:schemeClr val="accent1"/>
+          </a:fillRef>
+          <a:effectRef idx="2">
+            <a:schemeClr val="accent1"/>
+          </a:effectRef>
+          <a:fontRef idx="minor">
+            <a:schemeClr val="lt1"/>
+          </a:fontRef>
+        </p:style>
+        <p:txBody>
+          <a:bodyPr rtlCol="0" anchor="ctr" wrap="square" lIns="0" rIns="0" tIns="0" bIns="0"/>
+          <a:lstStyle/>
+          <a:p>
+            <a:pPr algn="ctr"/>
+          </a:p>
+        </p:txBody>
+      </p:sp>
+      <p:pic>
+        <p:nvPicPr>
+          <p:cNvPr id="15" name="Picture 14" descr="b79209e6-089d-46d6-8344-78d807d1a0c0.png"/>
+          <p:cNvPicPr>
+            <a:picLocks noChangeAspect="1"/>
+          </p:cNvPicPr>
+          <p:nvPr/>
+        </p:nvPicPr>
+        <p:blipFill>
+          <a:blip r:embed="rId4"/>
+          <a:stretch>
+            <a:fillRect/>
+          </a:stretch>
+        </p:blipFill>
+        <p:spPr>
+          <a:xfrm>
+            <a:off x="11277600" y="3822700"/>
+            <a:ext cx="406400" cy="406400"/>
+          </a:xfrm>
+          <a:prstGeom prst="rect">
+            <a:avLst/>
+          </a:prstGeom>
+        </p:spPr>
+      </p:pic>
+      <p:sp>
+        <p:nvSpPr>
+          <p:cNvPr id="16" name="TextBox 15"/>
+          <p:cNvSpPr txBox="1"/>
+          <p:nvPr/>
+        </p:nvSpPr>
+        <p:spPr>
+          <a:xfrm>
+            <a:off x="11074400" y="4635500"/>
+            <a:ext cx="3886200" cy="406400"/>
+          </a:xfrm>
+          <a:prstGeom prst="rect">
+            <a:avLst/>
+          </a:prstGeom>
+          <a:noFill/>
+        </p:spPr>
+        <p:txBody>
+          <a:bodyPr wrap="square" lIns="0" rIns="0" tIns="0" bIns="0">
+            <a:spAutoFit/>
+          </a:bodyPr>
+          <a:lstStyle/>
+          <a:p>
+            <a:pPr algn="l">
+              <a:defRPr b="1" i="0" sz="2400">
+                <a:solidFill>
+                  <a:srgbClr val="1A1A1A"/>
+                </a:solidFill>
+                <a:latin typeface="inter"/>
+              </a:defRPr>
+            </a:pPr>
+            <a:r>
+              <a:rPr b="1" i="0" sz="2400">
+                <a:solidFill>
+                  <a:srgbClr val="1A1A1A"/>
+                </a:solidFill>
+                <a:latin typeface="inter"/>
+              </a:rPr>
+              <a:t>Incompressible</a:t>
+            </a:r>
+          </a:p>
+        </p:txBody>
+      </p:sp>
+      <p:sp>
+        <p:nvSpPr>
+          <p:cNvPr id="17" name="TextBox 16"/>
+          <p:cNvSpPr txBox="1"/>
+          <p:nvPr/>
+        </p:nvSpPr>
+        <p:spPr>
+          <a:xfrm>
+            <a:off x="11074400" y="5245100"/>
+            <a:ext cx="3886200" cy="1905000"/>
+          </a:xfrm>
+          <a:prstGeom prst="rect">
+            <a:avLst/>
+          </a:prstGeom>
+          <a:noFill/>
+        </p:spPr>
+        <p:txBody>
+          <a:bodyPr wrap="square" lIns="0" rIns="0" tIns="0" bIns="0">
+            <a:spAutoFit/>
+          </a:bodyPr>
+          <a:lstStyle/>
+          <a:p>
+            <a:pPr algn="l">
+              <a:defRPr b="0" i="0" sz="2000">
+                <a:solidFill>
+                  <a:srgbClr val="333333"/>
+                </a:solidFill>
+                <a:latin typeface="inter"/>
+              </a:defRPr>
+            </a:pPr>
+            <a:r>
+              <a:rPr b="0" i="0" sz="2000">
+                <a:solidFill>
+                  <a:srgbClr val="333333"/>
+                </a:solidFill>
+                <a:latin typeface="inter"/>
+              </a:rPr>
+              <a:t>Solids are nearly incompressible due to the close proximity of their particles, making it difficult to reduce their volume significantly.</a:t>
             </a:r>
           </a:p>
         </p:txBody>
@@ -5261,8 +5117,8 @@
         </p:nvSpPr>
         <p:spPr>
           <a:xfrm>
-            <a:off x="1016000" y="2070100"/>
-            <a:ext cx="14249400" cy="609600"/>
+            <a:off x="5346700" y="1473200"/>
+            <a:ext cx="5588000" cy="609600"/>
           </a:xfrm>
           <a:prstGeom prst="rect">
             <a:avLst/>
@@ -5275,7 +5131,7 @@
           </a:bodyPr>
           <a:lstStyle/>
           <a:p>
-            <a:pPr algn="ctr">
+            <a:pPr algn="l">
               <a:defRPr b="1" i="0" sz="4000">
                 <a:solidFill>
                   <a:srgbClr val="000000"/>
@@ -5295,111 +5151,9 @@
           </a:p>
         </p:txBody>
       </p:sp>
-      <p:sp>
-        <p:nvSpPr>
-          <p:cNvPr id="3" name="Rounded Rectangle 2"/>
-          <p:cNvSpPr/>
-          <p:nvPr/>
-        </p:nvSpPr>
-        <p:spPr>
-          <a:xfrm>
-            <a:off x="1016000" y="3695700"/>
-            <a:ext cx="6908800" cy="3378200"/>
-          </a:xfrm>
-          <a:prstGeom prst="roundRect">
-            <a:avLst>
-              <a:gd name="adj" fmla="val 3007"/>
-            </a:avLst>
-          </a:prstGeom>
-          <a:solidFill>
-            <a:srgbClr val="FFFFFF"/>
-          </a:solidFill>
-          <a:ln>
-            <a:noFill/>
-          </a:ln>
-          <a:effectLst>
-            <a:outerShdw blurRad="127000" dir="90000" dist="25400" rotWithShape="0">
-              <a:srgbClr val="2b2b2b">
-                <a:alpha val="20000"/>
-              </a:srgbClr>
-            </a:outerShdw>
-          </a:effectLst>
-        </p:spPr>
-        <p:style>
-          <a:lnRef idx="1">
-            <a:schemeClr val="accent1"/>
-          </a:lnRef>
-          <a:fillRef idx="3">
-            <a:schemeClr val="accent1"/>
-          </a:fillRef>
-          <a:effectRef idx="2">
-            <a:schemeClr val="accent1"/>
-          </a:effectRef>
-          <a:fontRef idx="minor">
-            <a:schemeClr val="lt1"/>
-          </a:fontRef>
-        </p:style>
-        <p:txBody>
-          <a:bodyPr rtlCol="0" anchor="ctr" wrap="square" lIns="0" rIns="0" tIns="0" bIns="0"/>
-          <a:lstStyle/>
-          <a:p>
-            <a:pPr algn="ctr"/>
-          </a:p>
-        </p:txBody>
-      </p:sp>
-      <p:sp>
-        <p:nvSpPr>
-          <p:cNvPr id="4" name="Oval 3"/>
-          <p:cNvSpPr/>
-          <p:nvPr/>
-        </p:nvSpPr>
-        <p:spPr>
-          <a:xfrm>
-            <a:off x="1320800" y="4000500"/>
-            <a:ext cx="812800" cy="812800"/>
-          </a:xfrm>
-          <a:prstGeom prst="ellipse">
-            <a:avLst/>
-          </a:prstGeom>
-          <a:solidFill>
-            <a:srgbClr val="1F1F2D"/>
-          </a:solidFill>
-          <a:ln>
-            <a:noFill/>
-          </a:ln>
-          <a:effectLst>
-            <a:outerShdw blurRad="0" dir="0" dist="0" rotWithShape="0">
-              <a:srgbClr val="000000">
-                <a:alpha val="0"/>
-              </a:srgbClr>
-            </a:outerShdw>
-          </a:effectLst>
-        </p:spPr>
-        <p:style>
-          <a:lnRef idx="1">
-            <a:schemeClr val="accent1"/>
-          </a:lnRef>
-          <a:fillRef idx="3">
-            <a:schemeClr val="accent1"/>
-          </a:fillRef>
-          <a:effectRef idx="2">
-            <a:schemeClr val="accent1"/>
-          </a:effectRef>
-          <a:fontRef idx="minor">
-            <a:schemeClr val="lt1"/>
-          </a:fontRef>
-        </p:style>
-        <p:txBody>
-          <a:bodyPr rtlCol="0" anchor="ctr" wrap="square" lIns="0" rIns="0" tIns="0" bIns="0"/>
-          <a:lstStyle/>
-          <a:p>
-            <a:pPr algn="ctr"/>
-          </a:p>
-        </p:txBody>
-      </p:sp>
       <p:pic>
         <p:nvPicPr>
-          <p:cNvPr id="5" name="Picture 4" descr="df1ed17c-6ef6-4a37-a5d9-b688160037f1.png"/>
+          <p:cNvPr id="3" name="Picture 2" descr="1c7c596b-8d28-4485-8810-605298b42da7.png"/>
           <p:cNvPicPr>
             <a:picLocks noChangeAspect="1"/>
           </p:cNvPicPr>
@@ -5413,8 +5167,8 @@
         </p:blipFill>
         <p:spPr>
           <a:xfrm>
-            <a:off x="1524000" y="4203700"/>
-            <a:ext cx="406400" cy="406400"/>
+            <a:off x="1016000" y="2590800"/>
+            <a:ext cx="14224000" cy="3810000"/>
           </a:xfrm>
           <a:prstGeom prst="rect">
             <a:avLst/>
@@ -5423,14 +5177,14 @@
       </p:pic>
       <p:sp>
         <p:nvSpPr>
-          <p:cNvPr id="6" name="TextBox 5"/>
+          <p:cNvPr id="4" name="TextBox 3"/>
           <p:cNvSpPr txBox="1"/>
           <p:nvPr/>
         </p:nvSpPr>
         <p:spPr>
           <a:xfrm>
-            <a:off x="1320800" y="5016500"/>
-            <a:ext cx="6324600" cy="406400"/>
+            <a:off x="1016000" y="6908800"/>
+            <a:ext cx="14249400" cy="762000"/>
           </a:xfrm>
           <a:prstGeom prst="rect">
             <a:avLst/>
@@ -5443,274 +5197,22 @@
           </a:bodyPr>
           <a:lstStyle/>
           <a:p>
-            <a:pPr algn="l">
-              <a:defRPr b="1" i="0" sz="2400">
-                <a:solidFill>
-                  <a:srgbClr val="1A1A1A"/>
+            <a:pPr algn="ctr">
+              <a:defRPr b="0" i="0" sz="2000">
+                <a:solidFill>
+                  <a:srgbClr val="333333"/>
                 </a:solidFill>
                 <a:latin typeface="inter"/>
               </a:defRPr>
             </a:pPr>
             <a:r>
-              <a:rPr b="1" i="0" sz="2400">
-                <a:solidFill>
-                  <a:srgbClr val="1A1A1A"/>
+              <a:rPr b="0" i="0" sz="2000">
+                <a:solidFill>
+                  <a:srgbClr val="333333"/>
                 </a:solidFill>
                 <a:latin typeface="inter"/>
               </a:rPr>
-              <a:t>Definite Volume</a:t>
-            </a:r>
-          </a:p>
-        </p:txBody>
-      </p:sp>
-      <p:sp>
-        <p:nvSpPr>
-          <p:cNvPr id="7" name="TextBox 6"/>
-          <p:cNvSpPr txBox="1"/>
-          <p:nvPr/>
-        </p:nvSpPr>
-        <p:spPr>
-          <a:xfrm>
-            <a:off x="1320800" y="5626100"/>
-            <a:ext cx="6324600" cy="1143000"/>
-          </a:xfrm>
-          <a:prstGeom prst="rect">
-            <a:avLst/>
-          </a:prstGeom>
-          <a:noFill/>
-        </p:spPr>
-        <p:txBody>
-          <a:bodyPr wrap="square" lIns="0" rIns="0" tIns="0" bIns="0">
-            <a:spAutoFit/>
-          </a:bodyPr>
-          <a:lstStyle/>
-          <a:p>
-            <a:pPr algn="l">
-              <a:defRPr b="0" i="0" sz="2000">
-                <a:solidFill>
-                  <a:srgbClr val="333333"/>
-                </a:solidFill>
-                <a:latin typeface="inter"/>
-              </a:defRPr>
-            </a:pPr>
-            <a:r>
-              <a:rPr b="0" i="0" sz="2000">
-                <a:solidFill>
-                  <a:srgbClr val="333333"/>
-                </a:solidFill>
-                <a:latin typeface="inter"/>
-              </a:rPr>
-              <a:t>Liquids maintain a fixed volume but adapt to the shape of their container. Particles are close but can move, enabling flow.</a:t>
-            </a:r>
-          </a:p>
-        </p:txBody>
-      </p:sp>
-      <p:sp>
-        <p:nvSpPr>
-          <p:cNvPr id="8" name="Rounded Rectangle 7"/>
-          <p:cNvSpPr/>
-          <p:nvPr/>
-        </p:nvSpPr>
-        <p:spPr>
-          <a:xfrm>
-            <a:off x="8331200" y="3695700"/>
-            <a:ext cx="6908800" cy="3378200"/>
-          </a:xfrm>
-          <a:prstGeom prst="roundRect">
-            <a:avLst>
-              <a:gd name="adj" fmla="val 3007"/>
-            </a:avLst>
-          </a:prstGeom>
-          <a:solidFill>
-            <a:srgbClr val="FFFFFF"/>
-          </a:solidFill>
-          <a:ln>
-            <a:noFill/>
-          </a:ln>
-          <a:effectLst>
-            <a:outerShdw blurRad="127000" dir="90000" dist="25400" rotWithShape="0">
-              <a:srgbClr val="2b2b2b">
-                <a:alpha val="20000"/>
-              </a:srgbClr>
-            </a:outerShdw>
-          </a:effectLst>
-        </p:spPr>
-        <p:style>
-          <a:lnRef idx="1">
-            <a:schemeClr val="accent1"/>
-          </a:lnRef>
-          <a:fillRef idx="3">
-            <a:schemeClr val="accent1"/>
-          </a:fillRef>
-          <a:effectRef idx="2">
-            <a:schemeClr val="accent1"/>
-          </a:effectRef>
-          <a:fontRef idx="minor">
-            <a:schemeClr val="lt1"/>
-          </a:fontRef>
-        </p:style>
-        <p:txBody>
-          <a:bodyPr rtlCol="0" anchor="ctr" wrap="square" lIns="0" rIns="0" tIns="0" bIns="0"/>
-          <a:lstStyle/>
-          <a:p>
-            <a:pPr algn="ctr"/>
-          </a:p>
-        </p:txBody>
-      </p:sp>
-      <p:sp>
-        <p:nvSpPr>
-          <p:cNvPr id="9" name="Oval 8"/>
-          <p:cNvSpPr/>
-          <p:nvPr/>
-        </p:nvSpPr>
-        <p:spPr>
-          <a:xfrm>
-            <a:off x="8636000" y="4000500"/>
-            <a:ext cx="812800" cy="812800"/>
-          </a:xfrm>
-          <a:prstGeom prst="ellipse">
-            <a:avLst/>
-          </a:prstGeom>
-          <a:solidFill>
-            <a:srgbClr val="1F1F2D"/>
-          </a:solidFill>
-          <a:ln>
-            <a:noFill/>
-          </a:ln>
-          <a:effectLst>
-            <a:outerShdw blurRad="0" dir="0" dist="0" rotWithShape="0">
-              <a:srgbClr val="000000">
-                <a:alpha val="0"/>
-              </a:srgbClr>
-            </a:outerShdw>
-          </a:effectLst>
-        </p:spPr>
-        <p:style>
-          <a:lnRef idx="1">
-            <a:schemeClr val="accent1"/>
-          </a:lnRef>
-          <a:fillRef idx="3">
-            <a:schemeClr val="accent1"/>
-          </a:fillRef>
-          <a:effectRef idx="2">
-            <a:schemeClr val="accent1"/>
-          </a:effectRef>
-          <a:fontRef idx="minor">
-            <a:schemeClr val="lt1"/>
-          </a:fontRef>
-        </p:style>
-        <p:txBody>
-          <a:bodyPr rtlCol="0" anchor="ctr" wrap="square" lIns="0" rIns="0" tIns="0" bIns="0"/>
-          <a:lstStyle/>
-          <a:p>
-            <a:pPr algn="ctr"/>
-          </a:p>
-        </p:txBody>
-      </p:sp>
-      <p:pic>
-        <p:nvPicPr>
-          <p:cNvPr id="10" name="Picture 9" descr="845d5961-5b03-4f38-b61d-6859005398f9.png"/>
-          <p:cNvPicPr>
-            <a:picLocks noChangeAspect="1"/>
-          </p:cNvPicPr>
-          <p:nvPr/>
-        </p:nvPicPr>
-        <p:blipFill>
-          <a:blip r:embed="rId3"/>
-          <a:stretch>
-            <a:fillRect/>
-          </a:stretch>
-        </p:blipFill>
-        <p:spPr>
-          <a:xfrm>
-            <a:off x="8839200" y="4203700"/>
-            <a:ext cx="406400" cy="406400"/>
-          </a:xfrm>
-          <a:prstGeom prst="rect">
-            <a:avLst/>
-          </a:prstGeom>
-        </p:spPr>
-      </p:pic>
-      <p:sp>
-        <p:nvSpPr>
-          <p:cNvPr id="11" name="TextBox 10"/>
-          <p:cNvSpPr txBox="1"/>
-          <p:nvPr/>
-        </p:nvSpPr>
-        <p:spPr>
-          <a:xfrm>
-            <a:off x="8636000" y="5016500"/>
-            <a:ext cx="6324600" cy="406400"/>
-          </a:xfrm>
-          <a:prstGeom prst="rect">
-            <a:avLst/>
-          </a:prstGeom>
-          <a:noFill/>
-        </p:spPr>
-        <p:txBody>
-          <a:bodyPr wrap="square" lIns="0" rIns="0" tIns="0" bIns="0">
-            <a:spAutoFit/>
-          </a:bodyPr>
-          <a:lstStyle/>
-          <a:p>
-            <a:pPr algn="l">
-              <a:defRPr b="1" i="0" sz="2400">
-                <a:solidFill>
-                  <a:srgbClr val="1A1A1A"/>
-                </a:solidFill>
-                <a:latin typeface="inter"/>
-              </a:defRPr>
-            </a:pPr>
-            <a:r>
-              <a:rPr b="1" i="0" sz="2400">
-                <a:solidFill>
-                  <a:srgbClr val="1A1A1A"/>
-                </a:solidFill>
-                <a:latin typeface="inter"/>
-              </a:rPr>
-              <a:t>Incompressible</a:t>
-            </a:r>
-          </a:p>
-        </p:txBody>
-      </p:sp>
-      <p:sp>
-        <p:nvSpPr>
-          <p:cNvPr id="12" name="TextBox 11"/>
-          <p:cNvSpPr txBox="1"/>
-          <p:nvPr/>
-        </p:nvSpPr>
-        <p:spPr>
-          <a:xfrm>
-            <a:off x="8636000" y="5626100"/>
-            <a:ext cx="6324600" cy="1143000"/>
-          </a:xfrm>
-          <a:prstGeom prst="rect">
-            <a:avLst/>
-          </a:prstGeom>
-          <a:noFill/>
-        </p:spPr>
-        <p:txBody>
-          <a:bodyPr wrap="square" lIns="0" rIns="0" tIns="0" bIns="0">
-            <a:spAutoFit/>
-          </a:bodyPr>
-          <a:lstStyle/>
-          <a:p>
-            <a:pPr algn="l">
-              <a:defRPr b="0" i="0" sz="2000">
-                <a:solidFill>
-                  <a:srgbClr val="333333"/>
-                </a:solidFill>
-                <a:latin typeface="inter"/>
-              </a:defRPr>
-            </a:pPr>
-            <a:r>
-              <a:rPr b="0" i="0" sz="2000">
-                <a:solidFill>
-                  <a:srgbClr val="333333"/>
-                </a:solidFill>
-                <a:latin typeface="inter"/>
-              </a:rPr>
-              <a:t>Liquids resist compression due to the close proximity of their particles. Applying pressure has minimal effect on their volume.</a:t>
+              <a:t>Liquids exhibit unique properties due to the arrangement and movement of their particles, which are close but can slide past each other. Understand the characteristics.</a:t>
             </a:r>
           </a:p>
         </p:txBody>
@@ -5749,7 +5251,7 @@
         </p:nvSpPr>
         <p:spPr>
           <a:xfrm>
-            <a:off x="1016000" y="2070100"/>
+            <a:off x="1016000" y="1130300"/>
             <a:ext cx="14249400" cy="609600"/>
           </a:xfrm>
           <a:prstGeom prst="rect">
@@ -5791,12 +5293,12 @@
         </p:nvSpPr>
         <p:spPr>
           <a:xfrm>
-            <a:off x="1016000" y="3695700"/>
-            <a:ext cx="6908800" cy="3378200"/>
+            <a:off x="1016000" y="2552700"/>
+            <a:ext cx="4533900" cy="5461000"/>
           </a:xfrm>
           <a:prstGeom prst="roundRect">
             <a:avLst>
-              <a:gd name="adj" fmla="val 3007"/>
+              <a:gd name="adj" fmla="val 2240"/>
             </a:avLst>
           </a:prstGeom>
           <a:solidFill>
@@ -5835,30 +5337,140 @@
           </a:p>
         </p:txBody>
       </p:sp>
-      <p:sp>
-        <p:nvSpPr>
-          <p:cNvPr id="4" name="Oval 3"/>
+      <p:pic>
+        <p:nvPicPr>
+          <p:cNvPr id="4" name="Picture 3" descr="192a5dd9-71bd-4799-b687-ff6de0055017.png"/>
+          <p:cNvPicPr>
+            <a:picLocks noChangeAspect="1"/>
+          </p:cNvPicPr>
+          <p:nvPr/>
+        </p:nvPicPr>
+        <p:blipFill>
+          <a:blip r:embed="rId2"/>
+          <a:stretch>
+            <a:fillRect/>
+          </a:stretch>
+        </p:blipFill>
+        <p:spPr>
+          <a:xfrm>
+            <a:off x="1016000" y="2552700"/>
+            <a:ext cx="4533900" cy="2438400"/>
+          </a:xfrm>
+          <a:prstGeom prst="rect">
+            <a:avLst/>
+          </a:prstGeom>
+        </p:spPr>
+      </p:pic>
+      <p:sp>
+        <p:nvSpPr>
+          <p:cNvPr id="5" name="TextBox 4"/>
+          <p:cNvSpPr txBox="1"/>
+          <p:nvPr/>
+        </p:nvSpPr>
+        <p:spPr>
+          <a:xfrm>
+            <a:off x="1320800" y="5295900"/>
+            <a:ext cx="3949700" cy="406400"/>
+          </a:xfrm>
+          <a:prstGeom prst="rect">
+            <a:avLst/>
+          </a:prstGeom>
+          <a:noFill/>
+        </p:spPr>
+        <p:txBody>
+          <a:bodyPr wrap="square" lIns="0" rIns="0" tIns="0" bIns="0">
+            <a:spAutoFit/>
+          </a:bodyPr>
+          <a:lstStyle/>
+          <a:p>
+            <a:pPr algn="l">
+              <a:defRPr b="1" i="0" sz="2400">
+                <a:solidFill>
+                  <a:srgbClr val="1A1A1A"/>
+                </a:solidFill>
+                <a:latin typeface="inter"/>
+              </a:defRPr>
+            </a:pPr>
+            <a:r>
+              <a:rPr b="1" i="0" sz="2400">
+                <a:solidFill>
+                  <a:srgbClr val="1A1A1A"/>
+                </a:solidFill>
+                <a:latin typeface="inter"/>
+              </a:rPr>
+              <a:t>No Definite Volume</a:t>
+            </a:r>
+          </a:p>
+        </p:txBody>
+      </p:sp>
+      <p:sp>
+        <p:nvSpPr>
+          <p:cNvPr id="6" name="TextBox 5"/>
+          <p:cNvSpPr txBox="1"/>
+          <p:nvPr/>
+        </p:nvSpPr>
+        <p:spPr>
+          <a:xfrm>
+            <a:off x="1320800" y="5803900"/>
+            <a:ext cx="3949700" cy="1905000"/>
+          </a:xfrm>
+          <a:prstGeom prst="rect">
+            <a:avLst/>
+          </a:prstGeom>
+          <a:noFill/>
+        </p:spPr>
+        <p:txBody>
+          <a:bodyPr wrap="square" lIns="0" rIns="0" tIns="0" bIns="0">
+            <a:spAutoFit/>
+          </a:bodyPr>
+          <a:lstStyle/>
+          <a:p>
+            <a:pPr algn="l">
+              <a:defRPr b="0" i="0" sz="2000">
+                <a:solidFill>
+                  <a:srgbClr val="333333"/>
+                </a:solidFill>
+                <a:latin typeface="inter"/>
+              </a:defRPr>
+            </a:pPr>
+            <a:r>
+              <a:rPr b="0" i="0" sz="2000">
+                <a:solidFill>
+                  <a:srgbClr val="333333"/>
+                </a:solidFill>
+                <a:latin typeface="inter"/>
+              </a:rPr>
+              <a:t>Gases lack a definite shape or volume, expanding to fill any available space due to the weak intermolecular forces between particles.</a:t>
+            </a:r>
+          </a:p>
+        </p:txBody>
+      </p:sp>
+      <p:sp>
+        <p:nvSpPr>
+          <p:cNvPr id="7" name="Rounded Rectangle 6"/>
           <p:cNvSpPr/>
           <p:nvPr/>
         </p:nvSpPr>
         <p:spPr>
           <a:xfrm>
-            <a:off x="1320800" y="4000500"/>
-            <a:ext cx="812800" cy="812800"/>
-          </a:xfrm>
-          <a:prstGeom prst="ellipse">
-            <a:avLst/>
+            <a:off x="5854700" y="2552700"/>
+            <a:ext cx="4533900" cy="5461000"/>
+          </a:xfrm>
+          <a:prstGeom prst="roundRect">
+            <a:avLst>
+              <a:gd name="adj" fmla="val 2240"/>
+            </a:avLst>
           </a:prstGeom>
           <a:solidFill>
-            <a:srgbClr val="1F1F2D"/>
+            <a:srgbClr val="FFFFFF"/>
           </a:solidFill>
           <a:ln>
             <a:noFill/>
           </a:ln>
           <a:effectLst>
-            <a:outerShdw blurRad="0" dir="0" dist="0" rotWithShape="0">
-              <a:srgbClr val="000000">
-                <a:alpha val="0"/>
+            <a:outerShdw blurRad="127000" dir="90000" dist="25400" rotWithShape="0">
+              <a:srgbClr val="2b2b2b">
+                <a:alpha val="20000"/>
               </a:srgbClr>
             </a:outerShdw>
           </a:effectLst>
@@ -5887,7 +5499,7 @@
       </p:sp>
       <p:pic>
         <p:nvPicPr>
-          <p:cNvPr id="5" name="Picture 4" descr="354d7f89-8fd4-421e-beff-36c2b67b83ee.png"/>
+          <p:cNvPr id="8" name="Picture 7" descr="192a5dd9-71bd-4799-b687-ff6de0055017.png"/>
           <p:cNvPicPr>
             <a:picLocks noChangeAspect="1"/>
           </p:cNvPicPr>
@@ -5901,8 +5513,8 @@
         </p:blipFill>
         <p:spPr>
           <a:xfrm>
-            <a:off x="1524000" y="4203700"/>
-            <a:ext cx="406400" cy="406400"/>
+            <a:off x="5854700" y="2552700"/>
+            <a:ext cx="4533900" cy="2438400"/>
           </a:xfrm>
           <a:prstGeom prst="rect">
             <a:avLst/>
@@ -5911,14 +5523,14 @@
       </p:pic>
       <p:sp>
         <p:nvSpPr>
-          <p:cNvPr id="6" name="TextBox 5"/>
+          <p:cNvPr id="9" name="TextBox 8"/>
           <p:cNvSpPr txBox="1"/>
           <p:nvPr/>
         </p:nvSpPr>
         <p:spPr>
           <a:xfrm>
-            <a:off x="1320800" y="5016500"/>
-            <a:ext cx="6324600" cy="406400"/>
+            <a:off x="6159500" y="5295900"/>
+            <a:ext cx="3949700" cy="406400"/>
           </a:xfrm>
           <a:prstGeom prst="rect">
             <a:avLst/>
@@ -5946,21 +5558,21 @@
                 </a:solidFill>
                 <a:latin typeface="inter"/>
               </a:rPr>
-              <a:t>No Definite Volume</a:t>
-            </a:r>
-          </a:p>
-        </p:txBody>
-      </p:sp>
-      <p:sp>
-        <p:nvSpPr>
-          <p:cNvPr id="7" name="TextBox 6"/>
+              <a:t>Rapid Movement</a:t>
+            </a:r>
+          </a:p>
+        </p:txBody>
+      </p:sp>
+      <p:sp>
+        <p:nvSpPr>
+          <p:cNvPr id="10" name="TextBox 9"/>
           <p:cNvSpPr txBox="1"/>
           <p:nvPr/>
         </p:nvSpPr>
         <p:spPr>
           <a:xfrm>
-            <a:off x="1320800" y="5626100"/>
-            <a:ext cx="6324600" cy="1143000"/>
+            <a:off x="6159500" y="5803900"/>
+            <a:ext cx="3949700" cy="1905000"/>
           </a:xfrm>
           <a:prstGeom prst="rect">
             <a:avLst/>
@@ -5988,25 +5600,25 @@
                 </a:solidFill>
                 <a:latin typeface="inter"/>
               </a:rPr>
-              <a:t>Gases lack a fixed shape or volume, expanding to fill their container. Particles are far apart and move rapidly and randomly.</a:t>
-            </a:r>
-          </a:p>
-        </p:txBody>
-      </p:sp>
-      <p:sp>
-        <p:nvSpPr>
-          <p:cNvPr id="8" name="Rounded Rectangle 7"/>
+              <a:t>Gas particles move rapidly and randomly, with high kinetic energy, leading to frequent collisions and contributing to gas pressure.</a:t>
+            </a:r>
+          </a:p>
+        </p:txBody>
+      </p:sp>
+      <p:sp>
+        <p:nvSpPr>
+          <p:cNvPr id="11" name="Rounded Rectangle 10"/>
           <p:cNvSpPr/>
           <p:nvPr/>
         </p:nvSpPr>
         <p:spPr>
           <a:xfrm>
-            <a:off x="8331200" y="3695700"/>
-            <a:ext cx="6908800" cy="3378200"/>
+            <a:off x="10706100" y="2552700"/>
+            <a:ext cx="4533900" cy="5461000"/>
           </a:xfrm>
           <a:prstGeom prst="roundRect">
             <a:avLst>
-              <a:gd name="adj" fmla="val 3007"/>
+              <a:gd name="adj" fmla="val 2240"/>
             </a:avLst>
           </a:prstGeom>
           <a:solidFill>
@@ -6045,59 +5657,9 @@
           </a:p>
         </p:txBody>
       </p:sp>
-      <p:sp>
-        <p:nvSpPr>
-          <p:cNvPr id="9" name="Oval 8"/>
-          <p:cNvSpPr/>
-          <p:nvPr/>
-        </p:nvSpPr>
-        <p:spPr>
-          <a:xfrm>
-            <a:off x="8636000" y="4000500"/>
-            <a:ext cx="812800" cy="812800"/>
-          </a:xfrm>
-          <a:prstGeom prst="ellipse">
-            <a:avLst/>
-          </a:prstGeom>
-          <a:solidFill>
-            <a:srgbClr val="1F1F2D"/>
-          </a:solidFill>
-          <a:ln>
-            <a:noFill/>
-          </a:ln>
-          <a:effectLst>
-            <a:outerShdw blurRad="0" dir="0" dist="0" rotWithShape="0">
-              <a:srgbClr val="000000">
-                <a:alpha val="0"/>
-              </a:srgbClr>
-            </a:outerShdw>
-          </a:effectLst>
-        </p:spPr>
-        <p:style>
-          <a:lnRef idx="1">
-            <a:schemeClr val="accent1"/>
-          </a:lnRef>
-          <a:fillRef idx="3">
-            <a:schemeClr val="accent1"/>
-          </a:fillRef>
-          <a:effectRef idx="2">
-            <a:schemeClr val="accent1"/>
-          </a:effectRef>
-          <a:fontRef idx="minor">
-            <a:schemeClr val="lt1"/>
-          </a:fontRef>
-        </p:style>
-        <p:txBody>
-          <a:bodyPr rtlCol="0" anchor="ctr" wrap="square" lIns="0" rIns="0" tIns="0" bIns="0"/>
-          <a:lstStyle/>
-          <a:p>
-            <a:pPr algn="ctr"/>
-          </a:p>
-        </p:txBody>
-      </p:sp>
       <p:pic>
         <p:nvPicPr>
-          <p:cNvPr id="10" name="Picture 9" descr="354d7f89-8fd4-421e-beff-36c2b67b83ee.png"/>
+          <p:cNvPr id="12" name="Picture 11" descr="192a5dd9-71bd-4799-b687-ff6de0055017.png"/>
           <p:cNvPicPr>
             <a:picLocks noChangeAspect="1"/>
           </p:cNvPicPr>
@@ -6111,8 +5673,8 @@
         </p:blipFill>
         <p:spPr>
           <a:xfrm>
-            <a:off x="8839200" y="4203700"/>
-            <a:ext cx="406400" cy="406400"/>
+            <a:off x="10706100" y="2552700"/>
+            <a:ext cx="4533900" cy="2438400"/>
           </a:xfrm>
           <a:prstGeom prst="rect">
             <a:avLst/>
@@ -6121,14 +5683,14 @@
       </p:pic>
       <p:sp>
         <p:nvSpPr>
-          <p:cNvPr id="11" name="TextBox 10"/>
+          <p:cNvPr id="13" name="TextBox 12"/>
           <p:cNvSpPr txBox="1"/>
           <p:nvPr/>
         </p:nvSpPr>
         <p:spPr>
           <a:xfrm>
-            <a:off x="8636000" y="5016500"/>
-            <a:ext cx="6324600" cy="406400"/>
+            <a:off x="11010900" y="5295900"/>
+            <a:ext cx="3949700" cy="406400"/>
           </a:xfrm>
           <a:prstGeom prst="rect">
             <a:avLst/>
@@ -6156,21 +5718,21 @@
                 </a:solidFill>
                 <a:latin typeface="inter"/>
               </a:rPr>
-              <a:t>Compressible</a:t>
-            </a:r>
-          </a:p>
-        </p:txBody>
-      </p:sp>
-      <p:sp>
-        <p:nvSpPr>
-          <p:cNvPr id="12" name="TextBox 11"/>
+              <a:t>Easily Compressed</a:t>
+            </a:r>
+          </a:p>
+        </p:txBody>
+      </p:sp>
+      <p:sp>
+        <p:nvSpPr>
+          <p:cNvPr id="14" name="TextBox 13"/>
           <p:cNvSpPr txBox="1"/>
           <p:nvPr/>
         </p:nvSpPr>
         <p:spPr>
           <a:xfrm>
-            <a:off x="8636000" y="5626100"/>
-            <a:ext cx="6324600" cy="1143000"/>
+            <a:off x="11010900" y="5803900"/>
+            <a:ext cx="3949700" cy="1905000"/>
           </a:xfrm>
           <a:prstGeom prst="rect">
             <a:avLst/>
@@ -6198,7 +5760,7 @@
                 </a:solidFill>
                 <a:latin typeface="inter"/>
               </a:rPr>
-              <a:t>Gases are easily compressed due to the large spaces between their particles. Volume decreases significantly under pressure.</a:t>
+              <a:t>Gases are easily compressed because their particles are far apart, allowing them to be pushed closer together with applied pressure.</a:t>
             </a:r>
           </a:p>
         </p:txBody>
@@ -6237,7 +5799,7 @@
         </p:nvSpPr>
         <p:spPr>
           <a:xfrm>
-            <a:off x="1016000" y="1841500"/>
+            <a:off x="1016000" y="1295400"/>
             <a:ext cx="14249400" cy="609600"/>
           </a:xfrm>
           <a:prstGeom prst="rect">
@@ -6279,12 +5841,12 @@
         </p:nvSpPr>
         <p:spPr>
           <a:xfrm>
-            <a:off x="1016000" y="3467100"/>
-            <a:ext cx="4470400" cy="3835400"/>
+            <a:off x="1016000" y="2921000"/>
+            <a:ext cx="6908800" cy="2260600"/>
           </a:xfrm>
           <a:prstGeom prst="roundRect">
             <a:avLst>
-              <a:gd name="adj" fmla="val 2649"/>
+              <a:gd name="adj" fmla="val 4494"/>
             </a:avLst>
           </a:prstGeom>
           <a:solidFill>
@@ -6331,8 +5893,8 @@
         </p:nvSpPr>
         <p:spPr>
           <a:xfrm>
-            <a:off x="1320800" y="3771900"/>
-            <a:ext cx="3886200" cy="508000"/>
+            <a:off x="1320800" y="3225800"/>
+            <a:ext cx="533400" cy="1447800"/>
           </a:xfrm>
           <a:prstGeom prst="rect">
             <a:avLst/>
@@ -6373,8 +5935,8 @@
         </p:nvSpPr>
         <p:spPr>
           <a:xfrm>
-            <a:off x="1320800" y="4483100"/>
-            <a:ext cx="3886200" cy="406400"/>
+            <a:off x="1981200" y="3225800"/>
+            <a:ext cx="5664200" cy="406400"/>
           </a:xfrm>
           <a:prstGeom prst="rect">
             <a:avLst/>
@@ -6415,8 +5977,8 @@
         </p:nvSpPr>
         <p:spPr>
           <a:xfrm>
-            <a:off x="1320800" y="5092700"/>
-            <a:ext cx="3886200" cy="1524000"/>
+            <a:off x="1981200" y="3733800"/>
+            <a:ext cx="5664200" cy="1143000"/>
           </a:xfrm>
           <a:prstGeom prst="rect">
             <a:avLst/>
@@ -6444,7 +6006,7 @@
                 </a:solidFill>
                 <a:latin typeface="inter"/>
               </a:rPr>
-              <a:t>The transition from a solid to a liquid state. Heat energy increases particle motion, overcoming inter-particle forces.</a:t>
+              <a:t>Melting is the phase transition from solid to liquid, occurring when a substance absorbs enough heat to overcome intermolecular forces.</a:t>
             </a:r>
           </a:p>
         </p:txBody>
@@ -6457,12 +6019,12 @@
         </p:nvSpPr>
         <p:spPr>
           <a:xfrm>
-            <a:off x="5892800" y="3467100"/>
-            <a:ext cx="4470400" cy="3835400"/>
+            <a:off x="8331200" y="2921000"/>
+            <a:ext cx="6908800" cy="2260600"/>
           </a:xfrm>
           <a:prstGeom prst="roundRect">
             <a:avLst>
-              <a:gd name="adj" fmla="val 2649"/>
+              <a:gd name="adj" fmla="val 4494"/>
             </a:avLst>
           </a:prstGeom>
           <a:solidFill>
@@ -6509,8 +6071,8 @@
         </p:nvSpPr>
         <p:spPr>
           <a:xfrm>
-            <a:off x="6197600" y="3771900"/>
-            <a:ext cx="3886200" cy="508000"/>
+            <a:off x="8636000" y="3225800"/>
+            <a:ext cx="622300" cy="1447800"/>
           </a:xfrm>
           <a:prstGeom prst="rect">
             <a:avLst/>
@@ -6551,8 +6113,8 @@
         </p:nvSpPr>
         <p:spPr>
           <a:xfrm>
-            <a:off x="6197600" y="4483100"/>
-            <a:ext cx="3886200" cy="406400"/>
+            <a:off x="9385300" y="3225800"/>
+            <a:ext cx="5575300" cy="406400"/>
           </a:xfrm>
           <a:prstGeom prst="rect">
             <a:avLst/>
@@ -6593,8 +6155,8 @@
         </p:nvSpPr>
         <p:spPr>
           <a:xfrm>
-            <a:off x="6197600" y="5092700"/>
-            <a:ext cx="3886200" cy="1905000"/>
+            <a:off x="9385300" y="3733800"/>
+            <a:ext cx="5575300" cy="1143000"/>
           </a:xfrm>
           <a:prstGeom prst="rect">
             <a:avLst/>
@@ -6622,7 +6184,7 @@
                 </a:solidFill>
                 <a:latin typeface="inter"/>
               </a:rPr>
-              <a:t>The transition from a liquid to a gaseous state. Heat energy provides particles with enough kinetic energy to escape the liquid's surface.</a:t>
+              <a:t>Boiling is the phase transition from liquid to gas, characterized by rapid vaporization throughout the liquid at the boiling point.</a:t>
             </a:r>
           </a:p>
         </p:txBody>
@@ -6635,12 +6197,12 @@
         </p:nvSpPr>
         <p:spPr>
           <a:xfrm>
-            <a:off x="10769600" y="3467100"/>
-            <a:ext cx="4470400" cy="3835400"/>
+            <a:off x="1016000" y="5588000"/>
+            <a:ext cx="6908800" cy="2260600"/>
           </a:xfrm>
           <a:prstGeom prst="roundRect">
             <a:avLst>
-              <a:gd name="adj" fmla="val 2649"/>
+              <a:gd name="adj" fmla="val 4494"/>
             </a:avLst>
           </a:prstGeom>
           <a:solidFill>
@@ -6687,8 +6249,8 @@
         </p:nvSpPr>
         <p:spPr>
           <a:xfrm>
-            <a:off x="11074400" y="3771900"/>
-            <a:ext cx="3886200" cy="508000"/>
+            <a:off x="1320800" y="5892800"/>
+            <a:ext cx="622300" cy="1447800"/>
           </a:xfrm>
           <a:prstGeom prst="rect">
             <a:avLst/>
@@ -6729,8 +6291,8 @@
         </p:nvSpPr>
         <p:spPr>
           <a:xfrm>
-            <a:off x="11074400" y="4483100"/>
-            <a:ext cx="3886200" cy="406400"/>
+            <a:off x="2070100" y="5892800"/>
+            <a:ext cx="5575300" cy="406400"/>
           </a:xfrm>
           <a:prstGeom prst="rect">
             <a:avLst/>
@@ -6758,7 +6320,7 @@
                 </a:solidFill>
                 <a:latin typeface="inter"/>
               </a:rPr>
-              <a:t>Condensation</a:t>
+              <a:t>Sublimation</a:t>
             </a:r>
           </a:p>
         </p:txBody>
@@ -6771,8 +6333,8 @@
         </p:nvSpPr>
         <p:spPr>
           <a:xfrm>
-            <a:off x="11074400" y="5092700"/>
-            <a:ext cx="3886200" cy="1905000"/>
+            <a:off x="2070100" y="6400800"/>
+            <a:ext cx="5575300" cy="1143000"/>
           </a:xfrm>
           <a:prstGeom prst="rect">
             <a:avLst/>
@@ -6800,7 +6362,185 @@
                 </a:solidFill>
                 <a:latin typeface="inter"/>
               </a:rPr>
-              <a:t>The transition from a gaseous to a liquid state. Cooling reduces particle motion, allowing inter-particle forces to draw them closer together.</a:t>
+              <a:t>Sublimation is the direct transition from solid to gas, bypassing the liquid phase, as seen with dry ice at room temperature.</a:t>
+            </a:r>
+          </a:p>
+        </p:txBody>
+      </p:sp>
+      <p:sp>
+        <p:nvSpPr>
+          <p:cNvPr id="15" name="Rounded Rectangle 14"/>
+          <p:cNvSpPr/>
+          <p:nvPr/>
+        </p:nvSpPr>
+        <p:spPr>
+          <a:xfrm>
+            <a:off x="8331200" y="5588000"/>
+            <a:ext cx="6908800" cy="2260600"/>
+          </a:xfrm>
+          <a:prstGeom prst="roundRect">
+            <a:avLst>
+              <a:gd name="adj" fmla="val 4494"/>
+            </a:avLst>
+          </a:prstGeom>
+          <a:solidFill>
+            <a:srgbClr val="FFFFFF"/>
+          </a:solidFill>
+          <a:ln>
+            <a:noFill/>
+          </a:ln>
+          <a:effectLst>
+            <a:outerShdw blurRad="127000" dir="90000" dist="25400" rotWithShape="0">
+              <a:srgbClr val="2b2b2b">
+                <a:alpha val="20000"/>
+              </a:srgbClr>
+            </a:outerShdw>
+          </a:effectLst>
+        </p:spPr>
+        <p:style>
+          <a:lnRef idx="1">
+            <a:schemeClr val="accent1"/>
+          </a:lnRef>
+          <a:fillRef idx="3">
+            <a:schemeClr val="accent1"/>
+          </a:fillRef>
+          <a:effectRef idx="2">
+            <a:schemeClr val="accent1"/>
+          </a:effectRef>
+          <a:fontRef idx="minor">
+            <a:schemeClr val="lt1"/>
+          </a:fontRef>
+        </p:style>
+        <p:txBody>
+          <a:bodyPr rtlCol="0" anchor="ctr" wrap="square" lIns="0" rIns="0" tIns="0" bIns="0"/>
+          <a:lstStyle/>
+          <a:p>
+            <a:pPr algn="ctr"/>
+          </a:p>
+        </p:txBody>
+      </p:sp>
+      <p:sp>
+        <p:nvSpPr>
+          <p:cNvPr id="16" name="TextBox 15"/>
+          <p:cNvSpPr txBox="1"/>
+          <p:nvPr/>
+        </p:nvSpPr>
+        <p:spPr>
+          <a:xfrm>
+            <a:off x="8636000" y="5892800"/>
+            <a:ext cx="635000" cy="1447800"/>
+          </a:xfrm>
+          <a:prstGeom prst="rect">
+            <a:avLst/>
+          </a:prstGeom>
+          <a:noFill/>
+        </p:spPr>
+        <p:txBody>
+          <a:bodyPr wrap="square" lIns="0" rIns="0" tIns="0" bIns="0">
+            <a:spAutoFit/>
+          </a:bodyPr>
+          <a:lstStyle/>
+          <a:p>
+            <a:pPr algn="l">
+              <a:defRPr b="1" i="0" sz="3200">
+                <a:solidFill>
+                  <a:srgbClr val="1F1F2D"/>
+                </a:solidFill>
+                <a:latin typeface="inter"/>
+              </a:defRPr>
+            </a:pPr>
+            <a:r>
+              <a:rPr b="1" i="0" sz="3200">
+                <a:solidFill>
+                  <a:srgbClr val="1F1F2D"/>
+                </a:solidFill>
+                <a:latin typeface="inter"/>
+              </a:rPr>
+              <a:t>04</a:t>
+            </a:r>
+          </a:p>
+        </p:txBody>
+      </p:sp>
+      <p:sp>
+        <p:nvSpPr>
+          <p:cNvPr id="17" name="TextBox 16"/>
+          <p:cNvSpPr txBox="1"/>
+          <p:nvPr/>
+        </p:nvSpPr>
+        <p:spPr>
+          <a:xfrm>
+            <a:off x="9398000" y="5892800"/>
+            <a:ext cx="5562600" cy="406400"/>
+          </a:xfrm>
+          <a:prstGeom prst="rect">
+            <a:avLst/>
+          </a:prstGeom>
+          <a:noFill/>
+        </p:spPr>
+        <p:txBody>
+          <a:bodyPr wrap="square" lIns="0" rIns="0" tIns="0" bIns="0">
+            <a:spAutoFit/>
+          </a:bodyPr>
+          <a:lstStyle/>
+          <a:p>
+            <a:pPr algn="l">
+              <a:defRPr b="1" i="0" sz="2400">
+                <a:solidFill>
+                  <a:srgbClr val="1A1A1A"/>
+                </a:solidFill>
+                <a:latin typeface="inter"/>
+              </a:defRPr>
+            </a:pPr>
+            <a:r>
+              <a:rPr b="1" i="0" sz="2400">
+                <a:solidFill>
+                  <a:srgbClr val="1A1A1A"/>
+                </a:solidFill>
+                <a:latin typeface="inter"/>
+              </a:rPr>
+              <a:t>Condensation</a:t>
+            </a:r>
+          </a:p>
+        </p:txBody>
+      </p:sp>
+      <p:sp>
+        <p:nvSpPr>
+          <p:cNvPr id="18" name="TextBox 17"/>
+          <p:cNvSpPr txBox="1"/>
+          <p:nvPr/>
+        </p:nvSpPr>
+        <p:spPr>
+          <a:xfrm>
+            <a:off x="9398000" y="6400800"/>
+            <a:ext cx="5562600" cy="1143000"/>
+          </a:xfrm>
+          <a:prstGeom prst="rect">
+            <a:avLst/>
+          </a:prstGeom>
+          <a:noFill/>
+        </p:spPr>
+        <p:txBody>
+          <a:bodyPr wrap="square" lIns="0" rIns="0" tIns="0" bIns="0">
+            <a:spAutoFit/>
+          </a:bodyPr>
+          <a:lstStyle/>
+          <a:p>
+            <a:pPr algn="l">
+              <a:defRPr b="0" i="0" sz="2000">
+                <a:solidFill>
+                  <a:srgbClr val="333333"/>
+                </a:solidFill>
+                <a:latin typeface="inter"/>
+              </a:defRPr>
+            </a:pPr>
+            <a:r>
+              <a:rPr b="0" i="0" sz="2000">
+                <a:solidFill>
+                  <a:srgbClr val="333333"/>
+                </a:solidFill>
+                <a:latin typeface="inter"/>
+              </a:rPr>
+              <a:t>Condensation is the phase transition from gas to liquid, typically occurring when a gas is cooled to its dew point temperature.</a:t>
             </a:r>
           </a:p>
         </p:txBody>
@@ -6839,8 +6579,8 @@
         </p:nvSpPr>
         <p:spPr>
           <a:xfrm>
-            <a:off x="6477000" y="1473200"/>
-            <a:ext cx="3327400" cy="609600"/>
+            <a:off x="1016000" y="3492500"/>
+            <a:ext cx="7035800" cy="609600"/>
           </a:xfrm>
           <a:prstGeom prst="rect">
             <a:avLst/>
@@ -6868,45 +6608,21 @@
                 </a:solidFill>
                 <a:latin typeface="inter"/>
               </a:rPr>
-              <a:t>Heating Curve</a:t>
-            </a:r>
-          </a:p>
-        </p:txBody>
-      </p:sp>
-      <p:pic>
-        <p:nvPicPr>
-          <p:cNvPr id="3" name="Picture 2" descr="7fcf71ea-81e6-484f-ad3e-1414333d3a95.png"/>
-          <p:cNvPicPr>
-            <a:picLocks noChangeAspect="1"/>
-          </p:cNvPicPr>
-          <p:nvPr/>
-        </p:nvPicPr>
-        <p:blipFill>
-          <a:blip r:embed="rId2"/>
-          <a:stretch>
-            <a:fillRect/>
-          </a:stretch>
-        </p:blipFill>
-        <p:spPr>
-          <a:xfrm>
-            <a:off x="1016000" y="2590800"/>
-            <a:ext cx="14224000" cy="3810000"/>
-          </a:xfrm>
-          <a:prstGeom prst="rect">
-            <a:avLst/>
-          </a:prstGeom>
-        </p:spPr>
-      </p:pic>
-      <p:sp>
-        <p:nvSpPr>
-          <p:cNvPr id="4" name="TextBox 3"/>
+              <a:t>A Closer Look at Gases</a:t>
+            </a:r>
+          </a:p>
+        </p:txBody>
+      </p:sp>
+      <p:sp>
+        <p:nvSpPr>
+          <p:cNvPr id="3" name="TextBox 2"/>
           <p:cNvSpPr txBox="1"/>
           <p:nvPr/>
         </p:nvSpPr>
         <p:spPr>
           <a:xfrm>
-            <a:off x="1016000" y="6908800"/>
-            <a:ext cx="14249400" cy="762000"/>
+            <a:off x="1016000" y="4508500"/>
+            <a:ext cx="7035800" cy="1143000"/>
           </a:xfrm>
           <a:prstGeom prst="rect">
             <a:avLst/>
@@ -6919,116 +6635,6 @@
           </a:bodyPr>
           <a:lstStyle/>
           <a:p>
-            <a:pPr algn="ctr">
-              <a:defRPr b="0" i="0" sz="2000">
-                <a:solidFill>
-                  <a:srgbClr val="333333"/>
-                </a:solidFill>
-                <a:latin typeface="inter"/>
-              </a:defRPr>
-            </a:pPr>
-            <a:r>
-              <a:rPr b="0" i="0" sz="2000">
-                <a:solidFill>
-                  <a:srgbClr val="333333"/>
-                </a:solidFill>
-                <a:latin typeface="inter"/>
-              </a:rPr>
-              <a:t>Heating curves illustrate temperature changes as a substance heats. Plateaus signify state changes (melting/boiling), with constant temperature and plateau length indicating energy needed.</a:t>
-            </a:r>
-          </a:p>
-        </p:txBody>
-      </p:sp>
-    </p:spTree>
-  </p:cSld>
-  <p:clrMapOvr>
-    <a:masterClrMapping/>
-  </p:clrMapOvr>
-</p:sld>
-</file>
-
-<file path=ppt/slides/slide9.xml><?xml version="1.0" encoding="utf-8"?>
-<p:sld xmlns:a="http://schemas.openxmlformats.org/drawingml/2006/main" xmlns:p="http://schemas.openxmlformats.org/presentationml/2006/main" xmlns:r="http://schemas.openxmlformats.org/officeDocument/2006/relationships">
-  <p:cSld>
-    <p:bg>
-      <p:bgPr>
-        <a:solidFill>
-          <a:srgbClr val="F2F2F2"/>
-        </a:solidFill>
-        <a:effectLst/>
-      </p:bgPr>
-    </p:bg>
-    <p:spTree>
-      <p:nvGrpSpPr>
-        <p:cNvPr id="1" name=""/>
-        <p:cNvGrpSpPr/>
-        <p:nvPr/>
-      </p:nvGrpSpPr>
-      <p:grpSpPr/>
-      <p:sp>
-        <p:nvSpPr>
-          <p:cNvPr id="2" name="TextBox 1"/>
-          <p:cNvSpPr txBox="1"/>
-          <p:nvPr/>
-        </p:nvSpPr>
-        <p:spPr>
-          <a:xfrm>
-            <a:off x="1016000" y="3492500"/>
-            <a:ext cx="7035800" cy="609600"/>
-          </a:xfrm>
-          <a:prstGeom prst="rect">
-            <a:avLst/>
-          </a:prstGeom>
-          <a:noFill/>
-        </p:spPr>
-        <p:txBody>
-          <a:bodyPr wrap="square" lIns="0" rIns="0" tIns="0" bIns="0">
-            <a:spAutoFit/>
-          </a:bodyPr>
-          <a:lstStyle/>
-          <a:p>
-            <a:pPr algn="l">
-              <a:defRPr b="1" i="0" sz="4000">
-                <a:solidFill>
-                  <a:srgbClr val="000000"/>
-                </a:solidFill>
-                <a:latin typeface="inter"/>
-              </a:defRPr>
-            </a:pPr>
-            <a:r>
-              <a:rPr b="1" i="0" sz="4000">
-                <a:solidFill>
-                  <a:srgbClr val="000000"/>
-                </a:solidFill>
-                <a:latin typeface="inter"/>
-              </a:rPr>
-              <a:t>Particle Arrangement</a:t>
-            </a:r>
-          </a:p>
-        </p:txBody>
-      </p:sp>
-      <p:sp>
-        <p:nvSpPr>
-          <p:cNvPr id="3" name="TextBox 2"/>
-          <p:cNvSpPr txBox="1"/>
-          <p:nvPr/>
-        </p:nvSpPr>
-        <p:spPr>
-          <a:xfrm>
-            <a:off x="1016000" y="4508500"/>
-            <a:ext cx="7035800" cy="1143000"/>
-          </a:xfrm>
-          <a:prstGeom prst="rect">
-            <a:avLst/>
-          </a:prstGeom>
-          <a:noFill/>
-        </p:spPr>
-        <p:txBody>
-          <a:bodyPr wrap="square" lIns="0" rIns="0" tIns="0" bIns="0">
-            <a:spAutoFit/>
-          </a:bodyPr>
-          <a:lstStyle/>
-          <a:p>
             <a:pPr algn="l">
               <a:defRPr b="0" i="0" sz="2000">
                 <a:solidFill>
@@ -7044,7 +6650,7 @@
                 </a:solidFill>
                 <a:latin typeface="inter"/>
               </a:rPr>
-              <a:t>Particle arrangement differs across states: solids have regular, close packing; liquids have close, random arrangement; gases have far apart, random arrangement.</a:t>
+              <a:t>Gases exhibit unique properties due to the behavior of their particles. Pressure is influenced by temperature and volume changes.</a:t>
             </a:r>
           </a:p>
         </p:txBody>
@@ -7057,7 +6663,7 @@
         </p:nvSpPr>
         <p:spPr>
           <a:xfrm>
-            <a:off x="8229600" y="2209800"/>
+            <a:off x="8229600" y="952500"/>
             <a:ext cx="7010400" cy="2209800"/>
           </a:xfrm>
           <a:prstGeom prst="roundRect">
@@ -7109,7 +6715,7 @@
         </p:nvSpPr>
         <p:spPr>
           <a:xfrm>
-            <a:off x="8534400" y="2514600"/>
+            <a:off x="8534400" y="1257300"/>
             <a:ext cx="533400" cy="1397000"/>
           </a:xfrm>
           <a:prstGeom prst="rect">
@@ -7151,7 +6757,7 @@
         </p:nvSpPr>
         <p:spPr>
           <a:xfrm>
-            <a:off x="9347200" y="2514600"/>
+            <a:off x="9347200" y="1257300"/>
             <a:ext cx="5613400" cy="406400"/>
           </a:xfrm>
           <a:prstGeom prst="rect">
@@ -7180,7 +6786,7 @@
                 </a:solidFill>
                 <a:latin typeface="inter"/>
               </a:rPr>
-              <a:t>Solids</a:t>
+              <a:t>Gas Pressure</a:t>
             </a:r>
           </a:p>
         </p:txBody>
@@ -7193,7 +6799,7 @@
         </p:nvSpPr>
         <p:spPr>
           <a:xfrm>
-            <a:off x="9347200" y="2971800"/>
+            <a:off x="9347200" y="1714500"/>
             <a:ext cx="5613400" cy="1143000"/>
           </a:xfrm>
           <a:prstGeom prst="rect">
@@ -7222,7 +6828,7 @@
                 </a:solidFill>
                 <a:latin typeface="inter"/>
               </a:rPr>
-              <a:t>Particles are closely packed in a regular arrangement. This arrangement gives solids their definite shape and volume.</a:t>
+              <a:t>Gas pressure results from gas particles colliding with the walls of their container, with more frequent collisions leading to higher pressure.</a:t>
             </a:r>
           </a:p>
         </p:txBody>
@@ -7235,7 +6841,7 @@
         </p:nvSpPr>
         <p:spPr>
           <a:xfrm>
-            <a:off x="8229600" y="4724400"/>
+            <a:off x="8229600" y="3467100"/>
             <a:ext cx="7010400" cy="2209800"/>
           </a:xfrm>
           <a:prstGeom prst="roundRect">
@@ -7287,7 +6893,7 @@
         </p:nvSpPr>
         <p:spPr>
           <a:xfrm>
-            <a:off x="8534400" y="5029200"/>
+            <a:off x="8534400" y="3771900"/>
             <a:ext cx="622300" cy="1397000"/>
           </a:xfrm>
           <a:prstGeom prst="rect">
@@ -7329,7 +6935,7 @@
         </p:nvSpPr>
         <p:spPr>
           <a:xfrm>
-            <a:off x="9436100" y="5029200"/>
+            <a:off x="9436100" y="3771900"/>
             <a:ext cx="5524500" cy="406400"/>
           </a:xfrm>
           <a:prstGeom prst="rect">
@@ -7358,7 +6964,7 @@
                 </a:solidFill>
                 <a:latin typeface="inter"/>
               </a:rPr>
-              <a:t>Liquids</a:t>
+              <a:t>Temperature Impact</a:t>
             </a:r>
           </a:p>
         </p:txBody>
@@ -7371,7 +6977,7 @@
         </p:nvSpPr>
         <p:spPr>
           <a:xfrm>
-            <a:off x="9436100" y="5486400"/>
+            <a:off x="9436100" y="4229100"/>
             <a:ext cx="5524500" cy="1143000"/>
           </a:xfrm>
           <a:prstGeom prst="rect">
@@ -7400,7 +7006,185 @@
                 </a:solidFill>
                 <a:latin typeface="inter"/>
               </a:rPr>
-              <a:t>Particles are close together but randomly arranged. This allows liquids to flow and take the shape of their container.</a:t>
+              <a:t>Increasing temperature increases gas pressure, as particles move faster and collide more forcefully with the container walls.</a:t>
+            </a:r>
+          </a:p>
+        </p:txBody>
+      </p:sp>
+      <p:sp>
+        <p:nvSpPr>
+          <p:cNvPr id="12" name="Rounded Rectangle 11"/>
+          <p:cNvSpPr/>
+          <p:nvPr/>
+        </p:nvSpPr>
+        <p:spPr>
+          <a:xfrm>
+            <a:off x="8229600" y="5981700"/>
+            <a:ext cx="7010400" cy="2209800"/>
+          </a:xfrm>
+          <a:prstGeom prst="roundRect">
+            <a:avLst>
+              <a:gd name="adj" fmla="val 4597"/>
+            </a:avLst>
+          </a:prstGeom>
+          <a:solidFill>
+            <a:srgbClr val="FFFFFF"/>
+          </a:solidFill>
+          <a:ln>
+            <a:noFill/>
+          </a:ln>
+          <a:effectLst>
+            <a:outerShdw blurRad="127000" dir="90000" dist="25400" rotWithShape="0">
+              <a:srgbClr val="2b2b2b">
+                <a:alpha val="20000"/>
+              </a:srgbClr>
+            </a:outerShdw>
+          </a:effectLst>
+        </p:spPr>
+        <p:style>
+          <a:lnRef idx="1">
+            <a:schemeClr val="accent1"/>
+          </a:lnRef>
+          <a:fillRef idx="3">
+            <a:schemeClr val="accent1"/>
+          </a:fillRef>
+          <a:effectRef idx="2">
+            <a:schemeClr val="accent1"/>
+          </a:effectRef>
+          <a:fontRef idx="minor">
+            <a:schemeClr val="lt1"/>
+          </a:fontRef>
+        </p:style>
+        <p:txBody>
+          <a:bodyPr rtlCol="0" anchor="ctr" wrap="square" lIns="0" rIns="0" tIns="0" bIns="0"/>
+          <a:lstStyle/>
+          <a:p>
+            <a:pPr algn="ctr"/>
+          </a:p>
+        </p:txBody>
+      </p:sp>
+      <p:sp>
+        <p:nvSpPr>
+          <p:cNvPr id="13" name="TextBox 12"/>
+          <p:cNvSpPr txBox="1"/>
+          <p:nvPr/>
+        </p:nvSpPr>
+        <p:spPr>
+          <a:xfrm>
+            <a:off x="8534400" y="6286500"/>
+            <a:ext cx="622300" cy="1397000"/>
+          </a:xfrm>
+          <a:prstGeom prst="rect">
+            <a:avLst/>
+          </a:prstGeom>
+          <a:noFill/>
+        </p:spPr>
+        <p:txBody>
+          <a:bodyPr wrap="square" lIns="0" rIns="0" tIns="0" bIns="0">
+            <a:spAutoFit/>
+          </a:bodyPr>
+          <a:lstStyle/>
+          <a:p>
+            <a:pPr algn="l">
+              <a:defRPr b="1" i="0" sz="3200">
+                <a:solidFill>
+                  <a:srgbClr val="1F1F2D"/>
+                </a:solidFill>
+                <a:latin typeface="inter"/>
+              </a:defRPr>
+            </a:pPr>
+            <a:r>
+              <a:rPr b="1" i="0" sz="3200">
+                <a:solidFill>
+                  <a:srgbClr val="1F1F2D"/>
+                </a:solidFill>
+                <a:latin typeface="inter"/>
+              </a:rPr>
+              <a:t>03</a:t>
+            </a:r>
+          </a:p>
+        </p:txBody>
+      </p:sp>
+      <p:sp>
+        <p:nvSpPr>
+          <p:cNvPr id="14" name="TextBox 13"/>
+          <p:cNvSpPr txBox="1"/>
+          <p:nvPr/>
+        </p:nvSpPr>
+        <p:spPr>
+          <a:xfrm>
+            <a:off x="9436100" y="6286500"/>
+            <a:ext cx="5524500" cy="406400"/>
+          </a:xfrm>
+          <a:prstGeom prst="rect">
+            <a:avLst/>
+          </a:prstGeom>
+          <a:noFill/>
+        </p:spPr>
+        <p:txBody>
+          <a:bodyPr wrap="square" lIns="0" rIns="0" tIns="0" bIns="0">
+            <a:spAutoFit/>
+          </a:bodyPr>
+          <a:lstStyle/>
+          <a:p>
+            <a:pPr algn="l">
+              <a:defRPr b="1" i="0" sz="2400">
+                <a:solidFill>
+                  <a:srgbClr val="1A1A1A"/>
+                </a:solidFill>
+                <a:latin typeface="inter"/>
+              </a:defRPr>
+            </a:pPr>
+            <a:r>
+              <a:rPr b="1" i="0" sz="2400">
+                <a:solidFill>
+                  <a:srgbClr val="1A1A1A"/>
+                </a:solidFill>
+                <a:latin typeface="inter"/>
+              </a:rPr>
+              <a:t>Volume Influence</a:t>
+            </a:r>
+          </a:p>
+        </p:txBody>
+      </p:sp>
+      <p:sp>
+        <p:nvSpPr>
+          <p:cNvPr id="15" name="TextBox 14"/>
+          <p:cNvSpPr txBox="1"/>
+          <p:nvPr/>
+        </p:nvSpPr>
+        <p:spPr>
+          <a:xfrm>
+            <a:off x="9436100" y="6743700"/>
+            <a:ext cx="5524500" cy="1143000"/>
+          </a:xfrm>
+          <a:prstGeom prst="rect">
+            <a:avLst/>
+          </a:prstGeom>
+          <a:noFill/>
+        </p:spPr>
+        <p:txBody>
+          <a:bodyPr wrap="square" lIns="0" rIns="0" tIns="0" bIns="0">
+            <a:spAutoFit/>
+          </a:bodyPr>
+          <a:lstStyle/>
+          <a:p>
+            <a:pPr algn="l">
+              <a:defRPr b="0" i="0" sz="2000">
+                <a:solidFill>
+                  <a:srgbClr val="333333"/>
+                </a:solidFill>
+                <a:latin typeface="inter"/>
+              </a:defRPr>
+            </a:pPr>
+            <a:r>
+              <a:rPr b="0" i="0" sz="2000">
+                <a:solidFill>
+                  <a:srgbClr val="333333"/>
+                </a:solidFill>
+                <a:latin typeface="inter"/>
+              </a:rPr>
+              <a:t>Decreasing volume increases gas pressure, as particles have less space to move and collide more frequently with the container walls.</a:t>
             </a:r>
           </a:p>
         </p:txBody>

--- a/Slides/Unlocking_the_Secrets_of_Matter.pptx
+++ b/Slides/Unlocking_the_Secrets_of_Matter.pptx
@@ -3091,7 +3091,7 @@
     <p:bg>
       <p:bgPr>
         <a:solidFill>
-          <a:srgbClr val="F2F2F2"/>
+          <a:srgbClr val="F9F6F0"/>
         </a:solidFill>
         <a:effectLst/>
       </p:bgPr>
@@ -3128,19 +3128,19 @@
             <a:pPr algn="l">
               <a:defRPr b="1" i="0" sz="4000">
                 <a:solidFill>
-                  <a:srgbClr val="000000"/>
-                </a:solidFill>
-                <a:latin typeface="inter"/>
+                  <a:srgbClr val="484237"/>
+                </a:solidFill>
+                <a:latin typeface="Fraunces"/>
               </a:defRPr>
             </a:pPr>
             <a:r>
               <a:rPr b="1" i="0" sz="4000">
                 <a:solidFill>
-                  <a:srgbClr val="000000"/>
-                </a:solidFill>
-                <a:latin typeface="inter"/>
+                  <a:srgbClr val="484237"/>
+                </a:solidFill>
+                <a:latin typeface="Fraunces"/>
               </a:rPr>
-              <a:t>Unlocking the Secrets of Matter</a:t>
+              <a:t>Everything is Made of Particles</a:t>
             </a:r>
           </a:p>
         </p:txBody>
@@ -3170,26 +3170,26 @@
             <a:pPr algn="l">
               <a:defRPr b="0" i="0" sz="2000">
                 <a:solidFill>
-                  <a:srgbClr val="333333"/>
-                </a:solidFill>
-                <a:latin typeface="inter"/>
+                  <a:srgbClr val="595F6C"/>
+                </a:solidFill>
+                <a:latin typeface="Fraunces"/>
               </a:defRPr>
             </a:pPr>
             <a:r>
               <a:rPr b="0" i="0" sz="2000">
                 <a:solidFill>
-                  <a:srgbClr val="333333"/>
-                </a:solidFill>
-                <a:latin typeface="inter"/>
+                  <a:srgbClr val="595F6C"/>
+                </a:solidFill>
+                <a:latin typeface="Fraunces"/>
               </a:rPr>
-              <a:t>Explore the fundamental building blocks of our universe. From the smallest particles to the largest structures, discover the secrets that govern matter's behavior and transformations. Understand the essence of everything around us.</a:t>
+              <a:t>Everything is made of tiny, moving particles, even solids! In solids, particles are close and vibrate. In liquids and gases, they move more freely, causing diffusion. This movement is key to understanding matter.</a:t>
             </a:r>
           </a:p>
         </p:txBody>
       </p:sp>
       <p:pic>
         <p:nvPicPr>
-          <p:cNvPr id="4" name="Picture 3" descr="0a1bf311-68e9-4a2c-938b-27437b85b8c2.png"/>
+          <p:cNvPr id="4" name="Picture 3" descr="78565717-fd24-4b10-8666-c4c4682eeb0d.png"/>
           <p:cNvPicPr>
             <a:picLocks noChangeAspect="1"/>
           </p:cNvPicPr>
@@ -3225,7 +3225,7 @@
     <p:bg>
       <p:bgPr>
         <a:solidFill>
-          <a:srgbClr val="F2F2F2"/>
+          <a:srgbClr val="F9F6F0"/>
         </a:solidFill>
         <a:effectLst/>
       </p:bgPr>
@@ -3245,8 +3245,8 @@
         </p:nvSpPr>
         <p:spPr>
           <a:xfrm>
-            <a:off x="1016000" y="3543300"/>
-            <a:ext cx="6731000" cy="609600"/>
+            <a:off x="1016000" y="3683000"/>
+            <a:ext cx="7035800" cy="609600"/>
           </a:xfrm>
           <a:prstGeom prst="rect">
             <a:avLst/>
@@ -3262,17 +3262,17 @@
             <a:pPr algn="l">
               <a:defRPr b="1" i="0" sz="4000">
                 <a:solidFill>
-                  <a:srgbClr val="000000"/>
-                </a:solidFill>
-                <a:latin typeface="inter"/>
+                  <a:srgbClr val="484237"/>
+                </a:solidFill>
+                <a:latin typeface="Fraunces"/>
               </a:defRPr>
             </a:pPr>
             <a:r>
               <a:rPr b="1" i="0" sz="4000">
                 <a:solidFill>
-                  <a:srgbClr val="000000"/>
-                </a:solidFill>
-                <a:latin typeface="inter"/>
+                  <a:srgbClr val="484237"/>
+                </a:solidFill>
+                <a:latin typeface="Fraunces"/>
               </a:rPr>
               <a:t>Diffusion: Mixing of Particles</a:t>
             </a:r>
@@ -3287,8 +3287,8 @@
         </p:nvSpPr>
         <p:spPr>
           <a:xfrm>
-            <a:off x="1016000" y="4457700"/>
-            <a:ext cx="6731000" cy="1143000"/>
+            <a:off x="1016000" y="4699000"/>
+            <a:ext cx="7035800" cy="762000"/>
           </a:xfrm>
           <a:prstGeom prst="rect">
             <a:avLst/>
@@ -3304,19 +3304,19 @@
             <a:pPr algn="l">
               <a:defRPr b="0" i="0" sz="2000">
                 <a:solidFill>
-                  <a:srgbClr val="333333"/>
-                </a:solidFill>
-                <a:latin typeface="inter"/>
+                  <a:srgbClr val="595F6C"/>
+                </a:solidFill>
+                <a:latin typeface="Fraunces"/>
               </a:defRPr>
             </a:pPr>
             <a:r>
               <a:rPr b="0" i="0" sz="2000">
                 <a:solidFill>
-                  <a:srgbClr val="333333"/>
-                </a:solidFill>
-                <a:latin typeface="inter"/>
+                  <a:srgbClr val="595F6C"/>
+                </a:solidFill>
+                <a:latin typeface="Fraunces"/>
               </a:rPr>
-              <a:t>Diffusion is crucial for various natural processes. It's the net movement of anything from a region of higher concentration to a region of lower concentration.</a:t>
+              <a:t>Diffusion is the mixing of particles from high to low concentration areas until evenly spread.</a:t>
             </a:r>
           </a:p>
         </p:txBody>
@@ -3329,16 +3329,16 @@
         </p:nvSpPr>
         <p:spPr>
           <a:xfrm>
-            <a:off x="8534400" y="1092200"/>
-            <a:ext cx="6705600" cy="3276600"/>
+            <a:off x="8229600" y="2209800"/>
+            <a:ext cx="7010400" cy="2209800"/>
           </a:xfrm>
           <a:prstGeom prst="roundRect">
             <a:avLst>
-              <a:gd name="adj" fmla="val 3100"/>
+              <a:gd name="adj" fmla="val 4597"/>
             </a:avLst>
           </a:prstGeom>
           <a:solidFill>
-            <a:srgbClr val="FFFFFF"/>
+            <a:srgbClr val="EEE9DD"/>
           </a:solidFill>
           <a:ln>
             <a:noFill/>
@@ -3375,28 +3375,156 @@
       </p:sp>
       <p:sp>
         <p:nvSpPr>
-          <p:cNvPr id="5" name="Oval 4"/>
+          <p:cNvPr id="5" name="TextBox 4"/>
+          <p:cNvSpPr txBox="1"/>
+          <p:nvPr/>
+        </p:nvSpPr>
+        <p:spPr>
+          <a:xfrm>
+            <a:off x="8534400" y="2514600"/>
+            <a:ext cx="571500" cy="1397000"/>
+          </a:xfrm>
+          <a:prstGeom prst="rect">
+            <a:avLst/>
+          </a:prstGeom>
+          <a:noFill/>
+        </p:spPr>
+        <p:txBody>
+          <a:bodyPr wrap="square" lIns="0" rIns="0" tIns="0" bIns="0">
+            <a:spAutoFit/>
+          </a:bodyPr>
+          <a:lstStyle/>
+          <a:p>
+            <a:pPr algn="l">
+              <a:defRPr b="1" i="0" sz="3200">
+                <a:solidFill>
+                  <a:srgbClr val="A6825B"/>
+                </a:solidFill>
+                <a:latin typeface="Fraunces"/>
+              </a:defRPr>
+            </a:pPr>
+            <a:r>
+              <a:rPr b="1" i="0" sz="3200">
+                <a:solidFill>
+                  <a:srgbClr val="A6825B"/>
+                </a:solidFill>
+                <a:latin typeface="Fraunces"/>
+              </a:rPr>
+              <a:t>01</a:t>
+            </a:r>
+          </a:p>
+        </p:txBody>
+      </p:sp>
+      <p:sp>
+        <p:nvSpPr>
+          <p:cNvPr id="6" name="TextBox 5"/>
+          <p:cNvSpPr txBox="1"/>
+          <p:nvPr/>
+        </p:nvSpPr>
+        <p:spPr>
+          <a:xfrm>
+            <a:off x="9385300" y="2514600"/>
+            <a:ext cx="5575300" cy="406400"/>
+          </a:xfrm>
+          <a:prstGeom prst="rect">
+            <a:avLst/>
+          </a:prstGeom>
+          <a:noFill/>
+        </p:spPr>
+        <p:txBody>
+          <a:bodyPr wrap="square" lIns="0" rIns="0" tIns="0" bIns="0">
+            <a:spAutoFit/>
+          </a:bodyPr>
+          <a:lstStyle/>
+          <a:p>
+            <a:pPr algn="l">
+              <a:defRPr b="1" i="0" sz="2400">
+                <a:solidFill>
+                  <a:srgbClr val="484237"/>
+                </a:solidFill>
+                <a:latin typeface="Fraunces"/>
+              </a:defRPr>
+            </a:pPr>
+            <a:r>
+              <a:rPr b="1" i="0" sz="2400">
+                <a:solidFill>
+                  <a:srgbClr val="484237"/>
+                </a:solidFill>
+                <a:latin typeface="Fraunces"/>
+              </a:rPr>
+              <a:t>Random Movement</a:t>
+            </a:r>
+          </a:p>
+        </p:txBody>
+      </p:sp>
+      <p:sp>
+        <p:nvSpPr>
+          <p:cNvPr id="7" name="TextBox 6"/>
+          <p:cNvSpPr txBox="1"/>
+          <p:nvPr/>
+        </p:nvSpPr>
+        <p:spPr>
+          <a:xfrm>
+            <a:off x="9385300" y="2971800"/>
+            <a:ext cx="5575300" cy="1143000"/>
+          </a:xfrm>
+          <a:prstGeom prst="rect">
+            <a:avLst/>
+          </a:prstGeom>
+          <a:noFill/>
+        </p:spPr>
+        <p:txBody>
+          <a:bodyPr wrap="square" lIns="0" rIns="0" tIns="0" bIns="0">
+            <a:spAutoFit/>
+          </a:bodyPr>
+          <a:lstStyle/>
+          <a:p>
+            <a:pPr algn="l">
+              <a:defRPr b="0" i="0" sz="2000">
+                <a:solidFill>
+                  <a:srgbClr val="595F6C"/>
+                </a:solidFill>
+                <a:latin typeface="Fraunces"/>
+              </a:defRPr>
+            </a:pPr>
+            <a:r>
+              <a:rPr b="0" i="0" sz="2000">
+                <a:solidFill>
+                  <a:srgbClr val="595F6C"/>
+                </a:solidFill>
+                <a:latin typeface="Fraunces"/>
+              </a:rPr>
+              <a:t>Diffusion occurs due to the random movement of particles, spreading them out over time. This movement creates equilibrium.</a:t>
+            </a:r>
+          </a:p>
+        </p:txBody>
+      </p:sp>
+      <p:sp>
+        <p:nvSpPr>
+          <p:cNvPr id="8" name="Rounded Rectangle 7"/>
           <p:cNvSpPr/>
           <p:nvPr/>
         </p:nvSpPr>
         <p:spPr>
           <a:xfrm>
-            <a:off x="8839200" y="1397000"/>
-            <a:ext cx="812800" cy="812800"/>
-          </a:xfrm>
-          <a:prstGeom prst="ellipse">
-            <a:avLst/>
+            <a:off x="8229600" y="4724400"/>
+            <a:ext cx="7010400" cy="2209800"/>
+          </a:xfrm>
+          <a:prstGeom prst="roundRect">
+            <a:avLst>
+              <a:gd name="adj" fmla="val 4597"/>
+            </a:avLst>
           </a:prstGeom>
           <a:solidFill>
-            <a:srgbClr val="1F1F2D"/>
+            <a:srgbClr val="EEE9DD"/>
           </a:solidFill>
           <a:ln>
             <a:noFill/>
           </a:ln>
           <a:effectLst>
-            <a:outerShdw blurRad="0" dir="0" dist="0" rotWithShape="0">
-              <a:srgbClr val="000000">
-                <a:alpha val="0"/>
+            <a:outerShdw blurRad="127000" dir="90000" dist="25400" rotWithShape="0">
+              <a:srgbClr val="2b2b2b">
+                <a:alpha val="20000"/>
               </a:srgbClr>
             </a:outerShdw>
           </a:effectLst>
@@ -3423,40 +3551,16 @@
           </a:p>
         </p:txBody>
       </p:sp>
-      <p:pic>
-        <p:nvPicPr>
-          <p:cNvPr id="6" name="Picture 5" descr="78683d97-a344-4401-a957-5cc723f5e22a.png"/>
-          <p:cNvPicPr>
-            <a:picLocks noChangeAspect="1"/>
-          </p:cNvPicPr>
-          <p:nvPr/>
-        </p:nvPicPr>
-        <p:blipFill>
-          <a:blip r:embed="rId2"/>
-          <a:stretch>
-            <a:fillRect/>
-          </a:stretch>
-        </p:blipFill>
-        <p:spPr>
-          <a:xfrm>
-            <a:off x="9042400" y="1600200"/>
-            <a:ext cx="406400" cy="406400"/>
-          </a:xfrm>
-          <a:prstGeom prst="rect">
-            <a:avLst/>
-          </a:prstGeom>
-        </p:spPr>
-      </p:pic>
-      <p:sp>
-        <p:nvSpPr>
-          <p:cNvPr id="7" name="TextBox 6"/>
+      <p:sp>
+        <p:nvSpPr>
+          <p:cNvPr id="9" name="TextBox 8"/>
           <p:cNvSpPr txBox="1"/>
           <p:nvPr/>
         </p:nvSpPr>
         <p:spPr>
           <a:xfrm>
-            <a:off x="8839200" y="2362200"/>
-            <a:ext cx="6121400" cy="406400"/>
+            <a:off x="8534400" y="5029200"/>
+            <a:ext cx="635000" cy="1397000"/>
           </a:xfrm>
           <a:prstGeom prst="rect">
             <a:avLst/>
@@ -3470,35 +3574,35 @@
           <a:lstStyle/>
           <a:p>
             <a:pPr algn="l">
-              <a:defRPr b="1" i="0" sz="2400">
-                <a:solidFill>
-                  <a:srgbClr val="1A1A1A"/>
-                </a:solidFill>
-                <a:latin typeface="inter"/>
+              <a:defRPr b="1" i="0" sz="3200">
+                <a:solidFill>
+                  <a:srgbClr val="A6825B"/>
+                </a:solidFill>
+                <a:latin typeface="Fraunces"/>
               </a:defRPr>
             </a:pPr>
             <a:r>
-              <a:rPr b="1" i="0" sz="2400">
-                <a:solidFill>
-                  <a:srgbClr val="1A1A1A"/>
-                </a:solidFill>
-                <a:latin typeface="inter"/>
+              <a:rPr b="1" i="0" sz="3200">
+                <a:solidFill>
+                  <a:srgbClr val="A6825B"/>
+                </a:solidFill>
+                <a:latin typeface="Fraunces"/>
               </a:rPr>
-              <a:t>Concentration Gradient</a:t>
-            </a:r>
-          </a:p>
-        </p:txBody>
-      </p:sp>
-      <p:sp>
-        <p:nvSpPr>
-          <p:cNvPr id="8" name="TextBox 7"/>
+              <a:t>02</a:t>
+            </a:r>
+          </a:p>
+        </p:txBody>
+      </p:sp>
+      <p:sp>
+        <p:nvSpPr>
+          <p:cNvPr id="10" name="TextBox 9"/>
           <p:cNvSpPr txBox="1"/>
           <p:nvPr/>
         </p:nvSpPr>
         <p:spPr>
           <a:xfrm>
-            <a:off x="8839200" y="2921000"/>
-            <a:ext cx="6121400" cy="1143000"/>
+            <a:off x="9448800" y="5029200"/>
+            <a:ext cx="5511800" cy="406400"/>
           </a:xfrm>
           <a:prstGeom prst="rect">
             <a:avLst/>
@@ -3512,43 +3616,153 @@
           <a:lstStyle/>
           <a:p>
             <a:pPr algn="l">
-              <a:defRPr b="0" i="0" sz="2000">
-                <a:solidFill>
-                  <a:srgbClr val="333333"/>
-                </a:solidFill>
-                <a:latin typeface="inter"/>
+              <a:defRPr b="1" i="0" sz="2400">
+                <a:solidFill>
+                  <a:srgbClr val="484237"/>
+                </a:solidFill>
+                <a:latin typeface="Fraunces"/>
               </a:defRPr>
             </a:pPr>
             <a:r>
+              <a:rPr b="1" i="0" sz="2400">
+                <a:solidFill>
+                  <a:srgbClr val="484237"/>
+                </a:solidFill>
+                <a:latin typeface="Fraunces"/>
+              </a:rPr>
+              <a:t>Concentration Gradient</a:t>
+            </a:r>
+          </a:p>
+        </p:txBody>
+      </p:sp>
+      <p:sp>
+        <p:nvSpPr>
+          <p:cNvPr id="11" name="TextBox 10"/>
+          <p:cNvSpPr txBox="1"/>
+          <p:nvPr/>
+        </p:nvSpPr>
+        <p:spPr>
+          <a:xfrm>
+            <a:off x="9448800" y="5486400"/>
+            <a:ext cx="5511800" cy="1143000"/>
+          </a:xfrm>
+          <a:prstGeom prst="rect">
+            <a:avLst/>
+          </a:prstGeom>
+          <a:noFill/>
+        </p:spPr>
+        <p:txBody>
+          <a:bodyPr wrap="square" lIns="0" rIns="0" tIns="0" bIns="0">
+            <a:spAutoFit/>
+          </a:bodyPr>
+          <a:lstStyle/>
+          <a:p>
+            <a:pPr algn="l">
+              <a:defRPr b="0" i="0" sz="2000">
+                <a:solidFill>
+                  <a:srgbClr val="595F6C"/>
+                </a:solidFill>
+                <a:latin typeface="Fraunces"/>
+              </a:defRPr>
+            </a:pPr>
+            <a:r>
               <a:rPr b="0" i="0" sz="2000">
                 <a:solidFill>
-                  <a:srgbClr val="333333"/>
-                </a:solidFill>
-                <a:latin typeface="inter"/>
+                  <a:srgbClr val="595F6C"/>
+                </a:solidFill>
+                <a:latin typeface="Fraunces"/>
               </a:rPr>
-              <a:t>Particles move from areas of high concentration to areas of low concentration until evenly spread, driven by the concentration gradient.</a:t>
-            </a:r>
-          </a:p>
-        </p:txBody>
-      </p:sp>
-      <p:sp>
-        <p:nvSpPr>
-          <p:cNvPr id="9" name="Rounded Rectangle 8"/>
+              <a:t>Particles move from high to low concentration until evenly spread. Perfume spreading in a room is a great example.</a:t>
+            </a:r>
+          </a:p>
+        </p:txBody>
+      </p:sp>
+    </p:spTree>
+  </p:cSld>
+  <p:clrMapOvr>
+    <a:masterClrMapping/>
+  </p:clrMapOvr>
+</p:sld>
+</file>
+
+<file path=ppt/slides/slide3.xml><?xml version="1.0" encoding="utf-8"?>
+<p:sld xmlns:a="http://schemas.openxmlformats.org/drawingml/2006/main" xmlns:p="http://schemas.openxmlformats.org/presentationml/2006/main" xmlns:r="http://schemas.openxmlformats.org/officeDocument/2006/relationships">
+  <p:cSld>
+    <p:bg>
+      <p:bgPr>
+        <a:solidFill>
+          <a:srgbClr val="F9F6F0"/>
+        </a:solidFill>
+        <a:effectLst/>
+      </p:bgPr>
+    </p:bg>
+    <p:spTree>
+      <p:nvGrpSpPr>
+        <p:cNvPr id="1" name=""/>
+        <p:cNvGrpSpPr/>
+        <p:nvPr/>
+      </p:nvGrpSpPr>
+      <p:grpSpPr/>
+      <p:sp>
+        <p:nvSpPr>
+          <p:cNvPr id="2" name="TextBox 1"/>
+          <p:cNvSpPr txBox="1"/>
+          <p:nvPr/>
+        </p:nvSpPr>
+        <p:spPr>
+          <a:xfrm>
+            <a:off x="1016000" y="1511300"/>
+            <a:ext cx="14249400" cy="609600"/>
+          </a:xfrm>
+          <a:prstGeom prst="rect">
+            <a:avLst/>
+          </a:prstGeom>
+          <a:noFill/>
+        </p:spPr>
+        <p:txBody>
+          <a:bodyPr wrap="square" lIns="0" rIns="0" tIns="0" bIns="0">
+            <a:spAutoFit/>
+          </a:bodyPr>
+          <a:lstStyle/>
+          <a:p>
+            <a:pPr algn="ctr">
+              <a:defRPr b="1" i="0" sz="4000">
+                <a:solidFill>
+                  <a:srgbClr val="484237"/>
+                </a:solidFill>
+                <a:latin typeface="Fraunces"/>
+              </a:defRPr>
+            </a:pPr>
+            <a:r>
+              <a:rPr b="1" i="0" sz="4000">
+                <a:solidFill>
+                  <a:srgbClr val="484237"/>
+                </a:solidFill>
+                <a:latin typeface="Fraunces"/>
+              </a:rPr>
+              <a:t>Types of Particles</a:t>
+            </a:r>
+          </a:p>
+        </p:txBody>
+      </p:sp>
+      <p:sp>
+        <p:nvSpPr>
+          <p:cNvPr id="3" name="Rounded Rectangle 2"/>
           <p:cNvSpPr/>
           <p:nvPr/>
         </p:nvSpPr>
         <p:spPr>
           <a:xfrm>
-            <a:off x="8534400" y="4775200"/>
-            <a:ext cx="6705600" cy="3276600"/>
+            <a:off x="1016000" y="2933700"/>
+            <a:ext cx="6959600" cy="4699000"/>
           </a:xfrm>
           <a:prstGeom prst="roundRect">
             <a:avLst>
-              <a:gd name="adj" fmla="val 3100"/>
+              <a:gd name="adj" fmla="val 2162"/>
             </a:avLst>
           </a:prstGeom>
           <a:solidFill>
-            <a:srgbClr val="FFFFFF"/>
+            <a:srgbClr val="EEE9DD"/>
           </a:solidFill>
           <a:ln>
             <a:noFill/>
@@ -3583,30 +3797,140 @@
           </a:p>
         </p:txBody>
       </p:sp>
-      <p:sp>
-        <p:nvSpPr>
-          <p:cNvPr id="10" name="Oval 9"/>
+      <p:pic>
+        <p:nvPicPr>
+          <p:cNvPr id="4" name="Picture 3" descr="26e9e542-4794-404f-9f2e-906acc666242.png"/>
+          <p:cNvPicPr>
+            <a:picLocks noChangeAspect="1"/>
+          </p:cNvPicPr>
+          <p:nvPr/>
+        </p:nvPicPr>
+        <p:blipFill>
+          <a:blip r:embed="rId2"/>
+          <a:stretch>
+            <a:fillRect/>
+          </a:stretch>
+        </p:blipFill>
+        <p:spPr>
+          <a:xfrm>
+            <a:off x="1016000" y="2933700"/>
+            <a:ext cx="6959600" cy="2438400"/>
+          </a:xfrm>
+          <a:prstGeom prst="rect">
+            <a:avLst/>
+          </a:prstGeom>
+        </p:spPr>
+      </p:pic>
+      <p:sp>
+        <p:nvSpPr>
+          <p:cNvPr id="5" name="TextBox 4"/>
+          <p:cNvSpPr txBox="1"/>
+          <p:nvPr/>
+        </p:nvSpPr>
+        <p:spPr>
+          <a:xfrm>
+            <a:off x="1320800" y="5676900"/>
+            <a:ext cx="6375400" cy="406400"/>
+          </a:xfrm>
+          <a:prstGeom prst="rect">
+            <a:avLst/>
+          </a:prstGeom>
+          <a:noFill/>
+        </p:spPr>
+        <p:txBody>
+          <a:bodyPr wrap="square" lIns="0" rIns="0" tIns="0" bIns="0">
+            <a:spAutoFit/>
+          </a:bodyPr>
+          <a:lstStyle/>
+          <a:p>
+            <a:pPr algn="l">
+              <a:defRPr b="1" i="0" sz="2400">
+                <a:solidFill>
+                  <a:srgbClr val="484237"/>
+                </a:solidFill>
+                <a:latin typeface="Fraunces"/>
+              </a:defRPr>
+            </a:pPr>
+            <a:r>
+              <a:rPr b="1" i="0" sz="2400">
+                <a:solidFill>
+                  <a:srgbClr val="484237"/>
+                </a:solidFill>
+                <a:latin typeface="Fraunces"/>
+              </a:rPr>
+              <a:t>Atoms</a:t>
+            </a:r>
+          </a:p>
+        </p:txBody>
+      </p:sp>
+      <p:sp>
+        <p:nvSpPr>
+          <p:cNvPr id="6" name="TextBox 5"/>
+          <p:cNvSpPr txBox="1"/>
+          <p:nvPr/>
+        </p:nvSpPr>
+        <p:spPr>
+          <a:xfrm>
+            <a:off x="1320800" y="6184900"/>
+            <a:ext cx="6375400" cy="1143000"/>
+          </a:xfrm>
+          <a:prstGeom prst="rect">
+            <a:avLst/>
+          </a:prstGeom>
+          <a:noFill/>
+        </p:spPr>
+        <p:txBody>
+          <a:bodyPr wrap="square" lIns="0" rIns="0" tIns="0" bIns="0">
+            <a:spAutoFit/>
+          </a:bodyPr>
+          <a:lstStyle/>
+          <a:p>
+            <a:pPr algn="l">
+              <a:defRPr b="0" i="0" sz="2000">
+                <a:solidFill>
+                  <a:srgbClr val="595F6C"/>
+                </a:solidFill>
+                <a:latin typeface="Fraunces"/>
+              </a:defRPr>
+            </a:pPr>
+            <a:r>
+              <a:rPr b="0" i="0" sz="2000">
+                <a:solidFill>
+                  <a:srgbClr val="595F6C"/>
+                </a:solidFill>
+                <a:latin typeface="Fraunces"/>
+              </a:rPr>
+              <a:t>Atoms are the smallest particles that cannot be broken down chemically; they are the fundamental building blocks.</a:t>
+            </a:r>
+          </a:p>
+        </p:txBody>
+      </p:sp>
+      <p:sp>
+        <p:nvSpPr>
+          <p:cNvPr id="7" name="Rounded Rectangle 6"/>
           <p:cNvSpPr/>
           <p:nvPr/>
         </p:nvSpPr>
         <p:spPr>
           <a:xfrm>
-            <a:off x="8839200" y="5080000"/>
-            <a:ext cx="812800" cy="812800"/>
-          </a:xfrm>
-          <a:prstGeom prst="ellipse">
-            <a:avLst/>
+            <a:off x="8280400" y="2933700"/>
+            <a:ext cx="6959600" cy="4699000"/>
+          </a:xfrm>
+          <a:prstGeom prst="roundRect">
+            <a:avLst>
+              <a:gd name="adj" fmla="val 2162"/>
+            </a:avLst>
           </a:prstGeom>
           <a:solidFill>
-            <a:srgbClr val="1F1F2D"/>
+            <a:srgbClr val="EEE9DD"/>
           </a:solidFill>
           <a:ln>
             <a:noFill/>
           </a:ln>
           <a:effectLst>
-            <a:outerShdw blurRad="0" dir="0" dist="0" rotWithShape="0">
-              <a:srgbClr val="000000">
-                <a:alpha val="0"/>
+            <a:outerShdw blurRad="127000" dir="90000" dist="25400" rotWithShape="0">
+              <a:srgbClr val="2b2b2b">
+                <a:alpha val="20000"/>
               </a:srgbClr>
             </a:outerShdw>
           </a:effectLst>
@@ -3635,22 +3959,22 @@
       </p:sp>
       <p:pic>
         <p:nvPicPr>
-          <p:cNvPr id="11" name="Picture 10" descr="11798c0b-9082-48df-8136-579eace5b520.png"/>
+          <p:cNvPr id="8" name="Picture 7" descr="26e9e542-4794-404f-9f2e-906acc666242.png"/>
           <p:cNvPicPr>
             <a:picLocks noChangeAspect="1"/>
           </p:cNvPicPr>
           <p:nvPr/>
         </p:nvPicPr>
         <p:blipFill>
-          <a:blip r:embed="rId3"/>
+          <a:blip r:embed="rId2"/>
           <a:stretch>
             <a:fillRect/>
           </a:stretch>
         </p:blipFill>
         <p:spPr>
           <a:xfrm>
-            <a:off x="9042400" y="5283200"/>
-            <a:ext cx="406400" cy="406400"/>
+            <a:off x="8280400" y="2933700"/>
+            <a:ext cx="6959600" cy="2438400"/>
           </a:xfrm>
           <a:prstGeom prst="rect">
             <a:avLst/>
@@ -3659,14 +3983,14 @@
       </p:pic>
       <p:sp>
         <p:nvSpPr>
-          <p:cNvPr id="12" name="TextBox 11"/>
+          <p:cNvPr id="9" name="TextBox 8"/>
           <p:cNvSpPr txBox="1"/>
           <p:nvPr/>
         </p:nvSpPr>
         <p:spPr>
           <a:xfrm>
-            <a:off x="8839200" y="6045200"/>
-            <a:ext cx="6121400" cy="406400"/>
+            <a:off x="8585200" y="5676900"/>
+            <a:ext cx="6375400" cy="406400"/>
           </a:xfrm>
           <a:prstGeom prst="rect">
             <a:avLst/>
@@ -3682,33 +4006,33 @@
             <a:pPr algn="l">
               <a:defRPr b="1" i="0" sz="2400">
                 <a:solidFill>
-                  <a:srgbClr val="1A1A1A"/>
-                </a:solidFill>
-                <a:latin typeface="inter"/>
+                  <a:srgbClr val="484237"/>
+                </a:solidFill>
+                <a:latin typeface="Fraunces"/>
               </a:defRPr>
             </a:pPr>
             <a:r>
               <a:rPr b="1" i="0" sz="2400">
                 <a:solidFill>
-                  <a:srgbClr val="1A1A1A"/>
-                </a:solidFill>
-                <a:latin typeface="inter"/>
+                  <a:srgbClr val="484237"/>
+                </a:solidFill>
+                <a:latin typeface="Fraunces"/>
               </a:rPr>
-              <a:t>Faster in Gases</a:t>
-            </a:r>
-          </a:p>
-        </p:txBody>
-      </p:sp>
-      <p:sp>
-        <p:nvSpPr>
-          <p:cNvPr id="13" name="TextBox 12"/>
+              <a:t>Molecules</a:t>
+            </a:r>
+          </a:p>
+        </p:txBody>
+      </p:sp>
+      <p:sp>
+        <p:nvSpPr>
+          <p:cNvPr id="10" name="TextBox 9"/>
           <p:cNvSpPr txBox="1"/>
           <p:nvPr/>
         </p:nvSpPr>
         <p:spPr>
           <a:xfrm>
-            <a:off x="8839200" y="6604000"/>
-            <a:ext cx="6121400" cy="1143000"/>
+            <a:off x="8585200" y="6184900"/>
+            <a:ext cx="6375400" cy="762000"/>
           </a:xfrm>
           <a:prstGeom prst="rect">
             <a:avLst/>
@@ -3724,19 +4048,19 @@
             <a:pPr algn="l">
               <a:defRPr b="0" i="0" sz="2000">
                 <a:solidFill>
-                  <a:srgbClr val="333333"/>
-                </a:solidFill>
-                <a:latin typeface="inter"/>
+                  <a:srgbClr val="595F6C"/>
+                </a:solidFill>
+                <a:latin typeface="Fraunces"/>
               </a:defRPr>
             </a:pPr>
             <a:r>
               <a:rPr b="0" i="0" sz="2000">
                 <a:solidFill>
-                  <a:srgbClr val="333333"/>
-                </a:solidFill>
-                <a:latin typeface="inter"/>
+                  <a:srgbClr val="595F6C"/>
+                </a:solidFill>
+                <a:latin typeface="Fraunces"/>
               </a:rPr>
-              <a:t>Diffusion happens faster in gases than in liquids because gas particles move more rapidly due to higher kinetic energy.</a:t>
+              <a:t>Molecules are two or more atoms joined together, such as water (H2O) or oxygen (O2).</a:t>
             </a:r>
           </a:p>
         </p:txBody>
@@ -3749,13 +4073,13 @@
 </p:sld>
 </file>
 
-<file path=ppt/slides/slide3.xml><?xml version="1.0" encoding="utf-8"?>
+<file path=ppt/slides/slide4.xml><?xml version="1.0" encoding="utf-8"?>
 <p:sld xmlns:a="http://schemas.openxmlformats.org/drawingml/2006/main" xmlns:p="http://schemas.openxmlformats.org/presentationml/2006/main" xmlns:r="http://schemas.openxmlformats.org/officeDocument/2006/relationships">
   <p:cSld>
     <p:bg>
       <p:bgPr>
         <a:solidFill>
-          <a:srgbClr val="F2F2F2"/>
+          <a:srgbClr val="F9F6F0"/>
         </a:solidFill>
         <a:effectLst/>
       </p:bgPr>
@@ -3775,8 +4099,8 @@
         </p:nvSpPr>
         <p:spPr>
           <a:xfrm>
-            <a:off x="1016000" y="3492500"/>
-            <a:ext cx="7035800" cy="609600"/>
+            <a:off x="1016000" y="2070100"/>
+            <a:ext cx="14249400" cy="609600"/>
           </a:xfrm>
           <a:prstGeom prst="rect">
             <a:avLst/>
@@ -3789,86 +4113,44 @@
           </a:bodyPr>
           <a:lstStyle/>
           <a:p>
-            <a:pPr algn="l">
+            <a:pPr algn="ctr">
               <a:defRPr b="1" i="0" sz="4000">
                 <a:solidFill>
-                  <a:srgbClr val="000000"/>
-                </a:solidFill>
-                <a:latin typeface="inter"/>
+                  <a:srgbClr val="484237"/>
+                </a:solidFill>
+                <a:latin typeface="Fraunces"/>
               </a:defRPr>
             </a:pPr>
             <a:r>
               <a:rPr b="1" i="0" sz="4000">
                 <a:solidFill>
-                  <a:srgbClr val="000000"/>
-                </a:solidFill>
-                <a:latin typeface="inter"/>
+                  <a:srgbClr val="484237"/>
+                </a:solidFill>
+                <a:latin typeface="Fraunces"/>
               </a:rPr>
-              <a:t>Types of Particles</a:t>
-            </a:r>
-          </a:p>
-        </p:txBody>
-      </p:sp>
-      <p:sp>
-        <p:nvSpPr>
-          <p:cNvPr id="3" name="TextBox 2"/>
-          <p:cNvSpPr txBox="1"/>
-          <p:nvPr/>
-        </p:nvSpPr>
-        <p:spPr>
-          <a:xfrm>
-            <a:off x="1016000" y="4508500"/>
-            <a:ext cx="7035800" cy="1143000"/>
-          </a:xfrm>
-          <a:prstGeom prst="rect">
-            <a:avLst/>
-          </a:prstGeom>
-          <a:noFill/>
-        </p:spPr>
-        <p:txBody>
-          <a:bodyPr wrap="square" lIns="0" rIns="0" tIns="0" bIns="0">
-            <a:spAutoFit/>
-          </a:bodyPr>
-          <a:lstStyle/>
-          <a:p>
-            <a:pPr algn="l">
-              <a:defRPr b="0" i="0" sz="2000">
-                <a:solidFill>
-                  <a:srgbClr val="333333"/>
-                </a:solidFill>
-                <a:latin typeface="inter"/>
-              </a:defRPr>
-            </a:pPr>
-            <a:r>
-              <a:rPr b="0" i="0" sz="2000">
-                <a:solidFill>
-                  <a:srgbClr val="333333"/>
-                </a:solidFill>
-                <a:latin typeface="inter"/>
-              </a:rPr>
-              <a:t>Matter is composed of various types of particles, each with unique characteristics. Understanding these differences is fundamental to chemistry.</a:t>
-            </a:r>
-          </a:p>
-        </p:txBody>
-      </p:sp>
-      <p:sp>
-        <p:nvSpPr>
-          <p:cNvPr id="4" name="Rounded Rectangle 3"/>
+              <a:t>States of Matter: Solids</a:t>
+            </a:r>
+          </a:p>
+        </p:txBody>
+      </p:sp>
+      <p:sp>
+        <p:nvSpPr>
+          <p:cNvPr id="3" name="Rounded Rectangle 2"/>
           <p:cNvSpPr/>
           <p:nvPr/>
         </p:nvSpPr>
         <p:spPr>
           <a:xfrm>
-            <a:off x="8229600" y="952500"/>
-            <a:ext cx="7010400" cy="2209800"/>
+            <a:off x="1016000" y="3695700"/>
+            <a:ext cx="6908800" cy="3378200"/>
           </a:xfrm>
           <a:prstGeom prst="roundRect">
             <a:avLst>
-              <a:gd name="adj" fmla="val 4597"/>
+              <a:gd name="adj" fmla="val 3007"/>
             </a:avLst>
           </a:prstGeom>
           <a:solidFill>
-            <a:srgbClr val="FFFFFF"/>
+            <a:srgbClr val="EEE9DD"/>
           </a:solidFill>
           <a:ln>
             <a:noFill/>
@@ -3905,156 +4187,28 @@
       </p:sp>
       <p:sp>
         <p:nvSpPr>
-          <p:cNvPr id="5" name="TextBox 4"/>
-          <p:cNvSpPr txBox="1"/>
-          <p:nvPr/>
-        </p:nvSpPr>
-        <p:spPr>
-          <a:xfrm>
-            <a:off x="8534400" y="1257300"/>
-            <a:ext cx="533400" cy="1397000"/>
-          </a:xfrm>
-          <a:prstGeom prst="rect">
+          <p:cNvPr id="4" name="Oval 3"/>
+          <p:cNvSpPr/>
+          <p:nvPr/>
+        </p:nvSpPr>
+        <p:spPr>
+          <a:xfrm>
+            <a:off x="1320800" y="4000500"/>
+            <a:ext cx="812800" cy="812800"/>
+          </a:xfrm>
+          <a:prstGeom prst="ellipse">
             <a:avLst/>
           </a:prstGeom>
-          <a:noFill/>
-        </p:spPr>
-        <p:txBody>
-          <a:bodyPr wrap="square" lIns="0" rIns="0" tIns="0" bIns="0">
-            <a:spAutoFit/>
-          </a:bodyPr>
-          <a:lstStyle/>
-          <a:p>
-            <a:pPr algn="l">
-              <a:defRPr b="1" i="0" sz="3200">
-                <a:solidFill>
-                  <a:srgbClr val="1F1F2D"/>
-                </a:solidFill>
-                <a:latin typeface="inter"/>
-              </a:defRPr>
-            </a:pPr>
-            <a:r>
-              <a:rPr b="1" i="0" sz="3200">
-                <a:solidFill>
-                  <a:srgbClr val="1F1F2D"/>
-                </a:solidFill>
-                <a:latin typeface="inter"/>
-              </a:rPr>
-              <a:t>01</a:t>
-            </a:r>
-          </a:p>
-        </p:txBody>
-      </p:sp>
-      <p:sp>
-        <p:nvSpPr>
-          <p:cNvPr id="6" name="TextBox 5"/>
-          <p:cNvSpPr txBox="1"/>
-          <p:nvPr/>
-        </p:nvSpPr>
-        <p:spPr>
-          <a:xfrm>
-            <a:off x="9347200" y="1257300"/>
-            <a:ext cx="5613400" cy="406400"/>
-          </a:xfrm>
-          <a:prstGeom prst="rect">
-            <a:avLst/>
-          </a:prstGeom>
-          <a:noFill/>
-        </p:spPr>
-        <p:txBody>
-          <a:bodyPr wrap="square" lIns="0" rIns="0" tIns="0" bIns="0">
-            <a:spAutoFit/>
-          </a:bodyPr>
-          <a:lstStyle/>
-          <a:p>
-            <a:pPr algn="l">
-              <a:defRPr b="1" i="0" sz="2400">
-                <a:solidFill>
-                  <a:srgbClr val="1A1A1A"/>
-                </a:solidFill>
-                <a:latin typeface="inter"/>
-              </a:defRPr>
-            </a:pPr>
-            <a:r>
-              <a:rPr b="1" i="0" sz="2400">
-                <a:solidFill>
-                  <a:srgbClr val="1A1A1A"/>
-                </a:solidFill>
-                <a:latin typeface="inter"/>
-              </a:rPr>
-              <a:t>Atoms</a:t>
-            </a:r>
-          </a:p>
-        </p:txBody>
-      </p:sp>
-      <p:sp>
-        <p:nvSpPr>
-          <p:cNvPr id="7" name="TextBox 6"/>
-          <p:cNvSpPr txBox="1"/>
-          <p:nvPr/>
-        </p:nvSpPr>
-        <p:spPr>
-          <a:xfrm>
-            <a:off x="9347200" y="1714500"/>
-            <a:ext cx="5613400" cy="1143000"/>
-          </a:xfrm>
-          <a:prstGeom prst="rect">
-            <a:avLst/>
-          </a:prstGeom>
-          <a:noFill/>
-        </p:spPr>
-        <p:txBody>
-          <a:bodyPr wrap="square" lIns="0" rIns="0" tIns="0" bIns="0">
-            <a:spAutoFit/>
-          </a:bodyPr>
-          <a:lstStyle/>
-          <a:p>
-            <a:pPr algn="l">
-              <a:defRPr b="0" i="0" sz="2000">
-                <a:solidFill>
-                  <a:srgbClr val="333333"/>
-                </a:solidFill>
-                <a:latin typeface="inter"/>
-              </a:defRPr>
-            </a:pPr>
-            <a:r>
-              <a:rPr b="0" i="0" sz="2000">
-                <a:solidFill>
-                  <a:srgbClr val="333333"/>
-                </a:solidFill>
-                <a:latin typeface="inter"/>
-              </a:rPr>
-              <a:t>Atoms are the smallest particles of an element that retain its chemical properties and cannot be broken down chemically by ordinary means.</a:t>
-            </a:r>
-          </a:p>
-        </p:txBody>
-      </p:sp>
-      <p:sp>
-        <p:nvSpPr>
-          <p:cNvPr id="8" name="Rounded Rectangle 7"/>
-          <p:cNvSpPr/>
-          <p:nvPr/>
-        </p:nvSpPr>
-        <p:spPr>
-          <a:xfrm>
-            <a:off x="8229600" y="3467100"/>
-            <a:ext cx="7010400" cy="2209800"/>
-          </a:xfrm>
-          <a:prstGeom prst="roundRect">
-            <a:avLst>
-              <a:gd name="adj" fmla="val 4597"/>
-            </a:avLst>
-          </a:prstGeom>
           <a:solidFill>
-            <a:srgbClr val="FFFFFF"/>
+            <a:srgbClr val="A6825B"/>
           </a:solidFill>
           <a:ln>
             <a:noFill/>
           </a:ln>
           <a:effectLst>
-            <a:outerShdw blurRad="127000" dir="90000" dist="25400" rotWithShape="0">
-              <a:srgbClr val="2b2b2b">
-                <a:alpha val="20000"/>
+            <a:outerShdw blurRad="0" dir="0" dist="0" rotWithShape="0">
+              <a:srgbClr val="000000">
+                <a:alpha val="0"/>
               </a:srgbClr>
             </a:outerShdw>
           </a:effectLst>
@@ -4081,16 +4235,40 @@
           </a:p>
         </p:txBody>
       </p:sp>
-      <p:sp>
-        <p:nvSpPr>
-          <p:cNvPr id="9" name="TextBox 8"/>
+      <p:pic>
+        <p:nvPicPr>
+          <p:cNvPr id="5" name="Picture 4" descr="298d0a1d-7cd0-48ca-94de-ab0eb7f530d6.png"/>
+          <p:cNvPicPr>
+            <a:picLocks noChangeAspect="1"/>
+          </p:cNvPicPr>
+          <p:nvPr/>
+        </p:nvPicPr>
+        <p:blipFill>
+          <a:blip r:embed="rId2"/>
+          <a:stretch>
+            <a:fillRect/>
+          </a:stretch>
+        </p:blipFill>
+        <p:spPr>
+          <a:xfrm>
+            <a:off x="1524000" y="4203700"/>
+            <a:ext cx="406400" cy="406400"/>
+          </a:xfrm>
+          <a:prstGeom prst="rect">
+            <a:avLst/>
+          </a:prstGeom>
+        </p:spPr>
+      </p:pic>
+      <p:sp>
+        <p:nvSpPr>
+          <p:cNvPr id="6" name="TextBox 5"/>
           <p:cNvSpPr txBox="1"/>
           <p:nvPr/>
         </p:nvSpPr>
         <p:spPr>
           <a:xfrm>
-            <a:off x="8534400" y="3771900"/>
-            <a:ext cx="622300" cy="1397000"/>
+            <a:off x="1320800" y="5016500"/>
+            <a:ext cx="6324600" cy="406400"/>
           </a:xfrm>
           <a:prstGeom prst="rect">
             <a:avLst/>
@@ -4104,35 +4282,35 @@
           <a:lstStyle/>
           <a:p>
             <a:pPr algn="l">
-              <a:defRPr b="1" i="0" sz="3200">
-                <a:solidFill>
-                  <a:srgbClr val="1F1F2D"/>
-                </a:solidFill>
-                <a:latin typeface="inter"/>
+              <a:defRPr b="1" i="0" sz="2400">
+                <a:solidFill>
+                  <a:srgbClr val="484237"/>
+                </a:solidFill>
+                <a:latin typeface="Fraunces"/>
               </a:defRPr>
             </a:pPr>
             <a:r>
-              <a:rPr b="1" i="0" sz="3200">
-                <a:solidFill>
-                  <a:srgbClr val="1F1F2D"/>
-                </a:solidFill>
-                <a:latin typeface="inter"/>
+              <a:rPr b="1" i="0" sz="2400">
+                <a:solidFill>
+                  <a:srgbClr val="484237"/>
+                </a:solidFill>
+                <a:latin typeface="Fraunces"/>
               </a:rPr>
-              <a:t>02</a:t>
-            </a:r>
-          </a:p>
-        </p:txBody>
-      </p:sp>
-      <p:sp>
-        <p:nvSpPr>
-          <p:cNvPr id="10" name="TextBox 9"/>
+              <a:t>Definite Shape/Volume</a:t>
+            </a:r>
+          </a:p>
+        </p:txBody>
+      </p:sp>
+      <p:sp>
+        <p:nvSpPr>
+          <p:cNvPr id="7" name="TextBox 6"/>
           <p:cNvSpPr txBox="1"/>
           <p:nvPr/>
         </p:nvSpPr>
         <p:spPr>
           <a:xfrm>
-            <a:off x="9436100" y="3771900"/>
-            <a:ext cx="5524500" cy="406400"/>
+            <a:off x="1320800" y="5626100"/>
+            <a:ext cx="6324600" cy="1143000"/>
           </a:xfrm>
           <a:prstGeom prst="rect">
             <a:avLst/>
@@ -4146,85 +4324,43 @@
           <a:lstStyle/>
           <a:p>
             <a:pPr algn="l">
-              <a:defRPr b="1" i="0" sz="2400">
-                <a:solidFill>
-                  <a:srgbClr val="1A1A1A"/>
-                </a:solidFill>
-                <a:latin typeface="inter"/>
+              <a:defRPr b="0" i="0" sz="2000">
+                <a:solidFill>
+                  <a:srgbClr val="595F6C"/>
+                </a:solidFill>
+                <a:latin typeface="Fraunces"/>
               </a:defRPr>
             </a:pPr>
             <a:r>
-              <a:rPr b="1" i="0" sz="2400">
-                <a:solidFill>
-                  <a:srgbClr val="1A1A1A"/>
-                </a:solidFill>
-                <a:latin typeface="inter"/>
+              <a:rPr b="0" i="0" sz="2000">
+                <a:solidFill>
+                  <a:srgbClr val="595F6C"/>
+                </a:solidFill>
+                <a:latin typeface="Fraunces"/>
               </a:rPr>
-              <a:t>Molecules</a:t>
-            </a:r>
-          </a:p>
-        </p:txBody>
-      </p:sp>
-      <p:sp>
-        <p:nvSpPr>
-          <p:cNvPr id="11" name="TextBox 10"/>
-          <p:cNvSpPr txBox="1"/>
-          <p:nvPr/>
-        </p:nvSpPr>
-        <p:spPr>
-          <a:xfrm>
-            <a:off x="9436100" y="4229100"/>
-            <a:ext cx="5524500" cy="1143000"/>
-          </a:xfrm>
-          <a:prstGeom prst="rect">
-            <a:avLst/>
-          </a:prstGeom>
-          <a:noFill/>
-        </p:spPr>
-        <p:txBody>
-          <a:bodyPr wrap="square" lIns="0" rIns="0" tIns="0" bIns="0">
-            <a:spAutoFit/>
-          </a:bodyPr>
-          <a:lstStyle/>
-          <a:p>
-            <a:pPr algn="l">
-              <a:defRPr b="0" i="0" sz="2000">
-                <a:solidFill>
-                  <a:srgbClr val="333333"/>
-                </a:solidFill>
-                <a:latin typeface="inter"/>
-              </a:defRPr>
-            </a:pPr>
-            <a:r>
-              <a:rPr b="0" i="0" sz="2000">
-                <a:solidFill>
-                  <a:srgbClr val="333333"/>
-                </a:solidFill>
-                <a:latin typeface="inter"/>
-              </a:rPr>
-              <a:t>Molecules are formed when two or more atoms are chemically bonded together, representing the smallest unit of a compound.</a:t>
-            </a:r>
-          </a:p>
-        </p:txBody>
-      </p:sp>
-      <p:sp>
-        <p:nvSpPr>
-          <p:cNvPr id="12" name="Rounded Rectangle 11"/>
+              <a:t>Solids maintain their shape and volume because their particles are tightly packed and vibrate in fixed positions.</a:t>
+            </a:r>
+          </a:p>
+        </p:txBody>
+      </p:sp>
+      <p:sp>
+        <p:nvSpPr>
+          <p:cNvPr id="8" name="Rounded Rectangle 7"/>
           <p:cNvSpPr/>
           <p:nvPr/>
         </p:nvSpPr>
         <p:spPr>
           <a:xfrm>
-            <a:off x="8229600" y="5981700"/>
-            <a:ext cx="7010400" cy="2209800"/>
+            <a:off x="8331200" y="3695700"/>
+            <a:ext cx="6908800" cy="3378200"/>
           </a:xfrm>
           <a:prstGeom prst="roundRect">
             <a:avLst>
-              <a:gd name="adj" fmla="val 4597"/>
+              <a:gd name="adj" fmla="val 3007"/>
             </a:avLst>
           </a:prstGeom>
           <a:solidFill>
-            <a:srgbClr val="FFFFFF"/>
+            <a:srgbClr val="EEE9DD"/>
           </a:solidFill>
           <a:ln>
             <a:noFill/>
@@ -4261,224 +4397,28 @@
       </p:sp>
       <p:sp>
         <p:nvSpPr>
-          <p:cNvPr id="13" name="TextBox 12"/>
-          <p:cNvSpPr txBox="1"/>
-          <p:nvPr/>
-        </p:nvSpPr>
-        <p:spPr>
-          <a:xfrm>
-            <a:off x="8534400" y="6286500"/>
-            <a:ext cx="622300" cy="1397000"/>
-          </a:xfrm>
-          <a:prstGeom prst="rect">
+          <p:cNvPr id="9" name="Oval 8"/>
+          <p:cNvSpPr/>
+          <p:nvPr/>
+        </p:nvSpPr>
+        <p:spPr>
+          <a:xfrm>
+            <a:off x="8636000" y="4000500"/>
+            <a:ext cx="812800" cy="812800"/>
+          </a:xfrm>
+          <a:prstGeom prst="ellipse">
             <a:avLst/>
           </a:prstGeom>
-          <a:noFill/>
-        </p:spPr>
-        <p:txBody>
-          <a:bodyPr wrap="square" lIns="0" rIns="0" tIns="0" bIns="0">
-            <a:spAutoFit/>
-          </a:bodyPr>
-          <a:lstStyle/>
-          <a:p>
-            <a:pPr algn="l">
-              <a:defRPr b="1" i="0" sz="3200">
-                <a:solidFill>
-                  <a:srgbClr val="1F1F2D"/>
-                </a:solidFill>
-                <a:latin typeface="inter"/>
-              </a:defRPr>
-            </a:pPr>
-            <a:r>
-              <a:rPr b="1" i="0" sz="3200">
-                <a:solidFill>
-                  <a:srgbClr val="1F1F2D"/>
-                </a:solidFill>
-                <a:latin typeface="inter"/>
-              </a:rPr>
-              <a:t>03</a:t>
-            </a:r>
-          </a:p>
-        </p:txBody>
-      </p:sp>
-      <p:sp>
-        <p:nvSpPr>
-          <p:cNvPr id="14" name="TextBox 13"/>
-          <p:cNvSpPr txBox="1"/>
-          <p:nvPr/>
-        </p:nvSpPr>
-        <p:spPr>
-          <a:xfrm>
-            <a:off x="9436100" y="6286500"/>
-            <a:ext cx="5524500" cy="406400"/>
-          </a:xfrm>
-          <a:prstGeom prst="rect">
-            <a:avLst/>
-          </a:prstGeom>
-          <a:noFill/>
-        </p:spPr>
-        <p:txBody>
-          <a:bodyPr wrap="square" lIns="0" rIns="0" tIns="0" bIns="0">
-            <a:spAutoFit/>
-          </a:bodyPr>
-          <a:lstStyle/>
-          <a:p>
-            <a:pPr algn="l">
-              <a:defRPr b="1" i="0" sz="2400">
-                <a:solidFill>
-                  <a:srgbClr val="1A1A1A"/>
-                </a:solidFill>
-                <a:latin typeface="inter"/>
-              </a:defRPr>
-            </a:pPr>
-            <a:r>
-              <a:rPr b="1" i="0" sz="2400">
-                <a:solidFill>
-                  <a:srgbClr val="1A1A1A"/>
-                </a:solidFill>
-                <a:latin typeface="inter"/>
-              </a:rPr>
-              <a:t>Ions</a:t>
-            </a:r>
-          </a:p>
-        </p:txBody>
-      </p:sp>
-      <p:sp>
-        <p:nvSpPr>
-          <p:cNvPr id="15" name="TextBox 14"/>
-          <p:cNvSpPr txBox="1"/>
-          <p:nvPr/>
-        </p:nvSpPr>
-        <p:spPr>
-          <a:xfrm>
-            <a:off x="9436100" y="6743700"/>
-            <a:ext cx="5524500" cy="1143000"/>
-          </a:xfrm>
-          <a:prstGeom prst="rect">
-            <a:avLst/>
-          </a:prstGeom>
-          <a:noFill/>
-        </p:spPr>
-        <p:txBody>
-          <a:bodyPr wrap="square" lIns="0" rIns="0" tIns="0" bIns="0">
-            <a:spAutoFit/>
-          </a:bodyPr>
-          <a:lstStyle/>
-          <a:p>
-            <a:pPr algn="l">
-              <a:defRPr b="0" i="0" sz="2000">
-                <a:solidFill>
-                  <a:srgbClr val="333333"/>
-                </a:solidFill>
-                <a:latin typeface="inter"/>
-              </a:defRPr>
-            </a:pPr>
-            <a:r>
-              <a:rPr b="0" i="0" sz="2000">
-                <a:solidFill>
-                  <a:srgbClr val="333333"/>
-                </a:solidFill>
-                <a:latin typeface="inter"/>
-              </a:rPr>
-              <a:t>Ions are atoms or molecules that have gained or lost electrons, resulting in a net electrical charge, either positive or negative.</a:t>
-            </a:r>
-          </a:p>
-        </p:txBody>
-      </p:sp>
-    </p:spTree>
-  </p:cSld>
-  <p:clrMapOvr>
-    <a:masterClrMapping/>
-  </p:clrMapOvr>
-</p:sld>
-</file>
-
-<file path=ppt/slides/slide4.xml><?xml version="1.0" encoding="utf-8"?>
-<p:sld xmlns:a="http://schemas.openxmlformats.org/drawingml/2006/main" xmlns:p="http://schemas.openxmlformats.org/presentationml/2006/main" xmlns:r="http://schemas.openxmlformats.org/officeDocument/2006/relationships">
-  <p:cSld>
-    <p:bg>
-      <p:bgPr>
-        <a:solidFill>
-          <a:srgbClr val="F2F2F2"/>
-        </a:solidFill>
-        <a:effectLst/>
-      </p:bgPr>
-    </p:bg>
-    <p:spTree>
-      <p:nvGrpSpPr>
-        <p:cNvPr id="1" name=""/>
-        <p:cNvGrpSpPr/>
-        <p:nvPr/>
-      </p:nvGrpSpPr>
-      <p:grpSpPr/>
-      <p:sp>
-        <p:nvSpPr>
-          <p:cNvPr id="2" name="TextBox 1"/>
-          <p:cNvSpPr txBox="1"/>
-          <p:nvPr/>
-        </p:nvSpPr>
-        <p:spPr>
-          <a:xfrm>
-            <a:off x="1016000" y="1689100"/>
-            <a:ext cx="14249400" cy="609600"/>
-          </a:xfrm>
-          <a:prstGeom prst="rect">
-            <a:avLst/>
-          </a:prstGeom>
-          <a:noFill/>
-        </p:spPr>
-        <p:txBody>
-          <a:bodyPr wrap="square" lIns="0" rIns="0" tIns="0" bIns="0">
-            <a:spAutoFit/>
-          </a:bodyPr>
-          <a:lstStyle/>
-          <a:p>
-            <a:pPr algn="ctr">
-              <a:defRPr b="1" i="0" sz="4000">
-                <a:solidFill>
-                  <a:srgbClr val="000000"/>
-                </a:solidFill>
-                <a:latin typeface="inter"/>
-              </a:defRPr>
-            </a:pPr>
-            <a:r>
-              <a:rPr b="1" i="0" sz="4000">
-                <a:solidFill>
-                  <a:srgbClr val="000000"/>
-                </a:solidFill>
-                <a:latin typeface="inter"/>
-              </a:rPr>
-              <a:t>States of Matter: Solids</a:t>
-            </a:r>
-          </a:p>
-        </p:txBody>
-      </p:sp>
-      <p:sp>
-        <p:nvSpPr>
-          <p:cNvPr id="3" name="Rounded Rectangle 2"/>
-          <p:cNvSpPr/>
-          <p:nvPr/>
-        </p:nvSpPr>
-        <p:spPr>
-          <a:xfrm>
-            <a:off x="1016000" y="3314700"/>
-            <a:ext cx="4470400" cy="4140200"/>
-          </a:xfrm>
-          <a:prstGeom prst="roundRect">
-            <a:avLst>
-              <a:gd name="adj" fmla="val 2453"/>
-            </a:avLst>
-          </a:prstGeom>
           <a:solidFill>
-            <a:srgbClr val="FFFFFF"/>
+            <a:srgbClr val="A6825B"/>
           </a:solidFill>
           <a:ln>
             <a:noFill/>
           </a:ln>
           <a:effectLst>
-            <a:outerShdw blurRad="127000" dir="90000" dist="25400" rotWithShape="0">
-              <a:srgbClr val="2b2b2b">
-                <a:alpha val="20000"/>
+            <a:outerShdw blurRad="0" dir="0" dist="0" rotWithShape="0">
+              <a:srgbClr val="000000">
+                <a:alpha val="0"/>
               </a:srgbClr>
             </a:outerShdw>
           </a:effectLst>
@@ -4505,30 +4445,250 @@
           </a:p>
         </p:txBody>
       </p:sp>
-      <p:sp>
-        <p:nvSpPr>
-          <p:cNvPr id="4" name="Oval 3"/>
+      <p:pic>
+        <p:nvPicPr>
+          <p:cNvPr id="10" name="Picture 9" descr="9273ea20-5d07-4780-9b44-7e748a8e2a92.png"/>
+          <p:cNvPicPr>
+            <a:picLocks noChangeAspect="1"/>
+          </p:cNvPicPr>
+          <p:nvPr/>
+        </p:nvPicPr>
+        <p:blipFill>
+          <a:blip r:embed="rId3"/>
+          <a:stretch>
+            <a:fillRect/>
+          </a:stretch>
+        </p:blipFill>
+        <p:spPr>
+          <a:xfrm>
+            <a:off x="8839200" y="4203700"/>
+            <a:ext cx="406400" cy="406400"/>
+          </a:xfrm>
+          <a:prstGeom prst="rect">
+            <a:avLst/>
+          </a:prstGeom>
+        </p:spPr>
+      </p:pic>
+      <p:sp>
+        <p:nvSpPr>
+          <p:cNvPr id="11" name="TextBox 10"/>
+          <p:cNvSpPr txBox="1"/>
+          <p:nvPr/>
+        </p:nvSpPr>
+        <p:spPr>
+          <a:xfrm>
+            <a:off x="8636000" y="5016500"/>
+            <a:ext cx="6324600" cy="406400"/>
+          </a:xfrm>
+          <a:prstGeom prst="rect">
+            <a:avLst/>
+          </a:prstGeom>
+          <a:noFill/>
+        </p:spPr>
+        <p:txBody>
+          <a:bodyPr wrap="square" lIns="0" rIns="0" tIns="0" bIns="0">
+            <a:spAutoFit/>
+          </a:bodyPr>
+          <a:lstStyle/>
+          <a:p>
+            <a:pPr algn="l">
+              <a:defRPr b="1" i="0" sz="2400">
+                <a:solidFill>
+                  <a:srgbClr val="484237"/>
+                </a:solidFill>
+                <a:latin typeface="Fraunces"/>
+              </a:defRPr>
+            </a:pPr>
+            <a:r>
+              <a:rPr b="1" i="0" sz="2400">
+                <a:solidFill>
+                  <a:srgbClr val="484237"/>
+                </a:solidFill>
+                <a:latin typeface="Fraunces"/>
+              </a:rPr>
+              <a:t>Incompressible</a:t>
+            </a:r>
+          </a:p>
+        </p:txBody>
+      </p:sp>
+      <p:sp>
+        <p:nvSpPr>
+          <p:cNvPr id="12" name="TextBox 11"/>
+          <p:cNvSpPr txBox="1"/>
+          <p:nvPr/>
+        </p:nvSpPr>
+        <p:spPr>
+          <a:xfrm>
+            <a:off x="8636000" y="5626100"/>
+            <a:ext cx="6324600" cy="762000"/>
+          </a:xfrm>
+          <a:prstGeom prst="rect">
+            <a:avLst/>
+          </a:prstGeom>
+          <a:noFill/>
+        </p:spPr>
+        <p:txBody>
+          <a:bodyPr wrap="square" lIns="0" rIns="0" tIns="0" bIns="0">
+            <a:spAutoFit/>
+          </a:bodyPr>
+          <a:lstStyle/>
+          <a:p>
+            <a:pPr algn="l">
+              <a:defRPr b="0" i="0" sz="2000">
+                <a:solidFill>
+                  <a:srgbClr val="595F6C"/>
+                </a:solidFill>
+                <a:latin typeface="Fraunces"/>
+              </a:defRPr>
+            </a:pPr>
+            <a:r>
+              <a:rPr b="0" i="0" sz="2000">
+                <a:solidFill>
+                  <a:srgbClr val="595F6C"/>
+                </a:solidFill>
+                <a:latin typeface="Fraunces"/>
+              </a:rPr>
+              <a:t>Solids are incompressible due to tightly packed particles, making it difficult to squeeze them.</a:t>
+            </a:r>
+          </a:p>
+        </p:txBody>
+      </p:sp>
+    </p:spTree>
+  </p:cSld>
+  <p:clrMapOvr>
+    <a:masterClrMapping/>
+  </p:clrMapOvr>
+</p:sld>
+</file>
+
+<file path=ppt/slides/slide5.xml><?xml version="1.0" encoding="utf-8"?>
+<p:sld xmlns:a="http://schemas.openxmlformats.org/drawingml/2006/main" xmlns:p="http://schemas.openxmlformats.org/presentationml/2006/main" xmlns:r="http://schemas.openxmlformats.org/officeDocument/2006/relationships">
+  <p:cSld>
+    <p:bg>
+      <p:bgPr>
+        <a:solidFill>
+          <a:srgbClr val="F9F6F0"/>
+        </a:solidFill>
+        <a:effectLst/>
+      </p:bgPr>
+    </p:bg>
+    <p:spTree>
+      <p:nvGrpSpPr>
+        <p:cNvPr id="1" name=""/>
+        <p:cNvGrpSpPr/>
+        <p:nvPr/>
+      </p:nvGrpSpPr>
+      <p:grpSpPr/>
+      <p:sp>
+        <p:nvSpPr>
+          <p:cNvPr id="2" name="TextBox 1"/>
+          <p:cNvSpPr txBox="1"/>
+          <p:nvPr/>
+        </p:nvSpPr>
+        <p:spPr>
+          <a:xfrm>
+            <a:off x="1016000" y="3733800"/>
+            <a:ext cx="6731000" cy="609600"/>
+          </a:xfrm>
+          <a:prstGeom prst="rect">
+            <a:avLst/>
+          </a:prstGeom>
+          <a:noFill/>
+        </p:spPr>
+        <p:txBody>
+          <a:bodyPr wrap="square" lIns="0" rIns="0" tIns="0" bIns="0">
+            <a:spAutoFit/>
+          </a:bodyPr>
+          <a:lstStyle/>
+          <a:p>
+            <a:pPr algn="l">
+              <a:defRPr b="1" i="0" sz="4000">
+                <a:solidFill>
+                  <a:srgbClr val="484237"/>
+                </a:solidFill>
+                <a:latin typeface="Fraunces"/>
+              </a:defRPr>
+            </a:pPr>
+            <a:r>
+              <a:rPr b="1" i="0" sz="4000">
+                <a:solidFill>
+                  <a:srgbClr val="484237"/>
+                </a:solidFill>
+                <a:latin typeface="Fraunces"/>
+              </a:rPr>
+              <a:t>States of Matter: Liquids</a:t>
+            </a:r>
+          </a:p>
+        </p:txBody>
+      </p:sp>
+      <p:sp>
+        <p:nvSpPr>
+          <p:cNvPr id="3" name="TextBox 2"/>
+          <p:cNvSpPr txBox="1"/>
+          <p:nvPr/>
+        </p:nvSpPr>
+        <p:spPr>
+          <a:xfrm>
+            <a:off x="1016000" y="4648200"/>
+            <a:ext cx="6731000" cy="762000"/>
+          </a:xfrm>
+          <a:prstGeom prst="rect">
+            <a:avLst/>
+          </a:prstGeom>
+          <a:noFill/>
+        </p:spPr>
+        <p:txBody>
+          <a:bodyPr wrap="square" lIns="0" rIns="0" tIns="0" bIns="0">
+            <a:spAutoFit/>
+          </a:bodyPr>
+          <a:lstStyle/>
+          <a:p>
+            <a:pPr algn="l">
+              <a:defRPr b="0" i="0" sz="2000">
+                <a:solidFill>
+                  <a:srgbClr val="595F6C"/>
+                </a:solidFill>
+                <a:latin typeface="Fraunces"/>
+              </a:defRPr>
+            </a:pPr>
+            <a:r>
+              <a:rPr b="0" i="0" sz="2000">
+                <a:solidFill>
+                  <a:srgbClr val="595F6C"/>
+                </a:solidFill>
+                <a:latin typeface="Fraunces"/>
+              </a:rPr>
+              <a:t>Liquids have definite volume but no definite shape. They flow easily as their particles can move around.</a:t>
+            </a:r>
+          </a:p>
+        </p:txBody>
+      </p:sp>
+      <p:sp>
+        <p:nvSpPr>
+          <p:cNvPr id="4" name="Rounded Rectangle 3"/>
           <p:cNvSpPr/>
           <p:nvPr/>
         </p:nvSpPr>
         <p:spPr>
           <a:xfrm>
-            <a:off x="1320800" y="3619500"/>
-            <a:ext cx="812800" cy="812800"/>
-          </a:xfrm>
-          <a:prstGeom prst="ellipse">
-            <a:avLst/>
+            <a:off x="8534400" y="1092200"/>
+            <a:ext cx="6705600" cy="3276600"/>
+          </a:xfrm>
+          <a:prstGeom prst="roundRect">
+            <a:avLst>
+              <a:gd name="adj" fmla="val 3100"/>
+            </a:avLst>
           </a:prstGeom>
           <a:solidFill>
-            <a:srgbClr val="1F1F2D"/>
+            <a:srgbClr val="EEE9DD"/>
           </a:solidFill>
           <a:ln>
             <a:noFill/>
           </a:ln>
           <a:effectLst>
-            <a:outerShdw blurRad="0" dir="0" dist="0" rotWithShape="0">
-              <a:srgbClr val="000000">
-                <a:alpha val="0"/>
+            <a:outerShdw blurRad="127000" dir="90000" dist="25400" rotWithShape="0">
+              <a:srgbClr val="2b2b2b">
+                <a:alpha val="20000"/>
               </a:srgbClr>
             </a:outerShdw>
           </a:effectLst>
@@ -4555,140 +4715,30 @@
           </a:p>
         </p:txBody>
       </p:sp>
-      <p:pic>
-        <p:nvPicPr>
-          <p:cNvPr id="5" name="Picture 4" descr="fdbb1335-651b-49f6-844f-7ebb1ba99620.png"/>
-          <p:cNvPicPr>
-            <a:picLocks noChangeAspect="1"/>
-          </p:cNvPicPr>
-          <p:nvPr/>
-        </p:nvPicPr>
-        <p:blipFill>
-          <a:blip r:embed="rId2"/>
-          <a:stretch>
-            <a:fillRect/>
-          </a:stretch>
-        </p:blipFill>
-        <p:spPr>
-          <a:xfrm>
-            <a:off x="1524000" y="3822700"/>
-            <a:ext cx="406400" cy="406400"/>
-          </a:xfrm>
-          <a:prstGeom prst="rect">
+      <p:sp>
+        <p:nvSpPr>
+          <p:cNvPr id="5" name="Oval 4"/>
+          <p:cNvSpPr/>
+          <p:nvPr/>
+        </p:nvSpPr>
+        <p:spPr>
+          <a:xfrm>
+            <a:off x="8839200" y="1397000"/>
+            <a:ext cx="812800" cy="812800"/>
+          </a:xfrm>
+          <a:prstGeom prst="ellipse">
             <a:avLst/>
           </a:prstGeom>
-        </p:spPr>
-      </p:pic>
-      <p:sp>
-        <p:nvSpPr>
-          <p:cNvPr id="6" name="TextBox 5"/>
-          <p:cNvSpPr txBox="1"/>
-          <p:nvPr/>
-        </p:nvSpPr>
-        <p:spPr>
-          <a:xfrm>
-            <a:off x="1320800" y="4635500"/>
-            <a:ext cx="3886200" cy="406400"/>
-          </a:xfrm>
-          <a:prstGeom prst="rect">
-            <a:avLst/>
-          </a:prstGeom>
-          <a:noFill/>
-        </p:spPr>
-        <p:txBody>
-          <a:bodyPr wrap="square" lIns="0" rIns="0" tIns="0" bIns="0">
-            <a:spAutoFit/>
-          </a:bodyPr>
-          <a:lstStyle/>
-          <a:p>
-            <a:pPr algn="l">
-              <a:defRPr b="1" i="0" sz="2400">
-                <a:solidFill>
-                  <a:srgbClr val="1A1A1A"/>
-                </a:solidFill>
-                <a:latin typeface="inter"/>
-              </a:defRPr>
-            </a:pPr>
-            <a:r>
-              <a:rPr b="1" i="0" sz="2400">
-                <a:solidFill>
-                  <a:srgbClr val="1A1A1A"/>
-                </a:solidFill>
-                <a:latin typeface="inter"/>
-              </a:rPr>
-              <a:t>Definite Shape</a:t>
-            </a:r>
-          </a:p>
-        </p:txBody>
-      </p:sp>
-      <p:sp>
-        <p:nvSpPr>
-          <p:cNvPr id="7" name="TextBox 6"/>
-          <p:cNvSpPr txBox="1"/>
-          <p:nvPr/>
-        </p:nvSpPr>
-        <p:spPr>
-          <a:xfrm>
-            <a:off x="1320800" y="5245100"/>
-            <a:ext cx="3886200" cy="1524000"/>
-          </a:xfrm>
-          <a:prstGeom prst="rect">
-            <a:avLst/>
-          </a:prstGeom>
-          <a:noFill/>
-        </p:spPr>
-        <p:txBody>
-          <a:bodyPr wrap="square" lIns="0" rIns="0" tIns="0" bIns="0">
-            <a:spAutoFit/>
-          </a:bodyPr>
-          <a:lstStyle/>
-          <a:p>
-            <a:pPr algn="l">
-              <a:defRPr b="0" i="0" sz="2000">
-                <a:solidFill>
-                  <a:srgbClr val="333333"/>
-                </a:solidFill>
-                <a:latin typeface="inter"/>
-              </a:defRPr>
-            </a:pPr>
-            <a:r>
-              <a:rPr b="0" i="0" sz="2000">
-                <a:solidFill>
-                  <a:srgbClr val="333333"/>
-                </a:solidFill>
-                <a:latin typeface="inter"/>
-              </a:rPr>
-              <a:t>Solids maintain a definite shape and volume because their particles are tightly packed and strongly bound in fixed positions.</a:t>
-            </a:r>
-          </a:p>
-        </p:txBody>
-      </p:sp>
-      <p:sp>
-        <p:nvSpPr>
-          <p:cNvPr id="8" name="Rounded Rectangle 7"/>
-          <p:cNvSpPr/>
-          <p:nvPr/>
-        </p:nvSpPr>
-        <p:spPr>
-          <a:xfrm>
-            <a:off x="5892800" y="3314700"/>
-            <a:ext cx="4470400" cy="4140200"/>
-          </a:xfrm>
-          <a:prstGeom prst="roundRect">
-            <a:avLst>
-              <a:gd name="adj" fmla="val 2453"/>
-            </a:avLst>
-          </a:prstGeom>
           <a:solidFill>
-            <a:srgbClr val="FFFFFF"/>
+            <a:srgbClr val="A6825B"/>
           </a:solidFill>
           <a:ln>
             <a:noFill/>
           </a:ln>
           <a:effectLst>
-            <a:outerShdw blurRad="127000" dir="90000" dist="25400" rotWithShape="0">
-              <a:srgbClr val="2b2b2b">
-                <a:alpha val="20000"/>
+            <a:outerShdw blurRad="0" dir="0" dist="0" rotWithShape="0">
+              <a:srgbClr val="000000">
+                <a:alpha val="0"/>
               </a:srgbClr>
             </a:outerShdw>
           </a:effectLst>
@@ -4715,30 +4765,140 @@
           </a:p>
         </p:txBody>
       </p:sp>
-      <p:sp>
-        <p:nvSpPr>
-          <p:cNvPr id="9" name="Oval 8"/>
+      <p:pic>
+        <p:nvPicPr>
+          <p:cNvPr id="6" name="Picture 5" descr="d5e4331e-f76b-4639-a32c-1e9053f5f5a9.png"/>
+          <p:cNvPicPr>
+            <a:picLocks noChangeAspect="1"/>
+          </p:cNvPicPr>
+          <p:nvPr/>
+        </p:nvPicPr>
+        <p:blipFill>
+          <a:blip r:embed="rId2"/>
+          <a:stretch>
+            <a:fillRect/>
+          </a:stretch>
+        </p:blipFill>
+        <p:spPr>
+          <a:xfrm>
+            <a:off x="9042400" y="1600200"/>
+            <a:ext cx="406400" cy="406400"/>
+          </a:xfrm>
+          <a:prstGeom prst="rect">
+            <a:avLst/>
+          </a:prstGeom>
+        </p:spPr>
+      </p:pic>
+      <p:sp>
+        <p:nvSpPr>
+          <p:cNvPr id="7" name="TextBox 6"/>
+          <p:cNvSpPr txBox="1"/>
+          <p:nvPr/>
+        </p:nvSpPr>
+        <p:spPr>
+          <a:xfrm>
+            <a:off x="8839200" y="2362200"/>
+            <a:ext cx="6121400" cy="406400"/>
+          </a:xfrm>
+          <a:prstGeom prst="rect">
+            <a:avLst/>
+          </a:prstGeom>
+          <a:noFill/>
+        </p:spPr>
+        <p:txBody>
+          <a:bodyPr wrap="square" lIns="0" rIns="0" tIns="0" bIns="0">
+            <a:spAutoFit/>
+          </a:bodyPr>
+          <a:lstStyle/>
+          <a:p>
+            <a:pPr algn="l">
+              <a:defRPr b="1" i="0" sz="2400">
+                <a:solidFill>
+                  <a:srgbClr val="484237"/>
+                </a:solidFill>
+                <a:latin typeface="Fraunces"/>
+              </a:defRPr>
+            </a:pPr>
+            <a:r>
+              <a:rPr b="1" i="0" sz="2400">
+                <a:solidFill>
+                  <a:srgbClr val="484237"/>
+                </a:solidFill>
+                <a:latin typeface="Fraunces"/>
+              </a:rPr>
+              <a:t>Fluidity</a:t>
+            </a:r>
+          </a:p>
+        </p:txBody>
+      </p:sp>
+      <p:sp>
+        <p:nvSpPr>
+          <p:cNvPr id="8" name="TextBox 7"/>
+          <p:cNvSpPr txBox="1"/>
+          <p:nvPr/>
+        </p:nvSpPr>
+        <p:spPr>
+          <a:xfrm>
+            <a:off x="8839200" y="2921000"/>
+            <a:ext cx="6121400" cy="1143000"/>
+          </a:xfrm>
+          <a:prstGeom prst="rect">
+            <a:avLst/>
+          </a:prstGeom>
+          <a:noFill/>
+        </p:spPr>
+        <p:txBody>
+          <a:bodyPr wrap="square" lIns="0" rIns="0" tIns="0" bIns="0">
+            <a:spAutoFit/>
+          </a:bodyPr>
+          <a:lstStyle/>
+          <a:p>
+            <a:pPr algn="l">
+              <a:defRPr b="0" i="0" sz="2000">
+                <a:solidFill>
+                  <a:srgbClr val="595F6C"/>
+                </a:solidFill>
+                <a:latin typeface="Fraunces"/>
+              </a:defRPr>
+            </a:pPr>
+            <a:r>
+              <a:rPr b="0" i="0" sz="2000">
+                <a:solidFill>
+                  <a:srgbClr val="595F6C"/>
+                </a:solidFill>
+                <a:latin typeface="Fraunces"/>
+              </a:rPr>
+              <a:t>Liquids flow easily because their particles are close but can move around, adapting to the container shape.</a:t>
+            </a:r>
+          </a:p>
+        </p:txBody>
+      </p:sp>
+      <p:sp>
+        <p:nvSpPr>
+          <p:cNvPr id="9" name="Rounded Rectangle 8"/>
           <p:cNvSpPr/>
           <p:nvPr/>
         </p:nvSpPr>
         <p:spPr>
           <a:xfrm>
-            <a:off x="6197600" y="3619500"/>
-            <a:ext cx="812800" cy="812800"/>
-          </a:xfrm>
-          <a:prstGeom prst="ellipse">
-            <a:avLst/>
+            <a:off x="8534400" y="4775200"/>
+            <a:ext cx="6705600" cy="3276600"/>
+          </a:xfrm>
+          <a:prstGeom prst="roundRect">
+            <a:avLst>
+              <a:gd name="adj" fmla="val 3100"/>
+            </a:avLst>
           </a:prstGeom>
           <a:solidFill>
-            <a:srgbClr val="1F1F2D"/>
+            <a:srgbClr val="EEE9DD"/>
           </a:solidFill>
           <a:ln>
             <a:noFill/>
           </a:ln>
           <a:effectLst>
-            <a:outerShdw blurRad="0" dir="0" dist="0" rotWithShape="0">
-              <a:srgbClr val="000000">
-                <a:alpha val="0"/>
+            <a:outerShdw blurRad="127000" dir="90000" dist="25400" rotWithShape="0">
+              <a:srgbClr val="2b2b2b">
+                <a:alpha val="20000"/>
               </a:srgbClr>
             </a:outerShdw>
           </a:effectLst>
@@ -4765,140 +4925,30 @@
           </a:p>
         </p:txBody>
       </p:sp>
-      <p:pic>
-        <p:nvPicPr>
-          <p:cNvPr id="10" name="Picture 9" descr="96b322d5-cdee-48c4-bd75-0a877d6049ed.png"/>
-          <p:cNvPicPr>
-            <a:picLocks noChangeAspect="1"/>
-          </p:cNvPicPr>
-          <p:nvPr/>
-        </p:nvPicPr>
-        <p:blipFill>
-          <a:blip r:embed="rId3"/>
-          <a:stretch>
-            <a:fillRect/>
-          </a:stretch>
-        </p:blipFill>
-        <p:spPr>
-          <a:xfrm>
-            <a:off x="6400800" y="3822700"/>
-            <a:ext cx="406400" cy="406400"/>
-          </a:xfrm>
-          <a:prstGeom prst="rect">
+      <p:sp>
+        <p:nvSpPr>
+          <p:cNvPr id="10" name="Oval 9"/>
+          <p:cNvSpPr/>
+          <p:nvPr/>
+        </p:nvSpPr>
+        <p:spPr>
+          <a:xfrm>
+            <a:off x="8839200" y="5080000"/>
+            <a:ext cx="812800" cy="812800"/>
+          </a:xfrm>
+          <a:prstGeom prst="ellipse">
             <a:avLst/>
           </a:prstGeom>
-        </p:spPr>
-      </p:pic>
-      <p:sp>
-        <p:nvSpPr>
-          <p:cNvPr id="11" name="TextBox 10"/>
-          <p:cNvSpPr txBox="1"/>
-          <p:nvPr/>
-        </p:nvSpPr>
-        <p:spPr>
-          <a:xfrm>
-            <a:off x="6197600" y="4635500"/>
-            <a:ext cx="3886200" cy="406400"/>
-          </a:xfrm>
-          <a:prstGeom prst="rect">
-            <a:avLst/>
-          </a:prstGeom>
-          <a:noFill/>
-        </p:spPr>
-        <p:txBody>
-          <a:bodyPr wrap="square" lIns="0" rIns="0" tIns="0" bIns="0">
-            <a:spAutoFit/>
-          </a:bodyPr>
-          <a:lstStyle/>
-          <a:p>
-            <a:pPr algn="l">
-              <a:defRPr b="1" i="0" sz="2400">
-                <a:solidFill>
-                  <a:srgbClr val="1A1A1A"/>
-                </a:solidFill>
-                <a:latin typeface="inter"/>
-              </a:defRPr>
-            </a:pPr>
-            <a:r>
-              <a:rPr b="1" i="0" sz="2400">
-                <a:solidFill>
-                  <a:srgbClr val="1A1A1A"/>
-                </a:solidFill>
-                <a:latin typeface="inter"/>
-              </a:rPr>
-              <a:t>Fixed Positions</a:t>
-            </a:r>
-          </a:p>
-        </p:txBody>
-      </p:sp>
-      <p:sp>
-        <p:nvSpPr>
-          <p:cNvPr id="12" name="TextBox 11"/>
-          <p:cNvSpPr txBox="1"/>
-          <p:nvPr/>
-        </p:nvSpPr>
-        <p:spPr>
-          <a:xfrm>
-            <a:off x="6197600" y="5245100"/>
-            <a:ext cx="3886200" cy="1905000"/>
-          </a:xfrm>
-          <a:prstGeom prst="rect">
-            <a:avLst/>
-          </a:prstGeom>
-          <a:noFill/>
-        </p:spPr>
-        <p:txBody>
-          <a:bodyPr wrap="square" lIns="0" rIns="0" tIns="0" bIns="0">
-            <a:spAutoFit/>
-          </a:bodyPr>
-          <a:lstStyle/>
-          <a:p>
-            <a:pPr algn="l">
-              <a:defRPr b="0" i="0" sz="2000">
-                <a:solidFill>
-                  <a:srgbClr val="333333"/>
-                </a:solidFill>
-                <a:latin typeface="inter"/>
-              </a:defRPr>
-            </a:pPr>
-            <a:r>
-              <a:rPr b="0" i="0" sz="2000">
-                <a:solidFill>
-                  <a:srgbClr val="333333"/>
-                </a:solidFill>
-                <a:latin typeface="inter"/>
-              </a:rPr>
-              <a:t>Particles in solids vibrate in fixed positions and cannot move freely, contributing to their rigidity and resistance to deformation.</a:t>
-            </a:r>
-          </a:p>
-        </p:txBody>
-      </p:sp>
-      <p:sp>
-        <p:nvSpPr>
-          <p:cNvPr id="13" name="Rounded Rectangle 12"/>
-          <p:cNvSpPr/>
-          <p:nvPr/>
-        </p:nvSpPr>
-        <p:spPr>
-          <a:xfrm>
-            <a:off x="10769600" y="3314700"/>
-            <a:ext cx="4470400" cy="4140200"/>
-          </a:xfrm>
-          <a:prstGeom prst="roundRect">
-            <a:avLst>
-              <a:gd name="adj" fmla="val 2453"/>
-            </a:avLst>
-          </a:prstGeom>
           <a:solidFill>
-            <a:srgbClr val="FFFFFF"/>
+            <a:srgbClr val="A6825B"/>
           </a:solidFill>
           <a:ln>
             <a:noFill/>
           </a:ln>
           <a:effectLst>
-            <a:outerShdw blurRad="127000" dir="90000" dist="25400" rotWithShape="0">
-              <a:srgbClr val="2b2b2b">
-                <a:alpha val="20000"/>
+            <a:outerShdw blurRad="0" dir="0" dist="0" rotWithShape="0">
+              <a:srgbClr val="000000">
+                <a:alpha val="0"/>
               </a:srgbClr>
             </a:outerShdw>
           </a:effectLst>
@@ -4925,30 +4975,208 @@
           </a:p>
         </p:txBody>
       </p:sp>
-      <p:sp>
-        <p:nvSpPr>
-          <p:cNvPr id="14" name="Oval 13"/>
+      <p:pic>
+        <p:nvPicPr>
+          <p:cNvPr id="11" name="Picture 10" descr="db4af0f5-6a05-49ea-9201-4ee05bc6fdf1.png"/>
+          <p:cNvPicPr>
+            <a:picLocks noChangeAspect="1"/>
+          </p:cNvPicPr>
+          <p:nvPr/>
+        </p:nvPicPr>
+        <p:blipFill>
+          <a:blip r:embed="rId3"/>
+          <a:stretch>
+            <a:fillRect/>
+          </a:stretch>
+        </p:blipFill>
+        <p:spPr>
+          <a:xfrm>
+            <a:off x="9042400" y="5283200"/>
+            <a:ext cx="406400" cy="406400"/>
+          </a:xfrm>
+          <a:prstGeom prst="rect">
+            <a:avLst/>
+          </a:prstGeom>
+        </p:spPr>
+      </p:pic>
+      <p:sp>
+        <p:nvSpPr>
+          <p:cNvPr id="12" name="TextBox 11"/>
+          <p:cNvSpPr txBox="1"/>
+          <p:nvPr/>
+        </p:nvSpPr>
+        <p:spPr>
+          <a:xfrm>
+            <a:off x="8839200" y="6045200"/>
+            <a:ext cx="6121400" cy="406400"/>
+          </a:xfrm>
+          <a:prstGeom prst="rect">
+            <a:avLst/>
+          </a:prstGeom>
+          <a:noFill/>
+        </p:spPr>
+        <p:txBody>
+          <a:bodyPr wrap="square" lIns="0" rIns="0" tIns="0" bIns="0">
+            <a:spAutoFit/>
+          </a:bodyPr>
+          <a:lstStyle/>
+          <a:p>
+            <a:pPr algn="l">
+              <a:defRPr b="1" i="0" sz="2400">
+                <a:solidFill>
+                  <a:srgbClr val="484237"/>
+                </a:solidFill>
+                <a:latin typeface="Fraunces"/>
+              </a:defRPr>
+            </a:pPr>
+            <a:r>
+              <a:rPr b="1" i="0" sz="2400">
+                <a:solidFill>
+                  <a:srgbClr val="484237"/>
+                </a:solidFill>
+                <a:latin typeface="Fraunces"/>
+              </a:rPr>
+              <a:t>Volume Constancy</a:t>
+            </a:r>
+          </a:p>
+        </p:txBody>
+      </p:sp>
+      <p:sp>
+        <p:nvSpPr>
+          <p:cNvPr id="13" name="TextBox 12"/>
+          <p:cNvSpPr txBox="1"/>
+          <p:nvPr/>
+        </p:nvSpPr>
+        <p:spPr>
+          <a:xfrm>
+            <a:off x="8839200" y="6604000"/>
+            <a:ext cx="6121400" cy="1143000"/>
+          </a:xfrm>
+          <a:prstGeom prst="rect">
+            <a:avLst/>
+          </a:prstGeom>
+          <a:noFill/>
+        </p:spPr>
+        <p:txBody>
+          <a:bodyPr wrap="square" lIns="0" rIns="0" tIns="0" bIns="0">
+            <a:spAutoFit/>
+          </a:bodyPr>
+          <a:lstStyle/>
+          <a:p>
+            <a:pPr algn="l">
+              <a:defRPr b="0" i="0" sz="2000">
+                <a:solidFill>
+                  <a:srgbClr val="595F6C"/>
+                </a:solidFill>
+                <a:latin typeface="Fraunces"/>
+              </a:defRPr>
+            </a:pPr>
+            <a:r>
+              <a:rPr b="0" i="0" sz="2000">
+                <a:solidFill>
+                  <a:srgbClr val="595F6C"/>
+                </a:solidFill>
+                <a:latin typeface="Fraunces"/>
+              </a:rPr>
+              <a:t>Liquids maintain a constant volume, regardless of the container shape. They are relatively incompressible.</a:t>
+            </a:r>
+          </a:p>
+        </p:txBody>
+      </p:sp>
+    </p:spTree>
+  </p:cSld>
+  <p:clrMapOvr>
+    <a:masterClrMapping/>
+  </p:clrMapOvr>
+</p:sld>
+</file>
+
+<file path=ppt/slides/slide6.xml><?xml version="1.0" encoding="utf-8"?>
+<p:sld xmlns:a="http://schemas.openxmlformats.org/drawingml/2006/main" xmlns:p="http://schemas.openxmlformats.org/presentationml/2006/main" xmlns:r="http://schemas.openxmlformats.org/officeDocument/2006/relationships">
+  <p:cSld>
+    <p:bg>
+      <p:bgPr>
+        <a:solidFill>
+          <a:srgbClr val="F9F6F0"/>
+        </a:solidFill>
+        <a:effectLst/>
+      </p:bgPr>
+    </p:bg>
+    <p:spTree>
+      <p:nvGrpSpPr>
+        <p:cNvPr id="1" name=""/>
+        <p:cNvGrpSpPr/>
+        <p:nvPr/>
+      </p:nvGrpSpPr>
+      <p:grpSpPr/>
+      <p:sp>
+        <p:nvSpPr>
+          <p:cNvPr id="2" name="TextBox 1"/>
+          <p:cNvSpPr txBox="1"/>
+          <p:nvPr/>
+        </p:nvSpPr>
+        <p:spPr>
+          <a:xfrm>
+            <a:off x="1016000" y="2222500"/>
+            <a:ext cx="14249400" cy="609600"/>
+          </a:xfrm>
+          <a:prstGeom prst="rect">
+            <a:avLst/>
+          </a:prstGeom>
+          <a:noFill/>
+        </p:spPr>
+        <p:txBody>
+          <a:bodyPr wrap="square" lIns="0" rIns="0" tIns="0" bIns="0">
+            <a:spAutoFit/>
+          </a:bodyPr>
+          <a:lstStyle/>
+          <a:p>
+            <a:pPr algn="ctr">
+              <a:defRPr b="1" i="0" sz="4000">
+                <a:solidFill>
+                  <a:srgbClr val="484237"/>
+                </a:solidFill>
+                <a:latin typeface="Fraunces"/>
+              </a:defRPr>
+            </a:pPr>
+            <a:r>
+              <a:rPr b="1" i="0" sz="4000">
+                <a:solidFill>
+                  <a:srgbClr val="484237"/>
+                </a:solidFill>
+                <a:latin typeface="Fraunces"/>
+              </a:rPr>
+              <a:t>States of Matter: Gases</a:t>
+            </a:r>
+          </a:p>
+        </p:txBody>
+      </p:sp>
+      <p:sp>
+        <p:nvSpPr>
+          <p:cNvPr id="3" name="Rounded Rectangle 2"/>
           <p:cNvSpPr/>
           <p:nvPr/>
         </p:nvSpPr>
         <p:spPr>
           <a:xfrm>
-            <a:off x="11074400" y="3619500"/>
-            <a:ext cx="812800" cy="812800"/>
-          </a:xfrm>
-          <a:prstGeom prst="ellipse">
-            <a:avLst/>
+            <a:off x="1016000" y="3848100"/>
+            <a:ext cx="4470400" cy="3073400"/>
+          </a:xfrm>
+          <a:prstGeom prst="roundRect">
+            <a:avLst>
+              <a:gd name="adj" fmla="val 3305"/>
+            </a:avLst>
           </a:prstGeom>
           <a:solidFill>
-            <a:srgbClr val="1F1F2D"/>
+            <a:srgbClr val="EEE9DD"/>
           </a:solidFill>
           <a:ln>
             <a:noFill/>
           </a:ln>
           <a:effectLst>
-            <a:outerShdw blurRad="0" dir="0" dist="0" rotWithShape="0">
-              <a:srgbClr val="000000">
-                <a:alpha val="0"/>
+            <a:outerShdw blurRad="127000" dir="90000" dist="25400" rotWithShape="0">
+              <a:srgbClr val="2b2b2b">
+                <a:alpha val="20000"/>
               </a:srgbClr>
             </a:outerShdw>
           </a:effectLst>
@@ -4975,40 +5203,16 @@
           </a:p>
         </p:txBody>
       </p:sp>
-      <p:pic>
-        <p:nvPicPr>
-          <p:cNvPr id="15" name="Picture 14" descr="b79209e6-089d-46d6-8344-78d807d1a0c0.png"/>
-          <p:cNvPicPr>
-            <a:picLocks noChangeAspect="1"/>
-          </p:cNvPicPr>
-          <p:nvPr/>
-        </p:nvPicPr>
-        <p:blipFill>
-          <a:blip r:embed="rId4"/>
-          <a:stretch>
-            <a:fillRect/>
-          </a:stretch>
-        </p:blipFill>
-        <p:spPr>
-          <a:xfrm>
-            <a:off x="11277600" y="3822700"/>
-            <a:ext cx="406400" cy="406400"/>
-          </a:xfrm>
-          <a:prstGeom prst="rect">
-            <a:avLst/>
-          </a:prstGeom>
-        </p:spPr>
-      </p:pic>
-      <p:sp>
-        <p:nvSpPr>
-          <p:cNvPr id="16" name="TextBox 15"/>
+      <p:sp>
+        <p:nvSpPr>
+          <p:cNvPr id="4" name="TextBox 3"/>
           <p:cNvSpPr txBox="1"/>
           <p:nvPr/>
         </p:nvSpPr>
         <p:spPr>
           <a:xfrm>
-            <a:off x="11074400" y="4635500"/>
-            <a:ext cx="3886200" cy="406400"/>
+            <a:off x="1320800" y="4152900"/>
+            <a:ext cx="3886200" cy="508000"/>
           </a:xfrm>
           <a:prstGeom prst="rect">
             <a:avLst/>
@@ -5022,35 +5226,35 @@
           <a:lstStyle/>
           <a:p>
             <a:pPr algn="l">
-              <a:defRPr b="1" i="0" sz="2400">
-                <a:solidFill>
-                  <a:srgbClr val="1A1A1A"/>
-                </a:solidFill>
-                <a:latin typeface="inter"/>
+              <a:defRPr b="1" i="0" sz="3200">
+                <a:solidFill>
+                  <a:srgbClr val="A6825B"/>
+                </a:solidFill>
+                <a:latin typeface="Fraunces"/>
               </a:defRPr>
             </a:pPr>
             <a:r>
-              <a:rPr b="1" i="0" sz="2400">
-                <a:solidFill>
-                  <a:srgbClr val="1A1A1A"/>
-                </a:solidFill>
-                <a:latin typeface="inter"/>
+              <a:rPr b="1" i="0" sz="3200">
+                <a:solidFill>
+                  <a:srgbClr val="A6825B"/>
+                </a:solidFill>
+                <a:latin typeface="Fraunces"/>
               </a:rPr>
-              <a:t>Incompressible</a:t>
-            </a:r>
-          </a:p>
-        </p:txBody>
-      </p:sp>
-      <p:sp>
-        <p:nvSpPr>
-          <p:cNvPr id="17" name="TextBox 16"/>
+              <a:t>01</a:t>
+            </a:r>
+          </a:p>
+        </p:txBody>
+      </p:sp>
+      <p:sp>
+        <p:nvSpPr>
+          <p:cNvPr id="5" name="TextBox 4"/>
           <p:cNvSpPr txBox="1"/>
           <p:nvPr/>
         </p:nvSpPr>
         <p:spPr>
           <a:xfrm>
-            <a:off x="11074400" y="5245100"/>
-            <a:ext cx="3886200" cy="1905000"/>
+            <a:off x="1320800" y="4864100"/>
+            <a:ext cx="3886200" cy="406400"/>
           </a:xfrm>
           <a:prstGeom prst="rect">
             <a:avLst/>
@@ -5064,61 +5268,35 @@
           <a:lstStyle/>
           <a:p>
             <a:pPr algn="l">
-              <a:defRPr b="0" i="0" sz="2000">
-                <a:solidFill>
-                  <a:srgbClr val="333333"/>
-                </a:solidFill>
-                <a:latin typeface="inter"/>
+              <a:defRPr b="1" i="0" sz="2400">
+                <a:solidFill>
+                  <a:srgbClr val="484237"/>
+                </a:solidFill>
+                <a:latin typeface="Fraunces"/>
               </a:defRPr>
             </a:pPr>
             <a:r>
-              <a:rPr b="0" i="0" sz="2000">
-                <a:solidFill>
-                  <a:srgbClr val="333333"/>
-                </a:solidFill>
-                <a:latin typeface="inter"/>
+              <a:rPr b="1" i="0" sz="2400">
+                <a:solidFill>
+                  <a:srgbClr val="484237"/>
+                </a:solidFill>
+                <a:latin typeface="Fraunces"/>
               </a:rPr>
-              <a:t>Solids are nearly incompressible due to the close proximity of their particles, making it difficult to reduce their volume significantly.</a:t>
-            </a:r>
-          </a:p>
-        </p:txBody>
-      </p:sp>
-    </p:spTree>
-  </p:cSld>
-  <p:clrMapOvr>
-    <a:masterClrMapping/>
-  </p:clrMapOvr>
-</p:sld>
-</file>
-
-<file path=ppt/slides/slide5.xml><?xml version="1.0" encoding="utf-8"?>
-<p:sld xmlns:a="http://schemas.openxmlformats.org/drawingml/2006/main" xmlns:p="http://schemas.openxmlformats.org/presentationml/2006/main" xmlns:r="http://schemas.openxmlformats.org/officeDocument/2006/relationships">
-  <p:cSld>
-    <p:bg>
-      <p:bgPr>
-        <a:solidFill>
-          <a:srgbClr val="F2F2F2"/>
-        </a:solidFill>
-        <a:effectLst/>
-      </p:bgPr>
-    </p:bg>
-    <p:spTree>
-      <p:nvGrpSpPr>
-        <p:cNvPr id="1" name=""/>
-        <p:cNvGrpSpPr/>
-        <p:nvPr/>
-      </p:nvGrpSpPr>
-      <p:grpSpPr/>
-      <p:sp>
-        <p:nvSpPr>
-          <p:cNvPr id="2" name="TextBox 1"/>
+              <a:t>No Definite Form</a:t>
+            </a:r>
+          </a:p>
+        </p:txBody>
+      </p:sp>
+      <p:sp>
+        <p:nvSpPr>
+          <p:cNvPr id="6" name="TextBox 5"/>
           <p:cNvSpPr txBox="1"/>
           <p:nvPr/>
         </p:nvSpPr>
         <p:spPr>
           <a:xfrm>
-            <a:off x="5346700" y="1473200"/>
-            <a:ext cx="5588000" cy="609600"/>
+            <a:off x="1320800" y="5473700"/>
+            <a:ext cx="3886200" cy="1143000"/>
           </a:xfrm>
           <a:prstGeom prst="rect">
             <a:avLst/>
@@ -5132,177 +5310,43 @@
           <a:lstStyle/>
           <a:p>
             <a:pPr algn="l">
-              <a:defRPr b="1" i="0" sz="4000">
-                <a:solidFill>
-                  <a:srgbClr val="000000"/>
-                </a:solidFill>
-                <a:latin typeface="inter"/>
+              <a:defRPr b="0" i="0" sz="2000">
+                <a:solidFill>
+                  <a:srgbClr val="595F6C"/>
+                </a:solidFill>
+                <a:latin typeface="Fraunces"/>
               </a:defRPr>
             </a:pPr>
             <a:r>
-              <a:rPr b="1" i="0" sz="4000">
-                <a:solidFill>
-                  <a:srgbClr val="000000"/>
-                </a:solidFill>
-                <a:latin typeface="inter"/>
+              <a:rPr b="0" i="0" sz="2000">
+                <a:solidFill>
+                  <a:srgbClr val="595F6C"/>
+                </a:solidFill>
+                <a:latin typeface="Fraunces"/>
               </a:rPr>
-              <a:t>States of Matter: Liquids</a:t>
-            </a:r>
-          </a:p>
-        </p:txBody>
-      </p:sp>
-      <p:pic>
-        <p:nvPicPr>
-          <p:cNvPr id="3" name="Picture 2" descr="1c7c596b-8d28-4485-8810-605298b42da7.png"/>
-          <p:cNvPicPr>
-            <a:picLocks noChangeAspect="1"/>
-          </p:cNvPicPr>
-          <p:nvPr/>
-        </p:nvPicPr>
-        <p:blipFill>
-          <a:blip r:embed="rId2"/>
-          <a:stretch>
-            <a:fillRect/>
-          </a:stretch>
-        </p:blipFill>
-        <p:spPr>
-          <a:xfrm>
-            <a:off x="1016000" y="2590800"/>
-            <a:ext cx="14224000" cy="3810000"/>
-          </a:xfrm>
-          <a:prstGeom prst="rect">
-            <a:avLst/>
-          </a:prstGeom>
-        </p:spPr>
-      </p:pic>
-      <p:sp>
-        <p:nvSpPr>
-          <p:cNvPr id="4" name="TextBox 3"/>
-          <p:cNvSpPr txBox="1"/>
-          <p:nvPr/>
-        </p:nvSpPr>
-        <p:spPr>
-          <a:xfrm>
-            <a:off x="1016000" y="6908800"/>
-            <a:ext cx="14249400" cy="762000"/>
-          </a:xfrm>
-          <a:prstGeom prst="rect">
-            <a:avLst/>
-          </a:prstGeom>
-          <a:noFill/>
-        </p:spPr>
-        <p:txBody>
-          <a:bodyPr wrap="square" lIns="0" rIns="0" tIns="0" bIns="0">
-            <a:spAutoFit/>
-          </a:bodyPr>
-          <a:lstStyle/>
-          <a:p>
-            <a:pPr algn="ctr">
-              <a:defRPr b="0" i="0" sz="2000">
-                <a:solidFill>
-                  <a:srgbClr val="333333"/>
-                </a:solidFill>
-                <a:latin typeface="inter"/>
-              </a:defRPr>
-            </a:pPr>
-            <a:r>
-              <a:rPr b="0" i="0" sz="2000">
-                <a:solidFill>
-                  <a:srgbClr val="333333"/>
-                </a:solidFill>
-                <a:latin typeface="inter"/>
-              </a:rPr>
-              <a:t>Liquids exhibit unique properties due to the arrangement and movement of their particles, which are close but can slide past each other. Understand the characteristics.</a:t>
-            </a:r>
-          </a:p>
-        </p:txBody>
-      </p:sp>
-    </p:spTree>
-  </p:cSld>
-  <p:clrMapOvr>
-    <a:masterClrMapping/>
-  </p:clrMapOvr>
-</p:sld>
-</file>
-
-<file path=ppt/slides/slide6.xml><?xml version="1.0" encoding="utf-8"?>
-<p:sld xmlns:a="http://schemas.openxmlformats.org/drawingml/2006/main" xmlns:p="http://schemas.openxmlformats.org/presentationml/2006/main" xmlns:r="http://schemas.openxmlformats.org/officeDocument/2006/relationships">
-  <p:cSld>
-    <p:bg>
-      <p:bgPr>
-        <a:solidFill>
-          <a:srgbClr val="F2F2F2"/>
-        </a:solidFill>
-        <a:effectLst/>
-      </p:bgPr>
-    </p:bg>
-    <p:spTree>
-      <p:nvGrpSpPr>
-        <p:cNvPr id="1" name=""/>
-        <p:cNvGrpSpPr/>
-        <p:nvPr/>
-      </p:nvGrpSpPr>
-      <p:grpSpPr/>
-      <p:sp>
-        <p:nvSpPr>
-          <p:cNvPr id="2" name="TextBox 1"/>
-          <p:cNvSpPr txBox="1"/>
-          <p:nvPr/>
-        </p:nvSpPr>
-        <p:spPr>
-          <a:xfrm>
-            <a:off x="1016000" y="1130300"/>
-            <a:ext cx="14249400" cy="609600"/>
-          </a:xfrm>
-          <a:prstGeom prst="rect">
-            <a:avLst/>
-          </a:prstGeom>
-          <a:noFill/>
-        </p:spPr>
-        <p:txBody>
-          <a:bodyPr wrap="square" lIns="0" rIns="0" tIns="0" bIns="0">
-            <a:spAutoFit/>
-          </a:bodyPr>
-          <a:lstStyle/>
-          <a:p>
-            <a:pPr algn="ctr">
-              <a:defRPr b="1" i="0" sz="4000">
-                <a:solidFill>
-                  <a:srgbClr val="000000"/>
-                </a:solidFill>
-                <a:latin typeface="inter"/>
-              </a:defRPr>
-            </a:pPr>
-            <a:r>
-              <a:rPr b="1" i="0" sz="4000">
-                <a:solidFill>
-                  <a:srgbClr val="000000"/>
-                </a:solidFill>
-                <a:latin typeface="inter"/>
-              </a:rPr>
-              <a:t>States of Matter: Gases</a:t>
-            </a:r>
-          </a:p>
-        </p:txBody>
-      </p:sp>
-      <p:sp>
-        <p:nvSpPr>
-          <p:cNvPr id="3" name="Rounded Rectangle 2"/>
+              <a:t>Gases have no definite shape or volume, filling any container completely and expanding to fit.</a:t>
+            </a:r>
+          </a:p>
+        </p:txBody>
+      </p:sp>
+      <p:sp>
+        <p:nvSpPr>
+          <p:cNvPr id="7" name="Rounded Rectangle 6"/>
           <p:cNvSpPr/>
           <p:nvPr/>
         </p:nvSpPr>
         <p:spPr>
           <a:xfrm>
-            <a:off x="1016000" y="2552700"/>
-            <a:ext cx="4533900" cy="5461000"/>
+            <a:off x="5892800" y="3848100"/>
+            <a:ext cx="4470400" cy="3073400"/>
           </a:xfrm>
           <a:prstGeom prst="roundRect">
             <a:avLst>
-              <a:gd name="adj" fmla="val 2240"/>
+              <a:gd name="adj" fmla="val 3305"/>
             </a:avLst>
           </a:prstGeom>
           <a:solidFill>
-            <a:srgbClr val="FFFFFF"/>
+            <a:srgbClr val="EEE9DD"/>
           </a:solidFill>
           <a:ln>
             <a:noFill/>
@@ -5337,40 +5381,16 @@
           </a:p>
         </p:txBody>
       </p:sp>
-      <p:pic>
-        <p:nvPicPr>
-          <p:cNvPr id="4" name="Picture 3" descr="192a5dd9-71bd-4799-b687-ff6de0055017.png"/>
-          <p:cNvPicPr>
-            <a:picLocks noChangeAspect="1"/>
-          </p:cNvPicPr>
-          <p:nvPr/>
-        </p:nvPicPr>
-        <p:blipFill>
-          <a:blip r:embed="rId2"/>
-          <a:stretch>
-            <a:fillRect/>
-          </a:stretch>
-        </p:blipFill>
-        <p:spPr>
-          <a:xfrm>
-            <a:off x="1016000" y="2552700"/>
-            <a:ext cx="4533900" cy="2438400"/>
-          </a:xfrm>
-          <a:prstGeom prst="rect">
-            <a:avLst/>
-          </a:prstGeom>
-        </p:spPr>
-      </p:pic>
-      <p:sp>
-        <p:nvSpPr>
-          <p:cNvPr id="5" name="TextBox 4"/>
+      <p:sp>
+        <p:nvSpPr>
+          <p:cNvPr id="8" name="TextBox 7"/>
           <p:cNvSpPr txBox="1"/>
           <p:nvPr/>
         </p:nvSpPr>
         <p:spPr>
           <a:xfrm>
-            <a:off x="1320800" y="5295900"/>
-            <a:ext cx="3949700" cy="406400"/>
+            <a:off x="6197600" y="4152900"/>
+            <a:ext cx="3886200" cy="508000"/>
           </a:xfrm>
           <a:prstGeom prst="rect">
             <a:avLst/>
@@ -5384,35 +5404,35 @@
           <a:lstStyle/>
           <a:p>
             <a:pPr algn="l">
-              <a:defRPr b="1" i="0" sz="2400">
-                <a:solidFill>
-                  <a:srgbClr val="1A1A1A"/>
-                </a:solidFill>
-                <a:latin typeface="inter"/>
+              <a:defRPr b="1" i="0" sz="3200">
+                <a:solidFill>
+                  <a:srgbClr val="A6825B"/>
+                </a:solidFill>
+                <a:latin typeface="Fraunces"/>
               </a:defRPr>
             </a:pPr>
             <a:r>
-              <a:rPr b="1" i="0" sz="2400">
-                <a:solidFill>
-                  <a:srgbClr val="1A1A1A"/>
-                </a:solidFill>
-                <a:latin typeface="inter"/>
+              <a:rPr b="1" i="0" sz="3200">
+                <a:solidFill>
+                  <a:srgbClr val="A6825B"/>
+                </a:solidFill>
+                <a:latin typeface="Fraunces"/>
               </a:rPr>
-              <a:t>No Definite Volume</a:t>
-            </a:r>
-          </a:p>
-        </p:txBody>
-      </p:sp>
-      <p:sp>
-        <p:nvSpPr>
-          <p:cNvPr id="6" name="TextBox 5"/>
+              <a:t>02</a:t>
+            </a:r>
+          </a:p>
+        </p:txBody>
+      </p:sp>
+      <p:sp>
+        <p:nvSpPr>
+          <p:cNvPr id="9" name="TextBox 8"/>
           <p:cNvSpPr txBox="1"/>
           <p:nvPr/>
         </p:nvSpPr>
         <p:spPr>
           <a:xfrm>
-            <a:off x="1320800" y="5803900"/>
-            <a:ext cx="3949700" cy="1905000"/>
+            <a:off x="6197600" y="4864100"/>
+            <a:ext cx="3886200" cy="406400"/>
           </a:xfrm>
           <a:prstGeom prst="rect">
             <a:avLst/>
@@ -5426,43 +5446,85 @@
           <a:lstStyle/>
           <a:p>
             <a:pPr algn="l">
-              <a:defRPr b="0" i="0" sz="2000">
-                <a:solidFill>
-                  <a:srgbClr val="333333"/>
-                </a:solidFill>
-                <a:latin typeface="inter"/>
+              <a:defRPr b="1" i="0" sz="2400">
+                <a:solidFill>
+                  <a:srgbClr val="484237"/>
+                </a:solidFill>
+                <a:latin typeface="Fraunces"/>
               </a:defRPr>
             </a:pPr>
             <a:r>
+              <a:rPr b="1" i="0" sz="2400">
+                <a:solidFill>
+                  <a:srgbClr val="484237"/>
+                </a:solidFill>
+                <a:latin typeface="Fraunces"/>
+              </a:rPr>
+              <a:t>Compressible</a:t>
+            </a:r>
+          </a:p>
+        </p:txBody>
+      </p:sp>
+      <p:sp>
+        <p:nvSpPr>
+          <p:cNvPr id="10" name="TextBox 9"/>
+          <p:cNvSpPr txBox="1"/>
+          <p:nvPr/>
+        </p:nvSpPr>
+        <p:spPr>
+          <a:xfrm>
+            <a:off x="6197600" y="5473700"/>
+            <a:ext cx="3886200" cy="1143000"/>
+          </a:xfrm>
+          <a:prstGeom prst="rect">
+            <a:avLst/>
+          </a:prstGeom>
+          <a:noFill/>
+        </p:spPr>
+        <p:txBody>
+          <a:bodyPr wrap="square" lIns="0" rIns="0" tIns="0" bIns="0">
+            <a:spAutoFit/>
+          </a:bodyPr>
+          <a:lstStyle/>
+          <a:p>
+            <a:pPr algn="l">
+              <a:defRPr b="0" i="0" sz="2000">
+                <a:solidFill>
+                  <a:srgbClr val="595F6C"/>
+                </a:solidFill>
+                <a:latin typeface="Fraunces"/>
+              </a:defRPr>
+            </a:pPr>
+            <a:r>
               <a:rPr b="0" i="0" sz="2000">
                 <a:solidFill>
-                  <a:srgbClr val="333333"/>
-                </a:solidFill>
-                <a:latin typeface="inter"/>
+                  <a:srgbClr val="595F6C"/>
+                </a:solidFill>
+                <a:latin typeface="Fraunces"/>
               </a:rPr>
-              <a:t>Gases lack a definite shape or volume, expanding to fill any available space due to the weak intermolecular forces between particles.</a:t>
-            </a:r>
-          </a:p>
-        </p:txBody>
-      </p:sp>
-      <p:sp>
-        <p:nvSpPr>
-          <p:cNvPr id="7" name="Rounded Rectangle 6"/>
+              <a:t>Gases are easily compressed because their particles are far apart and move rapidly.</a:t>
+            </a:r>
+          </a:p>
+        </p:txBody>
+      </p:sp>
+      <p:sp>
+        <p:nvSpPr>
+          <p:cNvPr id="11" name="Rounded Rectangle 10"/>
           <p:cNvSpPr/>
           <p:nvPr/>
         </p:nvSpPr>
         <p:spPr>
           <a:xfrm>
-            <a:off x="5854700" y="2552700"/>
-            <a:ext cx="4533900" cy="5461000"/>
+            <a:off x="10769600" y="3848100"/>
+            <a:ext cx="4470400" cy="3073400"/>
           </a:xfrm>
           <a:prstGeom prst="roundRect">
             <a:avLst>
-              <a:gd name="adj" fmla="val 2240"/>
+              <a:gd name="adj" fmla="val 3305"/>
             </a:avLst>
           </a:prstGeom>
           <a:solidFill>
-            <a:srgbClr val="FFFFFF"/>
+            <a:srgbClr val="EEE9DD"/>
           </a:solidFill>
           <a:ln>
             <a:noFill/>
@@ -5497,40 +5559,16 @@
           </a:p>
         </p:txBody>
       </p:sp>
-      <p:pic>
-        <p:nvPicPr>
-          <p:cNvPr id="8" name="Picture 7" descr="192a5dd9-71bd-4799-b687-ff6de0055017.png"/>
-          <p:cNvPicPr>
-            <a:picLocks noChangeAspect="1"/>
-          </p:cNvPicPr>
-          <p:nvPr/>
-        </p:nvPicPr>
-        <p:blipFill>
-          <a:blip r:embed="rId2"/>
-          <a:stretch>
-            <a:fillRect/>
-          </a:stretch>
-        </p:blipFill>
-        <p:spPr>
-          <a:xfrm>
-            <a:off x="5854700" y="2552700"/>
-            <a:ext cx="4533900" cy="2438400"/>
-          </a:xfrm>
-          <a:prstGeom prst="rect">
-            <a:avLst/>
-          </a:prstGeom>
-        </p:spPr>
-      </p:pic>
-      <p:sp>
-        <p:nvSpPr>
-          <p:cNvPr id="9" name="TextBox 8"/>
+      <p:sp>
+        <p:nvSpPr>
+          <p:cNvPr id="12" name="TextBox 11"/>
           <p:cNvSpPr txBox="1"/>
           <p:nvPr/>
         </p:nvSpPr>
         <p:spPr>
           <a:xfrm>
-            <a:off x="6159500" y="5295900"/>
-            <a:ext cx="3949700" cy="406400"/>
+            <a:off x="11074400" y="4152900"/>
+            <a:ext cx="3886200" cy="508000"/>
           </a:xfrm>
           <a:prstGeom prst="rect">
             <a:avLst/>
@@ -5544,35 +5582,35 @@
           <a:lstStyle/>
           <a:p>
             <a:pPr algn="l">
-              <a:defRPr b="1" i="0" sz="2400">
-                <a:solidFill>
-                  <a:srgbClr val="1A1A1A"/>
-                </a:solidFill>
-                <a:latin typeface="inter"/>
+              <a:defRPr b="1" i="0" sz="3200">
+                <a:solidFill>
+                  <a:srgbClr val="A6825B"/>
+                </a:solidFill>
+                <a:latin typeface="Fraunces"/>
               </a:defRPr>
             </a:pPr>
             <a:r>
-              <a:rPr b="1" i="0" sz="2400">
-                <a:solidFill>
-                  <a:srgbClr val="1A1A1A"/>
-                </a:solidFill>
-                <a:latin typeface="inter"/>
+              <a:rPr b="1" i="0" sz="3200">
+                <a:solidFill>
+                  <a:srgbClr val="A6825B"/>
+                </a:solidFill>
+                <a:latin typeface="Fraunces"/>
               </a:rPr>
-              <a:t>Rapid Movement</a:t>
-            </a:r>
-          </a:p>
-        </p:txBody>
-      </p:sp>
-      <p:sp>
-        <p:nvSpPr>
-          <p:cNvPr id="10" name="TextBox 9"/>
+              <a:t>03</a:t>
+            </a:r>
+          </a:p>
+        </p:txBody>
+      </p:sp>
+      <p:sp>
+        <p:nvSpPr>
+          <p:cNvPr id="13" name="TextBox 12"/>
           <p:cNvSpPr txBox="1"/>
           <p:nvPr/>
         </p:nvSpPr>
         <p:spPr>
           <a:xfrm>
-            <a:off x="6159500" y="5803900"/>
-            <a:ext cx="3949700" cy="1905000"/>
+            <a:off x="11074400" y="4864100"/>
+            <a:ext cx="3886200" cy="406400"/>
           </a:xfrm>
           <a:prstGeom prst="rect">
             <a:avLst/>
@@ -5586,43 +5624,153 @@
           <a:lstStyle/>
           <a:p>
             <a:pPr algn="l">
-              <a:defRPr b="0" i="0" sz="2000">
-                <a:solidFill>
-                  <a:srgbClr val="333333"/>
-                </a:solidFill>
-                <a:latin typeface="inter"/>
+              <a:defRPr b="1" i="0" sz="2400">
+                <a:solidFill>
+                  <a:srgbClr val="484237"/>
+                </a:solidFill>
+                <a:latin typeface="Fraunces"/>
               </a:defRPr>
             </a:pPr>
             <a:r>
+              <a:rPr b="1" i="0" sz="2400">
+                <a:solidFill>
+                  <a:srgbClr val="484237"/>
+                </a:solidFill>
+                <a:latin typeface="Fraunces"/>
+              </a:rPr>
+              <a:t>Rapid Movement</a:t>
+            </a:r>
+          </a:p>
+        </p:txBody>
+      </p:sp>
+      <p:sp>
+        <p:nvSpPr>
+          <p:cNvPr id="14" name="TextBox 13"/>
+          <p:cNvSpPr txBox="1"/>
+          <p:nvPr/>
+        </p:nvSpPr>
+        <p:spPr>
+          <a:xfrm>
+            <a:off x="11074400" y="5473700"/>
+            <a:ext cx="3886200" cy="1143000"/>
+          </a:xfrm>
+          <a:prstGeom prst="rect">
+            <a:avLst/>
+          </a:prstGeom>
+          <a:noFill/>
+        </p:spPr>
+        <p:txBody>
+          <a:bodyPr wrap="square" lIns="0" rIns="0" tIns="0" bIns="0">
+            <a:spAutoFit/>
+          </a:bodyPr>
+          <a:lstStyle/>
+          <a:p>
+            <a:pPr algn="l">
+              <a:defRPr b="0" i="0" sz="2000">
+                <a:solidFill>
+                  <a:srgbClr val="595F6C"/>
+                </a:solidFill>
+                <a:latin typeface="Fraunces"/>
+              </a:defRPr>
+            </a:pPr>
+            <a:r>
               <a:rPr b="0" i="0" sz="2000">
                 <a:solidFill>
-                  <a:srgbClr val="333333"/>
-                </a:solidFill>
-                <a:latin typeface="inter"/>
+                  <a:srgbClr val="595F6C"/>
+                </a:solidFill>
+                <a:latin typeface="Fraunces"/>
               </a:rPr>
-              <a:t>Gas particles move rapidly and randomly, with high kinetic energy, leading to frequent collisions and contributing to gas pressure.</a:t>
-            </a:r>
-          </a:p>
-        </p:txBody>
-      </p:sp>
-      <p:sp>
-        <p:nvSpPr>
-          <p:cNvPr id="11" name="Rounded Rectangle 10"/>
+              <a:t>Particles in gases are far apart and move rapidly, filling their container completely.</a:t>
+            </a:r>
+          </a:p>
+        </p:txBody>
+      </p:sp>
+    </p:spTree>
+  </p:cSld>
+  <p:clrMapOvr>
+    <a:masterClrMapping/>
+  </p:clrMapOvr>
+</p:sld>
+</file>
+
+<file path=ppt/slides/slide7.xml><?xml version="1.0" encoding="utf-8"?>
+<p:sld xmlns:a="http://schemas.openxmlformats.org/drawingml/2006/main" xmlns:p="http://schemas.openxmlformats.org/presentationml/2006/main" xmlns:r="http://schemas.openxmlformats.org/officeDocument/2006/relationships">
+  <p:cSld>
+    <p:bg>
+      <p:bgPr>
+        <a:solidFill>
+          <a:srgbClr val="F9F6F0"/>
+        </a:solidFill>
+        <a:effectLst/>
+      </p:bgPr>
+    </p:bg>
+    <p:spTree>
+      <p:nvGrpSpPr>
+        <p:cNvPr id="1" name=""/>
+        <p:cNvGrpSpPr/>
+        <p:nvPr/>
+      </p:nvGrpSpPr>
+      <p:grpSpPr/>
+      <p:sp>
+        <p:nvSpPr>
+          <p:cNvPr id="2" name="TextBox 1"/>
+          <p:cNvSpPr txBox="1"/>
+          <p:nvPr/>
+        </p:nvSpPr>
+        <p:spPr>
+          <a:xfrm>
+            <a:off x="1016000" y="2070100"/>
+            <a:ext cx="14249400" cy="609600"/>
+          </a:xfrm>
+          <a:prstGeom prst="rect">
+            <a:avLst/>
+          </a:prstGeom>
+          <a:noFill/>
+        </p:spPr>
+        <p:txBody>
+          <a:bodyPr wrap="square" lIns="0" rIns="0" tIns="0" bIns="0">
+            <a:spAutoFit/>
+          </a:bodyPr>
+          <a:lstStyle/>
+          <a:p>
+            <a:pPr algn="ctr">
+              <a:defRPr b="1" i="0" sz="4000">
+                <a:solidFill>
+                  <a:srgbClr val="484237"/>
+                </a:solidFill>
+                <a:latin typeface="Fraunces"/>
+              </a:defRPr>
+            </a:pPr>
+            <a:r>
+              <a:rPr b="1" i="0" sz="4000">
+                <a:solidFill>
+                  <a:srgbClr val="484237"/>
+                </a:solidFill>
+                <a:latin typeface="Fraunces"/>
+              </a:rPr>
+              <a:t>Changes of State</a:t>
+            </a:r>
+          </a:p>
+        </p:txBody>
+      </p:sp>
+      <p:sp>
+        <p:nvSpPr>
+          <p:cNvPr id="3" name="Rounded Rectangle 2"/>
           <p:cNvSpPr/>
           <p:nvPr/>
         </p:nvSpPr>
         <p:spPr>
           <a:xfrm>
-            <a:off x="10706100" y="2552700"/>
-            <a:ext cx="4533900" cy="5461000"/>
+            <a:off x="1016000" y="3695700"/>
+            <a:ext cx="4470400" cy="3378200"/>
           </a:xfrm>
           <a:prstGeom prst="roundRect">
             <a:avLst>
-              <a:gd name="adj" fmla="val 2240"/>
+              <a:gd name="adj" fmla="val 3007"/>
             </a:avLst>
           </a:prstGeom>
           <a:solidFill>
-            <a:srgbClr val="FFFFFF"/>
+            <a:srgbClr val="EEE9DD"/>
           </a:solidFill>
           <a:ln>
             <a:noFill/>
@@ -5657,208 +5805,30 @@
           </a:p>
         </p:txBody>
       </p:sp>
-      <p:pic>
-        <p:nvPicPr>
-          <p:cNvPr id="12" name="Picture 11" descr="192a5dd9-71bd-4799-b687-ff6de0055017.png"/>
-          <p:cNvPicPr>
-            <a:picLocks noChangeAspect="1"/>
-          </p:cNvPicPr>
-          <p:nvPr/>
-        </p:nvPicPr>
-        <p:blipFill>
-          <a:blip r:embed="rId2"/>
-          <a:stretch>
-            <a:fillRect/>
-          </a:stretch>
-        </p:blipFill>
-        <p:spPr>
-          <a:xfrm>
-            <a:off x="10706100" y="2552700"/>
-            <a:ext cx="4533900" cy="2438400"/>
-          </a:xfrm>
-          <a:prstGeom prst="rect">
+      <p:sp>
+        <p:nvSpPr>
+          <p:cNvPr id="4" name="Oval 3"/>
+          <p:cNvSpPr/>
+          <p:nvPr/>
+        </p:nvSpPr>
+        <p:spPr>
+          <a:xfrm>
+            <a:off x="1320800" y="4000500"/>
+            <a:ext cx="812800" cy="812800"/>
+          </a:xfrm>
+          <a:prstGeom prst="ellipse">
             <a:avLst/>
           </a:prstGeom>
-        </p:spPr>
-      </p:pic>
-      <p:sp>
-        <p:nvSpPr>
-          <p:cNvPr id="13" name="TextBox 12"/>
-          <p:cNvSpPr txBox="1"/>
-          <p:nvPr/>
-        </p:nvSpPr>
-        <p:spPr>
-          <a:xfrm>
-            <a:off x="11010900" y="5295900"/>
-            <a:ext cx="3949700" cy="406400"/>
-          </a:xfrm>
-          <a:prstGeom prst="rect">
-            <a:avLst/>
-          </a:prstGeom>
-          <a:noFill/>
-        </p:spPr>
-        <p:txBody>
-          <a:bodyPr wrap="square" lIns="0" rIns="0" tIns="0" bIns="0">
-            <a:spAutoFit/>
-          </a:bodyPr>
-          <a:lstStyle/>
-          <a:p>
-            <a:pPr algn="l">
-              <a:defRPr b="1" i="0" sz="2400">
-                <a:solidFill>
-                  <a:srgbClr val="1A1A1A"/>
-                </a:solidFill>
-                <a:latin typeface="inter"/>
-              </a:defRPr>
-            </a:pPr>
-            <a:r>
-              <a:rPr b="1" i="0" sz="2400">
-                <a:solidFill>
-                  <a:srgbClr val="1A1A1A"/>
-                </a:solidFill>
-                <a:latin typeface="inter"/>
-              </a:rPr>
-              <a:t>Easily Compressed</a:t>
-            </a:r>
-          </a:p>
-        </p:txBody>
-      </p:sp>
-      <p:sp>
-        <p:nvSpPr>
-          <p:cNvPr id="14" name="TextBox 13"/>
-          <p:cNvSpPr txBox="1"/>
-          <p:nvPr/>
-        </p:nvSpPr>
-        <p:spPr>
-          <a:xfrm>
-            <a:off x="11010900" y="5803900"/>
-            <a:ext cx="3949700" cy="1905000"/>
-          </a:xfrm>
-          <a:prstGeom prst="rect">
-            <a:avLst/>
-          </a:prstGeom>
-          <a:noFill/>
-        </p:spPr>
-        <p:txBody>
-          <a:bodyPr wrap="square" lIns="0" rIns="0" tIns="0" bIns="0">
-            <a:spAutoFit/>
-          </a:bodyPr>
-          <a:lstStyle/>
-          <a:p>
-            <a:pPr algn="l">
-              <a:defRPr b="0" i="0" sz="2000">
-                <a:solidFill>
-                  <a:srgbClr val="333333"/>
-                </a:solidFill>
-                <a:latin typeface="inter"/>
-              </a:defRPr>
-            </a:pPr>
-            <a:r>
-              <a:rPr b="0" i="0" sz="2000">
-                <a:solidFill>
-                  <a:srgbClr val="333333"/>
-                </a:solidFill>
-                <a:latin typeface="inter"/>
-              </a:rPr>
-              <a:t>Gases are easily compressed because their particles are far apart, allowing them to be pushed closer together with applied pressure.</a:t>
-            </a:r>
-          </a:p>
-        </p:txBody>
-      </p:sp>
-    </p:spTree>
-  </p:cSld>
-  <p:clrMapOvr>
-    <a:masterClrMapping/>
-  </p:clrMapOvr>
-</p:sld>
-</file>
-
-<file path=ppt/slides/slide7.xml><?xml version="1.0" encoding="utf-8"?>
-<p:sld xmlns:a="http://schemas.openxmlformats.org/drawingml/2006/main" xmlns:p="http://schemas.openxmlformats.org/presentationml/2006/main" xmlns:r="http://schemas.openxmlformats.org/officeDocument/2006/relationships">
-  <p:cSld>
-    <p:bg>
-      <p:bgPr>
-        <a:solidFill>
-          <a:srgbClr val="F2F2F2"/>
-        </a:solidFill>
-        <a:effectLst/>
-      </p:bgPr>
-    </p:bg>
-    <p:spTree>
-      <p:nvGrpSpPr>
-        <p:cNvPr id="1" name=""/>
-        <p:cNvGrpSpPr/>
-        <p:nvPr/>
-      </p:nvGrpSpPr>
-      <p:grpSpPr/>
-      <p:sp>
-        <p:nvSpPr>
-          <p:cNvPr id="2" name="TextBox 1"/>
-          <p:cNvSpPr txBox="1"/>
-          <p:nvPr/>
-        </p:nvSpPr>
-        <p:spPr>
-          <a:xfrm>
-            <a:off x="1016000" y="1295400"/>
-            <a:ext cx="14249400" cy="609600"/>
-          </a:xfrm>
-          <a:prstGeom prst="rect">
-            <a:avLst/>
-          </a:prstGeom>
-          <a:noFill/>
-        </p:spPr>
-        <p:txBody>
-          <a:bodyPr wrap="square" lIns="0" rIns="0" tIns="0" bIns="0">
-            <a:spAutoFit/>
-          </a:bodyPr>
-          <a:lstStyle/>
-          <a:p>
-            <a:pPr algn="ctr">
-              <a:defRPr b="1" i="0" sz="4000">
-                <a:solidFill>
-                  <a:srgbClr val="000000"/>
-                </a:solidFill>
-                <a:latin typeface="inter"/>
-              </a:defRPr>
-            </a:pPr>
-            <a:r>
-              <a:rPr b="1" i="0" sz="4000">
-                <a:solidFill>
-                  <a:srgbClr val="000000"/>
-                </a:solidFill>
-                <a:latin typeface="inter"/>
-              </a:rPr>
-              <a:t>Changes of State</a:t>
-            </a:r>
-          </a:p>
-        </p:txBody>
-      </p:sp>
-      <p:sp>
-        <p:nvSpPr>
-          <p:cNvPr id="3" name="Rounded Rectangle 2"/>
-          <p:cNvSpPr/>
-          <p:nvPr/>
-        </p:nvSpPr>
-        <p:spPr>
-          <a:xfrm>
-            <a:off x="1016000" y="2921000"/>
-            <a:ext cx="6908800" cy="2260600"/>
-          </a:xfrm>
-          <a:prstGeom prst="roundRect">
-            <a:avLst>
-              <a:gd name="adj" fmla="val 4494"/>
-            </a:avLst>
-          </a:prstGeom>
           <a:solidFill>
-            <a:srgbClr val="FFFFFF"/>
+            <a:srgbClr val="A6825B"/>
           </a:solidFill>
           <a:ln>
             <a:noFill/>
           </a:ln>
           <a:effectLst>
-            <a:outerShdw blurRad="127000" dir="90000" dist="25400" rotWithShape="0">
-              <a:srgbClr val="2b2b2b">
-                <a:alpha val="20000"/>
+            <a:outerShdw blurRad="0" dir="0" dist="0" rotWithShape="0">
+              <a:srgbClr val="000000">
+                <a:alpha val="0"/>
               </a:srgbClr>
             </a:outerShdw>
           </a:effectLst>
@@ -5885,16 +5855,40 @@
           </a:p>
         </p:txBody>
       </p:sp>
-      <p:sp>
-        <p:nvSpPr>
-          <p:cNvPr id="4" name="TextBox 3"/>
+      <p:pic>
+        <p:nvPicPr>
+          <p:cNvPr id="5" name="Picture 4" descr="26e34e5a-aa20-4324-9f62-3912bb528dc7.png"/>
+          <p:cNvPicPr>
+            <a:picLocks noChangeAspect="1"/>
+          </p:cNvPicPr>
+          <p:nvPr/>
+        </p:nvPicPr>
+        <p:blipFill>
+          <a:blip r:embed="rId2"/>
+          <a:stretch>
+            <a:fillRect/>
+          </a:stretch>
+        </p:blipFill>
+        <p:spPr>
+          <a:xfrm>
+            <a:off x="1524000" y="4203700"/>
+            <a:ext cx="406400" cy="406400"/>
+          </a:xfrm>
+          <a:prstGeom prst="rect">
+            <a:avLst/>
+          </a:prstGeom>
+        </p:spPr>
+      </p:pic>
+      <p:sp>
+        <p:nvSpPr>
+          <p:cNvPr id="6" name="TextBox 5"/>
           <p:cNvSpPr txBox="1"/>
           <p:nvPr/>
         </p:nvSpPr>
         <p:spPr>
           <a:xfrm>
-            <a:off x="1320800" y="3225800"/>
-            <a:ext cx="533400" cy="1447800"/>
+            <a:off x="1320800" y="5016500"/>
+            <a:ext cx="3886200" cy="406400"/>
           </a:xfrm>
           <a:prstGeom prst="rect">
             <a:avLst/>
@@ -5908,35 +5902,35 @@
           <a:lstStyle/>
           <a:p>
             <a:pPr algn="l">
-              <a:defRPr b="1" i="0" sz="3200">
-                <a:solidFill>
-                  <a:srgbClr val="1F1F2D"/>
-                </a:solidFill>
-                <a:latin typeface="inter"/>
+              <a:defRPr b="1" i="0" sz="2400">
+                <a:solidFill>
+                  <a:srgbClr val="484237"/>
+                </a:solidFill>
+                <a:latin typeface="Fraunces"/>
               </a:defRPr>
             </a:pPr>
             <a:r>
-              <a:rPr b="1" i="0" sz="3200">
-                <a:solidFill>
-                  <a:srgbClr val="1F1F2D"/>
-                </a:solidFill>
-                <a:latin typeface="inter"/>
+              <a:rPr b="1" i="0" sz="2400">
+                <a:solidFill>
+                  <a:srgbClr val="484237"/>
+                </a:solidFill>
+                <a:latin typeface="Fraunces"/>
               </a:rPr>
-              <a:t>01</a:t>
-            </a:r>
-          </a:p>
-        </p:txBody>
-      </p:sp>
-      <p:sp>
-        <p:nvSpPr>
-          <p:cNvPr id="5" name="TextBox 4"/>
+              <a:t>Melting</a:t>
+            </a:r>
+          </a:p>
+        </p:txBody>
+      </p:sp>
+      <p:sp>
+        <p:nvSpPr>
+          <p:cNvPr id="7" name="TextBox 6"/>
           <p:cNvSpPr txBox="1"/>
           <p:nvPr/>
         </p:nvSpPr>
         <p:spPr>
           <a:xfrm>
-            <a:off x="1981200" y="3225800"/>
-            <a:ext cx="5664200" cy="406400"/>
+            <a:off x="1320800" y="5626100"/>
+            <a:ext cx="3886200" cy="1143000"/>
           </a:xfrm>
           <a:prstGeom prst="rect">
             <a:avLst/>
@@ -5950,85 +5944,43 @@
           <a:lstStyle/>
           <a:p>
             <a:pPr algn="l">
-              <a:defRPr b="1" i="0" sz="2400">
-                <a:solidFill>
-                  <a:srgbClr val="1A1A1A"/>
-                </a:solidFill>
-                <a:latin typeface="inter"/>
+              <a:defRPr b="0" i="0" sz="2000">
+                <a:solidFill>
+                  <a:srgbClr val="595F6C"/>
+                </a:solidFill>
+                <a:latin typeface="Fraunces"/>
               </a:defRPr>
             </a:pPr>
             <a:r>
-              <a:rPr b="1" i="0" sz="2400">
-                <a:solidFill>
-                  <a:srgbClr val="1A1A1A"/>
-                </a:solidFill>
-                <a:latin typeface="inter"/>
+              <a:rPr b="0" i="0" sz="2000">
+                <a:solidFill>
+                  <a:srgbClr val="595F6C"/>
+                </a:solidFill>
+                <a:latin typeface="Fraunces"/>
               </a:rPr>
-              <a:t>Melting</a:t>
-            </a:r>
-          </a:p>
-        </p:txBody>
-      </p:sp>
-      <p:sp>
-        <p:nvSpPr>
-          <p:cNvPr id="6" name="TextBox 5"/>
-          <p:cNvSpPr txBox="1"/>
-          <p:nvPr/>
-        </p:nvSpPr>
-        <p:spPr>
-          <a:xfrm>
-            <a:off x="1981200" y="3733800"/>
-            <a:ext cx="5664200" cy="1143000"/>
-          </a:xfrm>
-          <a:prstGeom prst="rect">
-            <a:avLst/>
-          </a:prstGeom>
-          <a:noFill/>
-        </p:spPr>
-        <p:txBody>
-          <a:bodyPr wrap="square" lIns="0" rIns="0" tIns="0" bIns="0">
-            <a:spAutoFit/>
-          </a:bodyPr>
-          <a:lstStyle/>
-          <a:p>
-            <a:pPr algn="l">
-              <a:defRPr b="0" i="0" sz="2000">
-                <a:solidFill>
-                  <a:srgbClr val="333333"/>
-                </a:solidFill>
-                <a:latin typeface="inter"/>
-              </a:defRPr>
-            </a:pPr>
-            <a:r>
-              <a:rPr b="0" i="0" sz="2000">
-                <a:solidFill>
-                  <a:srgbClr val="333333"/>
-                </a:solidFill>
-                <a:latin typeface="inter"/>
-              </a:rPr>
-              <a:t>Melting is the phase transition from solid to liquid, occurring when a substance absorbs enough heat to overcome intermolecular forces.</a:t>
-            </a:r>
-          </a:p>
-        </p:txBody>
-      </p:sp>
-      <p:sp>
-        <p:nvSpPr>
-          <p:cNvPr id="7" name="Rounded Rectangle 6"/>
+              <a:t>Melting is the change from solid to liquid due to increased temperature.</a:t>
+            </a:r>
+          </a:p>
+        </p:txBody>
+      </p:sp>
+      <p:sp>
+        <p:nvSpPr>
+          <p:cNvPr id="8" name="Rounded Rectangle 7"/>
           <p:cNvSpPr/>
           <p:nvPr/>
         </p:nvSpPr>
         <p:spPr>
           <a:xfrm>
-            <a:off x="8331200" y="2921000"/>
-            <a:ext cx="6908800" cy="2260600"/>
+            <a:off x="5892800" y="3695700"/>
+            <a:ext cx="4470400" cy="3378200"/>
           </a:xfrm>
           <a:prstGeom prst="roundRect">
             <a:avLst>
-              <a:gd name="adj" fmla="val 4494"/>
+              <a:gd name="adj" fmla="val 3007"/>
             </a:avLst>
           </a:prstGeom>
           <a:solidFill>
-            <a:srgbClr val="FFFFFF"/>
+            <a:srgbClr val="EEE9DD"/>
           </a:solidFill>
           <a:ln>
             <a:noFill/>
@@ -6065,156 +6017,28 @@
       </p:sp>
       <p:sp>
         <p:nvSpPr>
-          <p:cNvPr id="8" name="TextBox 7"/>
-          <p:cNvSpPr txBox="1"/>
-          <p:nvPr/>
-        </p:nvSpPr>
-        <p:spPr>
-          <a:xfrm>
-            <a:off x="8636000" y="3225800"/>
-            <a:ext cx="622300" cy="1447800"/>
-          </a:xfrm>
-          <a:prstGeom prst="rect">
+          <p:cNvPr id="9" name="Oval 8"/>
+          <p:cNvSpPr/>
+          <p:nvPr/>
+        </p:nvSpPr>
+        <p:spPr>
+          <a:xfrm>
+            <a:off x="6197600" y="4000500"/>
+            <a:ext cx="812800" cy="812800"/>
+          </a:xfrm>
+          <a:prstGeom prst="ellipse">
             <a:avLst/>
           </a:prstGeom>
-          <a:noFill/>
-        </p:spPr>
-        <p:txBody>
-          <a:bodyPr wrap="square" lIns="0" rIns="0" tIns="0" bIns="0">
-            <a:spAutoFit/>
-          </a:bodyPr>
-          <a:lstStyle/>
-          <a:p>
-            <a:pPr algn="l">
-              <a:defRPr b="1" i="0" sz="3200">
-                <a:solidFill>
-                  <a:srgbClr val="1F1F2D"/>
-                </a:solidFill>
-                <a:latin typeface="inter"/>
-              </a:defRPr>
-            </a:pPr>
-            <a:r>
-              <a:rPr b="1" i="0" sz="3200">
-                <a:solidFill>
-                  <a:srgbClr val="1F1F2D"/>
-                </a:solidFill>
-                <a:latin typeface="inter"/>
-              </a:rPr>
-              <a:t>02</a:t>
-            </a:r>
-          </a:p>
-        </p:txBody>
-      </p:sp>
-      <p:sp>
-        <p:nvSpPr>
-          <p:cNvPr id="9" name="TextBox 8"/>
-          <p:cNvSpPr txBox="1"/>
-          <p:nvPr/>
-        </p:nvSpPr>
-        <p:spPr>
-          <a:xfrm>
-            <a:off x="9385300" y="3225800"/>
-            <a:ext cx="5575300" cy="406400"/>
-          </a:xfrm>
-          <a:prstGeom prst="rect">
-            <a:avLst/>
-          </a:prstGeom>
-          <a:noFill/>
-        </p:spPr>
-        <p:txBody>
-          <a:bodyPr wrap="square" lIns="0" rIns="0" tIns="0" bIns="0">
-            <a:spAutoFit/>
-          </a:bodyPr>
-          <a:lstStyle/>
-          <a:p>
-            <a:pPr algn="l">
-              <a:defRPr b="1" i="0" sz="2400">
-                <a:solidFill>
-                  <a:srgbClr val="1A1A1A"/>
-                </a:solidFill>
-                <a:latin typeface="inter"/>
-              </a:defRPr>
-            </a:pPr>
-            <a:r>
-              <a:rPr b="1" i="0" sz="2400">
-                <a:solidFill>
-                  <a:srgbClr val="1A1A1A"/>
-                </a:solidFill>
-                <a:latin typeface="inter"/>
-              </a:rPr>
-              <a:t>Boiling</a:t>
-            </a:r>
-          </a:p>
-        </p:txBody>
-      </p:sp>
-      <p:sp>
-        <p:nvSpPr>
-          <p:cNvPr id="10" name="TextBox 9"/>
-          <p:cNvSpPr txBox="1"/>
-          <p:nvPr/>
-        </p:nvSpPr>
-        <p:spPr>
-          <a:xfrm>
-            <a:off x="9385300" y="3733800"/>
-            <a:ext cx="5575300" cy="1143000"/>
-          </a:xfrm>
-          <a:prstGeom prst="rect">
-            <a:avLst/>
-          </a:prstGeom>
-          <a:noFill/>
-        </p:spPr>
-        <p:txBody>
-          <a:bodyPr wrap="square" lIns="0" rIns="0" tIns="0" bIns="0">
-            <a:spAutoFit/>
-          </a:bodyPr>
-          <a:lstStyle/>
-          <a:p>
-            <a:pPr algn="l">
-              <a:defRPr b="0" i="0" sz="2000">
-                <a:solidFill>
-                  <a:srgbClr val="333333"/>
-                </a:solidFill>
-                <a:latin typeface="inter"/>
-              </a:defRPr>
-            </a:pPr>
-            <a:r>
-              <a:rPr b="0" i="0" sz="2000">
-                <a:solidFill>
-                  <a:srgbClr val="333333"/>
-                </a:solidFill>
-                <a:latin typeface="inter"/>
-              </a:rPr>
-              <a:t>Boiling is the phase transition from liquid to gas, characterized by rapid vaporization throughout the liquid at the boiling point.</a:t>
-            </a:r>
-          </a:p>
-        </p:txBody>
-      </p:sp>
-      <p:sp>
-        <p:nvSpPr>
-          <p:cNvPr id="11" name="Rounded Rectangle 10"/>
-          <p:cNvSpPr/>
-          <p:nvPr/>
-        </p:nvSpPr>
-        <p:spPr>
-          <a:xfrm>
-            <a:off x="1016000" y="5588000"/>
-            <a:ext cx="6908800" cy="2260600"/>
-          </a:xfrm>
-          <a:prstGeom prst="roundRect">
-            <a:avLst>
-              <a:gd name="adj" fmla="val 4494"/>
-            </a:avLst>
-          </a:prstGeom>
           <a:solidFill>
-            <a:srgbClr val="FFFFFF"/>
+            <a:srgbClr val="A6825B"/>
           </a:solidFill>
           <a:ln>
             <a:noFill/>
           </a:ln>
           <a:effectLst>
-            <a:outerShdw blurRad="127000" dir="90000" dist="25400" rotWithShape="0">
-              <a:srgbClr val="2b2b2b">
-                <a:alpha val="20000"/>
+            <a:outerShdw blurRad="0" dir="0" dist="0" rotWithShape="0">
+              <a:srgbClr val="000000">
+                <a:alpha val="0"/>
               </a:srgbClr>
             </a:outerShdw>
           </a:effectLst>
@@ -6241,16 +6065,40 @@
           </a:p>
         </p:txBody>
       </p:sp>
-      <p:sp>
-        <p:nvSpPr>
-          <p:cNvPr id="12" name="TextBox 11"/>
+      <p:pic>
+        <p:nvPicPr>
+          <p:cNvPr id="10" name="Picture 9" descr="26e34e5a-aa20-4324-9f62-3912bb528dc7.png"/>
+          <p:cNvPicPr>
+            <a:picLocks noChangeAspect="1"/>
+          </p:cNvPicPr>
+          <p:nvPr/>
+        </p:nvPicPr>
+        <p:blipFill>
+          <a:blip r:embed="rId2"/>
+          <a:stretch>
+            <a:fillRect/>
+          </a:stretch>
+        </p:blipFill>
+        <p:spPr>
+          <a:xfrm>
+            <a:off x="6400800" y="4203700"/>
+            <a:ext cx="406400" cy="406400"/>
+          </a:xfrm>
+          <a:prstGeom prst="rect">
+            <a:avLst/>
+          </a:prstGeom>
+        </p:spPr>
+      </p:pic>
+      <p:sp>
+        <p:nvSpPr>
+          <p:cNvPr id="11" name="TextBox 10"/>
           <p:cNvSpPr txBox="1"/>
           <p:nvPr/>
         </p:nvSpPr>
         <p:spPr>
           <a:xfrm>
-            <a:off x="1320800" y="5892800"/>
-            <a:ext cx="622300" cy="1447800"/>
+            <a:off x="6197600" y="5016500"/>
+            <a:ext cx="3886200" cy="406400"/>
           </a:xfrm>
           <a:prstGeom prst="rect">
             <a:avLst/>
@@ -6264,35 +6112,35 @@
           <a:lstStyle/>
           <a:p>
             <a:pPr algn="l">
-              <a:defRPr b="1" i="0" sz="3200">
-                <a:solidFill>
-                  <a:srgbClr val="1F1F2D"/>
-                </a:solidFill>
-                <a:latin typeface="inter"/>
+              <a:defRPr b="1" i="0" sz="2400">
+                <a:solidFill>
+                  <a:srgbClr val="484237"/>
+                </a:solidFill>
+                <a:latin typeface="Fraunces"/>
               </a:defRPr>
             </a:pPr>
             <a:r>
-              <a:rPr b="1" i="0" sz="3200">
-                <a:solidFill>
-                  <a:srgbClr val="1F1F2D"/>
-                </a:solidFill>
-                <a:latin typeface="inter"/>
+              <a:rPr b="1" i="0" sz="2400">
+                <a:solidFill>
+                  <a:srgbClr val="484237"/>
+                </a:solidFill>
+                <a:latin typeface="Fraunces"/>
               </a:rPr>
-              <a:t>03</a:t>
-            </a:r>
-          </a:p>
-        </p:txBody>
-      </p:sp>
-      <p:sp>
-        <p:nvSpPr>
-          <p:cNvPr id="13" name="TextBox 12"/>
+              <a:t>Freezing</a:t>
+            </a:r>
+          </a:p>
+        </p:txBody>
+      </p:sp>
+      <p:sp>
+        <p:nvSpPr>
+          <p:cNvPr id="12" name="TextBox 11"/>
           <p:cNvSpPr txBox="1"/>
           <p:nvPr/>
         </p:nvSpPr>
         <p:spPr>
           <a:xfrm>
-            <a:off x="2070100" y="5892800"/>
-            <a:ext cx="5575300" cy="406400"/>
+            <a:off x="6197600" y="5626100"/>
+            <a:ext cx="3886200" cy="1143000"/>
           </a:xfrm>
           <a:prstGeom prst="rect">
             <a:avLst/>
@@ -6306,85 +6154,43 @@
           <a:lstStyle/>
           <a:p>
             <a:pPr algn="l">
-              <a:defRPr b="1" i="0" sz="2400">
-                <a:solidFill>
-                  <a:srgbClr val="1A1A1A"/>
-                </a:solidFill>
-                <a:latin typeface="inter"/>
+              <a:defRPr b="0" i="0" sz="2000">
+                <a:solidFill>
+                  <a:srgbClr val="595F6C"/>
+                </a:solidFill>
+                <a:latin typeface="Fraunces"/>
               </a:defRPr>
             </a:pPr>
             <a:r>
-              <a:rPr b="1" i="0" sz="2400">
-                <a:solidFill>
-                  <a:srgbClr val="1A1A1A"/>
-                </a:solidFill>
-                <a:latin typeface="inter"/>
+              <a:rPr b="0" i="0" sz="2000">
+                <a:solidFill>
+                  <a:srgbClr val="595F6C"/>
+                </a:solidFill>
+                <a:latin typeface="Fraunces"/>
               </a:rPr>
-              <a:t>Sublimation</a:t>
-            </a:r>
-          </a:p>
-        </p:txBody>
-      </p:sp>
-      <p:sp>
-        <p:nvSpPr>
-          <p:cNvPr id="14" name="TextBox 13"/>
-          <p:cNvSpPr txBox="1"/>
-          <p:nvPr/>
-        </p:nvSpPr>
-        <p:spPr>
-          <a:xfrm>
-            <a:off x="2070100" y="6400800"/>
-            <a:ext cx="5575300" cy="1143000"/>
-          </a:xfrm>
-          <a:prstGeom prst="rect">
-            <a:avLst/>
-          </a:prstGeom>
-          <a:noFill/>
-        </p:spPr>
-        <p:txBody>
-          <a:bodyPr wrap="square" lIns="0" rIns="0" tIns="0" bIns="0">
-            <a:spAutoFit/>
-          </a:bodyPr>
-          <a:lstStyle/>
-          <a:p>
-            <a:pPr algn="l">
-              <a:defRPr b="0" i="0" sz="2000">
-                <a:solidFill>
-                  <a:srgbClr val="333333"/>
-                </a:solidFill>
-                <a:latin typeface="inter"/>
-              </a:defRPr>
-            </a:pPr>
-            <a:r>
-              <a:rPr b="0" i="0" sz="2000">
-                <a:solidFill>
-                  <a:srgbClr val="333333"/>
-                </a:solidFill>
-                <a:latin typeface="inter"/>
-              </a:rPr>
-              <a:t>Sublimation is the direct transition from solid to gas, bypassing the liquid phase, as seen with dry ice at room temperature.</a:t>
-            </a:r>
-          </a:p>
-        </p:txBody>
-      </p:sp>
-      <p:sp>
-        <p:nvSpPr>
-          <p:cNvPr id="15" name="Rounded Rectangle 14"/>
+              <a:t>Freezing is the change from liquid to solid due to decreased temperature.</a:t>
+            </a:r>
+          </a:p>
+        </p:txBody>
+      </p:sp>
+      <p:sp>
+        <p:nvSpPr>
+          <p:cNvPr id="13" name="Rounded Rectangle 12"/>
           <p:cNvSpPr/>
           <p:nvPr/>
         </p:nvSpPr>
         <p:spPr>
           <a:xfrm>
-            <a:off x="8331200" y="5588000"/>
-            <a:ext cx="6908800" cy="2260600"/>
+            <a:off x="10769600" y="3695700"/>
+            <a:ext cx="4470400" cy="3378200"/>
           </a:xfrm>
           <a:prstGeom prst="roundRect">
             <a:avLst>
-              <a:gd name="adj" fmla="val 4494"/>
+              <a:gd name="adj" fmla="val 3007"/>
             </a:avLst>
           </a:prstGeom>
           <a:solidFill>
-            <a:srgbClr val="FFFFFF"/>
+            <a:srgbClr val="EEE9DD"/>
           </a:solidFill>
           <a:ln>
             <a:noFill/>
@@ -6421,14 +6227,88 @@
       </p:sp>
       <p:sp>
         <p:nvSpPr>
+          <p:cNvPr id="14" name="Oval 13"/>
+          <p:cNvSpPr/>
+          <p:nvPr/>
+        </p:nvSpPr>
+        <p:spPr>
+          <a:xfrm>
+            <a:off x="11074400" y="4000500"/>
+            <a:ext cx="812800" cy="812800"/>
+          </a:xfrm>
+          <a:prstGeom prst="ellipse">
+            <a:avLst/>
+          </a:prstGeom>
+          <a:solidFill>
+            <a:srgbClr val="A6825B"/>
+          </a:solidFill>
+          <a:ln>
+            <a:noFill/>
+          </a:ln>
+          <a:effectLst>
+            <a:outerShdw blurRad="0" dir="0" dist="0" rotWithShape="0">
+              <a:srgbClr val="000000">
+                <a:alpha val="0"/>
+              </a:srgbClr>
+            </a:outerShdw>
+          </a:effectLst>
+        </p:spPr>
+        <p:style>
+          <a:lnRef idx="1">
+            <a:schemeClr val="accent1"/>
+          </a:lnRef>
+          <a:fillRef idx="3">
+            <a:schemeClr val="accent1"/>
+          </a:fillRef>
+          <a:effectRef idx="2">
+            <a:schemeClr val="accent1"/>
+          </a:effectRef>
+          <a:fontRef idx="minor">
+            <a:schemeClr val="lt1"/>
+          </a:fontRef>
+        </p:style>
+        <p:txBody>
+          <a:bodyPr rtlCol="0" anchor="ctr" wrap="square" lIns="0" rIns="0" tIns="0" bIns="0"/>
+          <a:lstStyle/>
+          <a:p>
+            <a:pPr algn="ctr"/>
+          </a:p>
+        </p:txBody>
+      </p:sp>
+      <p:pic>
+        <p:nvPicPr>
+          <p:cNvPr id="15" name="Picture 14" descr="22bff327-7212-4cb0-ad9b-9c55f3ea8e5e.png"/>
+          <p:cNvPicPr>
+            <a:picLocks noChangeAspect="1"/>
+          </p:cNvPicPr>
+          <p:nvPr/>
+        </p:nvPicPr>
+        <p:blipFill>
+          <a:blip r:embed="rId3"/>
+          <a:stretch>
+            <a:fillRect/>
+          </a:stretch>
+        </p:blipFill>
+        <p:spPr>
+          <a:xfrm>
+            <a:off x="11277600" y="4203700"/>
+            <a:ext cx="406400" cy="406400"/>
+          </a:xfrm>
+          <a:prstGeom prst="rect">
+            <a:avLst/>
+          </a:prstGeom>
+        </p:spPr>
+      </p:pic>
+      <p:sp>
+        <p:nvSpPr>
           <p:cNvPr id="16" name="TextBox 15"/>
           <p:cNvSpPr txBox="1"/>
           <p:nvPr/>
         </p:nvSpPr>
         <p:spPr>
           <a:xfrm>
-            <a:off x="8636000" y="5892800"/>
-            <a:ext cx="635000" cy="1447800"/>
+            <a:off x="11074400" y="5016500"/>
+            <a:ext cx="3886200" cy="406400"/>
           </a:xfrm>
           <a:prstGeom prst="rect">
             <a:avLst/>
@@ -6442,21 +6322,21 @@
           <a:lstStyle/>
           <a:p>
             <a:pPr algn="l">
-              <a:defRPr b="1" i="0" sz="3200">
-                <a:solidFill>
-                  <a:srgbClr val="1F1F2D"/>
-                </a:solidFill>
-                <a:latin typeface="inter"/>
+              <a:defRPr b="1" i="0" sz="2400">
+                <a:solidFill>
+                  <a:srgbClr val="484237"/>
+                </a:solidFill>
+                <a:latin typeface="Fraunces"/>
               </a:defRPr>
             </a:pPr>
             <a:r>
-              <a:rPr b="1" i="0" sz="3200">
-                <a:solidFill>
-                  <a:srgbClr val="1F1F2D"/>
-                </a:solidFill>
-                <a:latin typeface="inter"/>
+              <a:rPr b="1" i="0" sz="2400">
+                <a:solidFill>
+                  <a:srgbClr val="484237"/>
+                </a:solidFill>
+                <a:latin typeface="Fraunces"/>
               </a:rPr>
-              <a:t>04</a:t>
+              <a:t>Boiling</a:t>
             </a:r>
           </a:p>
         </p:txBody>
@@ -6469,8 +6349,8 @@
         </p:nvSpPr>
         <p:spPr>
           <a:xfrm>
-            <a:off x="9398000" y="5892800"/>
-            <a:ext cx="5562600" cy="406400"/>
+            <a:off x="11074400" y="5626100"/>
+            <a:ext cx="3886200" cy="1143000"/>
           </a:xfrm>
           <a:prstGeom prst="rect">
             <a:avLst/>
@@ -6484,63 +6364,21 @@
           <a:lstStyle/>
           <a:p>
             <a:pPr algn="l">
-              <a:defRPr b="1" i="0" sz="2400">
-                <a:solidFill>
-                  <a:srgbClr val="1A1A1A"/>
-                </a:solidFill>
-                <a:latin typeface="inter"/>
+              <a:defRPr b="0" i="0" sz="2000">
+                <a:solidFill>
+                  <a:srgbClr val="595F6C"/>
+                </a:solidFill>
+                <a:latin typeface="Fraunces"/>
               </a:defRPr>
             </a:pPr>
             <a:r>
-              <a:rPr b="1" i="0" sz="2400">
-                <a:solidFill>
-                  <a:srgbClr val="1A1A1A"/>
-                </a:solidFill>
-                <a:latin typeface="inter"/>
+              <a:rPr b="0" i="0" sz="2000">
+                <a:solidFill>
+                  <a:srgbClr val="595F6C"/>
+                </a:solidFill>
+                <a:latin typeface="Fraunces"/>
               </a:rPr>
-              <a:t>Condensation</a:t>
-            </a:r>
-          </a:p>
-        </p:txBody>
-      </p:sp>
-      <p:sp>
-        <p:nvSpPr>
-          <p:cNvPr id="18" name="TextBox 17"/>
-          <p:cNvSpPr txBox="1"/>
-          <p:nvPr/>
-        </p:nvSpPr>
-        <p:spPr>
-          <a:xfrm>
-            <a:off x="9398000" y="6400800"/>
-            <a:ext cx="5562600" cy="1143000"/>
-          </a:xfrm>
-          <a:prstGeom prst="rect">
-            <a:avLst/>
-          </a:prstGeom>
-          <a:noFill/>
-        </p:spPr>
-        <p:txBody>
-          <a:bodyPr wrap="square" lIns="0" rIns="0" tIns="0" bIns="0">
-            <a:spAutoFit/>
-          </a:bodyPr>
-          <a:lstStyle/>
-          <a:p>
-            <a:pPr algn="l">
-              <a:defRPr b="0" i="0" sz="2000">
-                <a:solidFill>
-                  <a:srgbClr val="333333"/>
-                </a:solidFill>
-                <a:latin typeface="inter"/>
-              </a:defRPr>
-            </a:pPr>
-            <a:r>
-              <a:rPr b="0" i="0" sz="2000">
-                <a:solidFill>
-                  <a:srgbClr val="333333"/>
-                </a:solidFill>
-                <a:latin typeface="inter"/>
-              </a:rPr>
-              <a:t>Condensation is the phase transition from gas to liquid, typically occurring when a gas is cooled to its dew point temperature.</a:t>
+              <a:t>Boiling is the change from liquid to gas due to increased temperature.</a:t>
             </a:r>
           </a:p>
         </p:txBody>
@@ -6559,7 +6397,7 @@
     <p:bg>
       <p:bgPr>
         <a:solidFill>
-          <a:srgbClr val="F2F2F2"/>
+          <a:srgbClr val="F9F6F0"/>
         </a:solidFill>
         <a:effectLst/>
       </p:bgPr>
@@ -6579,8 +6417,8 @@
         </p:nvSpPr>
         <p:spPr>
           <a:xfrm>
-            <a:off x="1016000" y="3492500"/>
-            <a:ext cx="7035800" cy="609600"/>
+            <a:off x="6413500" y="1473200"/>
+            <a:ext cx="3467100" cy="609600"/>
           </a:xfrm>
           <a:prstGeom prst="rect">
             <a:avLst/>
@@ -6596,33 +6434,57 @@
             <a:pPr algn="l">
               <a:defRPr b="1" i="0" sz="4000">
                 <a:solidFill>
-                  <a:srgbClr val="000000"/>
-                </a:solidFill>
-                <a:latin typeface="inter"/>
+                  <a:srgbClr val="484237"/>
+                </a:solidFill>
+                <a:latin typeface="Fraunces"/>
               </a:defRPr>
             </a:pPr>
             <a:r>
               <a:rPr b="1" i="0" sz="4000">
                 <a:solidFill>
-                  <a:srgbClr val="000000"/>
-                </a:solidFill>
-                <a:latin typeface="inter"/>
+                  <a:srgbClr val="484237"/>
+                </a:solidFill>
+                <a:latin typeface="Fraunces"/>
               </a:rPr>
-              <a:t>A Closer Look at Gases</a:t>
-            </a:r>
-          </a:p>
-        </p:txBody>
-      </p:sp>
-      <p:sp>
-        <p:nvSpPr>
-          <p:cNvPr id="3" name="TextBox 2"/>
+              <a:t>Heating Curve</a:t>
+            </a:r>
+          </a:p>
+        </p:txBody>
+      </p:sp>
+      <p:pic>
+        <p:nvPicPr>
+          <p:cNvPr id="3" name="Picture 2" descr="049d58c2-235a-44a6-bbc9-2580cc4b24cf.png"/>
+          <p:cNvPicPr>
+            <a:picLocks noChangeAspect="1"/>
+          </p:cNvPicPr>
+          <p:nvPr/>
+        </p:nvPicPr>
+        <p:blipFill>
+          <a:blip r:embed="rId2"/>
+          <a:stretch>
+            <a:fillRect/>
+          </a:stretch>
+        </p:blipFill>
+        <p:spPr>
+          <a:xfrm>
+            <a:off x="1016000" y="2590800"/>
+            <a:ext cx="14224000" cy="3810000"/>
+          </a:xfrm>
+          <a:prstGeom prst="rect">
+            <a:avLst/>
+          </a:prstGeom>
+        </p:spPr>
+      </p:pic>
+      <p:sp>
+        <p:nvSpPr>
+          <p:cNvPr id="4" name="TextBox 3"/>
           <p:cNvSpPr txBox="1"/>
           <p:nvPr/>
         </p:nvSpPr>
         <p:spPr>
           <a:xfrm>
-            <a:off x="1016000" y="4508500"/>
-            <a:ext cx="7035800" cy="1143000"/>
+            <a:off x="1016000" y="6908800"/>
+            <a:ext cx="14249400" cy="762000"/>
           </a:xfrm>
           <a:prstGeom prst="rect">
             <a:avLst/>
@@ -6635,556 +6497,22 @@
           </a:bodyPr>
           <a:lstStyle/>
           <a:p>
-            <a:pPr algn="l">
+            <a:pPr algn="ctr">
               <a:defRPr b="0" i="0" sz="2000">
                 <a:solidFill>
-                  <a:srgbClr val="333333"/>
-                </a:solidFill>
-                <a:latin typeface="inter"/>
+                  <a:srgbClr val="595F6C"/>
+                </a:solidFill>
+                <a:latin typeface="Fraunces"/>
               </a:defRPr>
             </a:pPr>
             <a:r>
               <a:rPr b="0" i="0" sz="2000">
                 <a:solidFill>
-                  <a:srgbClr val="333333"/>
-                </a:solidFill>
-                <a:latin typeface="inter"/>
+                  <a:srgbClr val="595F6C"/>
+                </a:solidFill>
+                <a:latin typeface="Fraunces"/>
               </a:rPr>
-              <a:t>Gases exhibit unique properties due to the behavior of their particles. Pressure is influenced by temperature and volume changes.</a:t>
-            </a:r>
-          </a:p>
-        </p:txBody>
-      </p:sp>
-      <p:sp>
-        <p:nvSpPr>
-          <p:cNvPr id="4" name="Rounded Rectangle 3"/>
-          <p:cNvSpPr/>
-          <p:nvPr/>
-        </p:nvSpPr>
-        <p:spPr>
-          <a:xfrm>
-            <a:off x="8229600" y="952500"/>
-            <a:ext cx="7010400" cy="2209800"/>
-          </a:xfrm>
-          <a:prstGeom prst="roundRect">
-            <a:avLst>
-              <a:gd name="adj" fmla="val 4597"/>
-            </a:avLst>
-          </a:prstGeom>
-          <a:solidFill>
-            <a:srgbClr val="FFFFFF"/>
-          </a:solidFill>
-          <a:ln>
-            <a:noFill/>
-          </a:ln>
-          <a:effectLst>
-            <a:outerShdw blurRad="127000" dir="90000" dist="25400" rotWithShape="0">
-              <a:srgbClr val="2b2b2b">
-                <a:alpha val="20000"/>
-              </a:srgbClr>
-            </a:outerShdw>
-          </a:effectLst>
-        </p:spPr>
-        <p:style>
-          <a:lnRef idx="1">
-            <a:schemeClr val="accent1"/>
-          </a:lnRef>
-          <a:fillRef idx="3">
-            <a:schemeClr val="accent1"/>
-          </a:fillRef>
-          <a:effectRef idx="2">
-            <a:schemeClr val="accent1"/>
-          </a:effectRef>
-          <a:fontRef idx="minor">
-            <a:schemeClr val="lt1"/>
-          </a:fontRef>
-        </p:style>
-        <p:txBody>
-          <a:bodyPr rtlCol="0" anchor="ctr" wrap="square" lIns="0" rIns="0" tIns="0" bIns="0"/>
-          <a:lstStyle/>
-          <a:p>
-            <a:pPr algn="ctr"/>
-          </a:p>
-        </p:txBody>
-      </p:sp>
-      <p:sp>
-        <p:nvSpPr>
-          <p:cNvPr id="5" name="TextBox 4"/>
-          <p:cNvSpPr txBox="1"/>
-          <p:nvPr/>
-        </p:nvSpPr>
-        <p:spPr>
-          <a:xfrm>
-            <a:off x="8534400" y="1257300"/>
-            <a:ext cx="533400" cy="1397000"/>
-          </a:xfrm>
-          <a:prstGeom prst="rect">
-            <a:avLst/>
-          </a:prstGeom>
-          <a:noFill/>
-        </p:spPr>
-        <p:txBody>
-          <a:bodyPr wrap="square" lIns="0" rIns="0" tIns="0" bIns="0">
-            <a:spAutoFit/>
-          </a:bodyPr>
-          <a:lstStyle/>
-          <a:p>
-            <a:pPr algn="l">
-              <a:defRPr b="1" i="0" sz="3200">
-                <a:solidFill>
-                  <a:srgbClr val="1F1F2D"/>
-                </a:solidFill>
-                <a:latin typeface="inter"/>
-              </a:defRPr>
-            </a:pPr>
-            <a:r>
-              <a:rPr b="1" i="0" sz="3200">
-                <a:solidFill>
-                  <a:srgbClr val="1F1F2D"/>
-                </a:solidFill>
-                <a:latin typeface="inter"/>
-              </a:rPr>
-              <a:t>01</a:t>
-            </a:r>
-          </a:p>
-        </p:txBody>
-      </p:sp>
-      <p:sp>
-        <p:nvSpPr>
-          <p:cNvPr id="6" name="TextBox 5"/>
-          <p:cNvSpPr txBox="1"/>
-          <p:nvPr/>
-        </p:nvSpPr>
-        <p:spPr>
-          <a:xfrm>
-            <a:off x="9347200" y="1257300"/>
-            <a:ext cx="5613400" cy="406400"/>
-          </a:xfrm>
-          <a:prstGeom prst="rect">
-            <a:avLst/>
-          </a:prstGeom>
-          <a:noFill/>
-        </p:spPr>
-        <p:txBody>
-          <a:bodyPr wrap="square" lIns="0" rIns="0" tIns="0" bIns="0">
-            <a:spAutoFit/>
-          </a:bodyPr>
-          <a:lstStyle/>
-          <a:p>
-            <a:pPr algn="l">
-              <a:defRPr b="1" i="0" sz="2400">
-                <a:solidFill>
-                  <a:srgbClr val="1A1A1A"/>
-                </a:solidFill>
-                <a:latin typeface="inter"/>
-              </a:defRPr>
-            </a:pPr>
-            <a:r>
-              <a:rPr b="1" i="0" sz="2400">
-                <a:solidFill>
-                  <a:srgbClr val="1A1A1A"/>
-                </a:solidFill>
-                <a:latin typeface="inter"/>
-              </a:rPr>
-              <a:t>Gas Pressure</a:t>
-            </a:r>
-          </a:p>
-        </p:txBody>
-      </p:sp>
-      <p:sp>
-        <p:nvSpPr>
-          <p:cNvPr id="7" name="TextBox 6"/>
-          <p:cNvSpPr txBox="1"/>
-          <p:nvPr/>
-        </p:nvSpPr>
-        <p:spPr>
-          <a:xfrm>
-            <a:off x="9347200" y="1714500"/>
-            <a:ext cx="5613400" cy="1143000"/>
-          </a:xfrm>
-          <a:prstGeom prst="rect">
-            <a:avLst/>
-          </a:prstGeom>
-          <a:noFill/>
-        </p:spPr>
-        <p:txBody>
-          <a:bodyPr wrap="square" lIns="0" rIns="0" tIns="0" bIns="0">
-            <a:spAutoFit/>
-          </a:bodyPr>
-          <a:lstStyle/>
-          <a:p>
-            <a:pPr algn="l">
-              <a:defRPr b="0" i="0" sz="2000">
-                <a:solidFill>
-                  <a:srgbClr val="333333"/>
-                </a:solidFill>
-                <a:latin typeface="inter"/>
-              </a:defRPr>
-            </a:pPr>
-            <a:r>
-              <a:rPr b="0" i="0" sz="2000">
-                <a:solidFill>
-                  <a:srgbClr val="333333"/>
-                </a:solidFill>
-                <a:latin typeface="inter"/>
-              </a:rPr>
-              <a:t>Gas pressure results from gas particles colliding with the walls of their container, with more frequent collisions leading to higher pressure.</a:t>
-            </a:r>
-          </a:p>
-        </p:txBody>
-      </p:sp>
-      <p:sp>
-        <p:nvSpPr>
-          <p:cNvPr id="8" name="Rounded Rectangle 7"/>
-          <p:cNvSpPr/>
-          <p:nvPr/>
-        </p:nvSpPr>
-        <p:spPr>
-          <a:xfrm>
-            <a:off x="8229600" y="3467100"/>
-            <a:ext cx="7010400" cy="2209800"/>
-          </a:xfrm>
-          <a:prstGeom prst="roundRect">
-            <a:avLst>
-              <a:gd name="adj" fmla="val 4597"/>
-            </a:avLst>
-          </a:prstGeom>
-          <a:solidFill>
-            <a:srgbClr val="FFFFFF"/>
-          </a:solidFill>
-          <a:ln>
-            <a:noFill/>
-          </a:ln>
-          <a:effectLst>
-            <a:outerShdw blurRad="127000" dir="90000" dist="25400" rotWithShape="0">
-              <a:srgbClr val="2b2b2b">
-                <a:alpha val="20000"/>
-              </a:srgbClr>
-            </a:outerShdw>
-          </a:effectLst>
-        </p:spPr>
-        <p:style>
-          <a:lnRef idx="1">
-            <a:schemeClr val="accent1"/>
-          </a:lnRef>
-          <a:fillRef idx="3">
-            <a:schemeClr val="accent1"/>
-          </a:fillRef>
-          <a:effectRef idx="2">
-            <a:schemeClr val="accent1"/>
-          </a:effectRef>
-          <a:fontRef idx="minor">
-            <a:schemeClr val="lt1"/>
-          </a:fontRef>
-        </p:style>
-        <p:txBody>
-          <a:bodyPr rtlCol="0" anchor="ctr" wrap="square" lIns="0" rIns="0" tIns="0" bIns="0"/>
-          <a:lstStyle/>
-          <a:p>
-            <a:pPr algn="ctr"/>
-          </a:p>
-        </p:txBody>
-      </p:sp>
-      <p:sp>
-        <p:nvSpPr>
-          <p:cNvPr id="9" name="TextBox 8"/>
-          <p:cNvSpPr txBox="1"/>
-          <p:nvPr/>
-        </p:nvSpPr>
-        <p:spPr>
-          <a:xfrm>
-            <a:off x="8534400" y="3771900"/>
-            <a:ext cx="622300" cy="1397000"/>
-          </a:xfrm>
-          <a:prstGeom prst="rect">
-            <a:avLst/>
-          </a:prstGeom>
-          <a:noFill/>
-        </p:spPr>
-        <p:txBody>
-          <a:bodyPr wrap="square" lIns="0" rIns="0" tIns="0" bIns="0">
-            <a:spAutoFit/>
-          </a:bodyPr>
-          <a:lstStyle/>
-          <a:p>
-            <a:pPr algn="l">
-              <a:defRPr b="1" i="0" sz="3200">
-                <a:solidFill>
-                  <a:srgbClr val="1F1F2D"/>
-                </a:solidFill>
-                <a:latin typeface="inter"/>
-              </a:defRPr>
-            </a:pPr>
-            <a:r>
-              <a:rPr b="1" i="0" sz="3200">
-                <a:solidFill>
-                  <a:srgbClr val="1F1F2D"/>
-                </a:solidFill>
-                <a:latin typeface="inter"/>
-              </a:rPr>
-              <a:t>02</a:t>
-            </a:r>
-          </a:p>
-        </p:txBody>
-      </p:sp>
-      <p:sp>
-        <p:nvSpPr>
-          <p:cNvPr id="10" name="TextBox 9"/>
-          <p:cNvSpPr txBox="1"/>
-          <p:nvPr/>
-        </p:nvSpPr>
-        <p:spPr>
-          <a:xfrm>
-            <a:off x="9436100" y="3771900"/>
-            <a:ext cx="5524500" cy="406400"/>
-          </a:xfrm>
-          <a:prstGeom prst="rect">
-            <a:avLst/>
-          </a:prstGeom>
-          <a:noFill/>
-        </p:spPr>
-        <p:txBody>
-          <a:bodyPr wrap="square" lIns="0" rIns="0" tIns="0" bIns="0">
-            <a:spAutoFit/>
-          </a:bodyPr>
-          <a:lstStyle/>
-          <a:p>
-            <a:pPr algn="l">
-              <a:defRPr b="1" i="0" sz="2400">
-                <a:solidFill>
-                  <a:srgbClr val="1A1A1A"/>
-                </a:solidFill>
-                <a:latin typeface="inter"/>
-              </a:defRPr>
-            </a:pPr>
-            <a:r>
-              <a:rPr b="1" i="0" sz="2400">
-                <a:solidFill>
-                  <a:srgbClr val="1A1A1A"/>
-                </a:solidFill>
-                <a:latin typeface="inter"/>
-              </a:rPr>
-              <a:t>Temperature Impact</a:t>
-            </a:r>
-          </a:p>
-        </p:txBody>
-      </p:sp>
-      <p:sp>
-        <p:nvSpPr>
-          <p:cNvPr id="11" name="TextBox 10"/>
-          <p:cNvSpPr txBox="1"/>
-          <p:nvPr/>
-        </p:nvSpPr>
-        <p:spPr>
-          <a:xfrm>
-            <a:off x="9436100" y="4229100"/>
-            <a:ext cx="5524500" cy="1143000"/>
-          </a:xfrm>
-          <a:prstGeom prst="rect">
-            <a:avLst/>
-          </a:prstGeom>
-          <a:noFill/>
-        </p:spPr>
-        <p:txBody>
-          <a:bodyPr wrap="square" lIns="0" rIns="0" tIns="0" bIns="0">
-            <a:spAutoFit/>
-          </a:bodyPr>
-          <a:lstStyle/>
-          <a:p>
-            <a:pPr algn="l">
-              <a:defRPr b="0" i="0" sz="2000">
-                <a:solidFill>
-                  <a:srgbClr val="333333"/>
-                </a:solidFill>
-                <a:latin typeface="inter"/>
-              </a:defRPr>
-            </a:pPr>
-            <a:r>
-              <a:rPr b="0" i="0" sz="2000">
-                <a:solidFill>
-                  <a:srgbClr val="333333"/>
-                </a:solidFill>
-                <a:latin typeface="inter"/>
-              </a:rPr>
-              <a:t>Increasing temperature increases gas pressure, as particles move faster and collide more forcefully with the container walls.</a:t>
-            </a:r>
-          </a:p>
-        </p:txBody>
-      </p:sp>
-      <p:sp>
-        <p:nvSpPr>
-          <p:cNvPr id="12" name="Rounded Rectangle 11"/>
-          <p:cNvSpPr/>
-          <p:nvPr/>
-        </p:nvSpPr>
-        <p:spPr>
-          <a:xfrm>
-            <a:off x="8229600" y="5981700"/>
-            <a:ext cx="7010400" cy="2209800"/>
-          </a:xfrm>
-          <a:prstGeom prst="roundRect">
-            <a:avLst>
-              <a:gd name="adj" fmla="val 4597"/>
-            </a:avLst>
-          </a:prstGeom>
-          <a:solidFill>
-            <a:srgbClr val="FFFFFF"/>
-          </a:solidFill>
-          <a:ln>
-            <a:noFill/>
-          </a:ln>
-          <a:effectLst>
-            <a:outerShdw blurRad="127000" dir="90000" dist="25400" rotWithShape="0">
-              <a:srgbClr val="2b2b2b">
-                <a:alpha val="20000"/>
-              </a:srgbClr>
-            </a:outerShdw>
-          </a:effectLst>
-        </p:spPr>
-        <p:style>
-          <a:lnRef idx="1">
-            <a:schemeClr val="accent1"/>
-          </a:lnRef>
-          <a:fillRef idx="3">
-            <a:schemeClr val="accent1"/>
-          </a:fillRef>
-          <a:effectRef idx="2">
-            <a:schemeClr val="accent1"/>
-          </a:effectRef>
-          <a:fontRef idx="minor">
-            <a:schemeClr val="lt1"/>
-          </a:fontRef>
-        </p:style>
-        <p:txBody>
-          <a:bodyPr rtlCol="0" anchor="ctr" wrap="square" lIns="0" rIns="0" tIns="0" bIns="0"/>
-          <a:lstStyle/>
-          <a:p>
-            <a:pPr algn="ctr"/>
-          </a:p>
-        </p:txBody>
-      </p:sp>
-      <p:sp>
-        <p:nvSpPr>
-          <p:cNvPr id="13" name="TextBox 12"/>
-          <p:cNvSpPr txBox="1"/>
-          <p:nvPr/>
-        </p:nvSpPr>
-        <p:spPr>
-          <a:xfrm>
-            <a:off x="8534400" y="6286500"/>
-            <a:ext cx="622300" cy="1397000"/>
-          </a:xfrm>
-          <a:prstGeom prst="rect">
-            <a:avLst/>
-          </a:prstGeom>
-          <a:noFill/>
-        </p:spPr>
-        <p:txBody>
-          <a:bodyPr wrap="square" lIns="0" rIns="0" tIns="0" bIns="0">
-            <a:spAutoFit/>
-          </a:bodyPr>
-          <a:lstStyle/>
-          <a:p>
-            <a:pPr algn="l">
-              <a:defRPr b="1" i="0" sz="3200">
-                <a:solidFill>
-                  <a:srgbClr val="1F1F2D"/>
-                </a:solidFill>
-                <a:latin typeface="inter"/>
-              </a:defRPr>
-            </a:pPr>
-            <a:r>
-              <a:rPr b="1" i="0" sz="3200">
-                <a:solidFill>
-                  <a:srgbClr val="1F1F2D"/>
-                </a:solidFill>
-                <a:latin typeface="inter"/>
-              </a:rPr>
-              <a:t>03</a:t>
-            </a:r>
-          </a:p>
-        </p:txBody>
-      </p:sp>
-      <p:sp>
-        <p:nvSpPr>
-          <p:cNvPr id="14" name="TextBox 13"/>
-          <p:cNvSpPr txBox="1"/>
-          <p:nvPr/>
-        </p:nvSpPr>
-        <p:spPr>
-          <a:xfrm>
-            <a:off x="9436100" y="6286500"/>
-            <a:ext cx="5524500" cy="406400"/>
-          </a:xfrm>
-          <a:prstGeom prst="rect">
-            <a:avLst/>
-          </a:prstGeom>
-          <a:noFill/>
-        </p:spPr>
-        <p:txBody>
-          <a:bodyPr wrap="square" lIns="0" rIns="0" tIns="0" bIns="0">
-            <a:spAutoFit/>
-          </a:bodyPr>
-          <a:lstStyle/>
-          <a:p>
-            <a:pPr algn="l">
-              <a:defRPr b="1" i="0" sz="2400">
-                <a:solidFill>
-                  <a:srgbClr val="1A1A1A"/>
-                </a:solidFill>
-                <a:latin typeface="inter"/>
-              </a:defRPr>
-            </a:pPr>
-            <a:r>
-              <a:rPr b="1" i="0" sz="2400">
-                <a:solidFill>
-                  <a:srgbClr val="1A1A1A"/>
-                </a:solidFill>
-                <a:latin typeface="inter"/>
-              </a:rPr>
-              <a:t>Volume Influence</a:t>
-            </a:r>
-          </a:p>
-        </p:txBody>
-      </p:sp>
-      <p:sp>
-        <p:nvSpPr>
-          <p:cNvPr id="15" name="TextBox 14"/>
-          <p:cNvSpPr txBox="1"/>
-          <p:nvPr/>
-        </p:nvSpPr>
-        <p:spPr>
-          <a:xfrm>
-            <a:off x="9436100" y="6743700"/>
-            <a:ext cx="5524500" cy="1143000"/>
-          </a:xfrm>
-          <a:prstGeom prst="rect">
-            <a:avLst/>
-          </a:prstGeom>
-          <a:noFill/>
-        </p:spPr>
-        <p:txBody>
-          <a:bodyPr wrap="square" lIns="0" rIns="0" tIns="0" bIns="0">
-            <a:spAutoFit/>
-          </a:bodyPr>
-          <a:lstStyle/>
-          <a:p>
-            <a:pPr algn="l">
-              <a:defRPr b="0" i="0" sz="2000">
-                <a:solidFill>
-                  <a:srgbClr val="333333"/>
-                </a:solidFill>
-                <a:latin typeface="inter"/>
-              </a:defRPr>
-            </a:pPr>
-            <a:r>
-              <a:rPr b="0" i="0" sz="2000">
-                <a:solidFill>
-                  <a:srgbClr val="333333"/>
-                </a:solidFill>
-                <a:latin typeface="inter"/>
-              </a:rPr>
-              <a:t>Decreasing volume increases gas pressure, as particles have less space to move and collide more frequently with the container walls.</a:t>
+              <a:t>A heating curve shows temperature changes as a substance is heated. Plateaus indicate state changes (melting/boiling) where temperature remains constant as energy is used to change state.</a:t>
             </a:r>
           </a:p>
         </p:txBody>
